--- a/data/organizacija/001_uvod_i_ug_kao_gosp_djelatnost_ponavljanje.pptx
+++ b/data/organizacija/001_uvod_i_ug_kao_gosp_djelatnost_ponavljanje.pptx
@@ -6,7 +6,7 @@
     <p:sldMasterId id="2147483673" r:id="rId2"/>
   </p:sldMasterIdLst>
   <p:notesMasterIdLst>
-    <p:notesMasterId r:id="rId20"/>
+    <p:notesMasterId r:id="rId29"/>
   </p:notesMasterIdLst>
   <p:sldIdLst>
     <p:sldId id="265" r:id="rId3"/>
@@ -19,13 +19,22 @@
     <p:sldId id="271" r:id="rId10"/>
     <p:sldId id="273" r:id="rId11"/>
     <p:sldId id="274" r:id="rId12"/>
-    <p:sldId id="257" r:id="rId13"/>
-    <p:sldId id="259" r:id="rId14"/>
-    <p:sldId id="260" r:id="rId15"/>
-    <p:sldId id="261" r:id="rId16"/>
-    <p:sldId id="262" r:id="rId17"/>
-    <p:sldId id="263" r:id="rId18"/>
-    <p:sldId id="264" r:id="rId19"/>
+    <p:sldId id="275" r:id="rId13"/>
+    <p:sldId id="276" r:id="rId14"/>
+    <p:sldId id="277" r:id="rId15"/>
+    <p:sldId id="278" r:id="rId16"/>
+    <p:sldId id="279" r:id="rId17"/>
+    <p:sldId id="280" r:id="rId18"/>
+    <p:sldId id="281" r:id="rId19"/>
+    <p:sldId id="282" r:id="rId20"/>
+    <p:sldId id="283" r:id="rId21"/>
+    <p:sldId id="257" r:id="rId22"/>
+    <p:sldId id="259" r:id="rId23"/>
+    <p:sldId id="260" r:id="rId24"/>
+    <p:sldId id="261" r:id="rId25"/>
+    <p:sldId id="262" r:id="rId26"/>
+    <p:sldId id="263" r:id="rId27"/>
+    <p:sldId id="264" r:id="rId28"/>
   </p:sldIdLst>
   <p:sldSz cx="9144000" cy="6858000" type="screen4x3"/>
   <p:notesSz cx="6858000" cy="9144000"/>
@@ -209,7 +218,7 @@
           <a:p>
             <a:fld id="{D1EDEA6F-F87B-454A-9AB5-0A88A8152E53}" type="datetimeFigureOut">
               <a:rPr lang="hr-HR" smtClean="0"/>
-              <a:t>14.10.2019.</a:t>
+              <a:t>22.10.2019.</a:t>
             </a:fld>
             <a:endParaRPr lang="hr-HR"/>
           </a:p>
@@ -1186,7 +1195,7 @@
           <a:p>
             <a:fld id="{7F212A80-9E0C-412C-834E-AEF9940D3F6A}" type="slidenum">
               <a:rPr lang="hr-HR" smtClean="0"/>
-              <a:t>17</a:t>
+              <a:t>26</a:t>
             </a:fld>
             <a:endParaRPr lang="hr-HR"/>
           </a:p>
@@ -2558,7 +2567,7 @@
           <a:p>
             <a:fld id="{7F212A80-9E0C-412C-834E-AEF9940D3F6A}" type="slidenum">
               <a:rPr lang="hr-HR" smtClean="0"/>
-              <a:t>11</a:t>
+              <a:t>20</a:t>
             </a:fld>
             <a:endParaRPr lang="hr-HR"/>
           </a:p>
@@ -2642,7 +2651,7 @@
           <a:p>
             <a:fld id="{7F212A80-9E0C-412C-834E-AEF9940D3F6A}" type="slidenum">
               <a:rPr lang="hr-HR" smtClean="0"/>
-              <a:t>12</a:t>
+              <a:t>21</a:t>
             </a:fld>
             <a:endParaRPr lang="hr-HR"/>
           </a:p>
@@ -2726,7 +2735,7 @@
           <a:p>
             <a:fld id="{7F212A80-9E0C-412C-834E-AEF9940D3F6A}" type="slidenum">
               <a:rPr lang="hr-HR" smtClean="0"/>
-              <a:t>13</a:t>
+              <a:t>22</a:t>
             </a:fld>
             <a:endParaRPr lang="hr-HR"/>
           </a:p>
@@ -2810,7 +2819,7 @@
           <a:p>
             <a:fld id="{7F212A80-9E0C-412C-834E-AEF9940D3F6A}" type="slidenum">
               <a:rPr lang="hr-HR" smtClean="0"/>
-              <a:t>14</a:t>
+              <a:t>23</a:t>
             </a:fld>
             <a:endParaRPr lang="hr-HR"/>
           </a:p>
@@ -2894,7 +2903,7 @@
           <a:p>
             <a:fld id="{7F212A80-9E0C-412C-834E-AEF9940D3F6A}" type="slidenum">
               <a:rPr lang="hr-HR" smtClean="0"/>
-              <a:t>15</a:t>
+              <a:t>24</a:t>
             </a:fld>
             <a:endParaRPr lang="hr-HR"/>
           </a:p>
@@ -2978,7 +2987,7 @@
           <a:p>
             <a:fld id="{7F212A80-9E0C-412C-834E-AEF9940D3F6A}" type="slidenum">
               <a:rPr lang="hr-HR" smtClean="0"/>
-              <a:t>16</a:t>
+              <a:t>25</a:t>
             </a:fld>
             <a:endParaRPr lang="hr-HR"/>
           </a:p>
@@ -3191,7 +3200,7 @@
                 </a:solidFill>
               </a:rPr>
               <a:pPr/>
-              <a:t>14.10.2019.</a:t>
+              <a:t>22.10.2019.</a:t>
             </a:fld>
             <a:endParaRPr lang="hr-HR">
               <a:solidFill>
@@ -3494,7 +3503,7 @@
                 </a:solidFill>
               </a:rPr>
               <a:pPr/>
-              <a:t>14.10.2019.</a:t>
+              <a:t>22.10.2019.</a:t>
             </a:fld>
             <a:endParaRPr lang="hr-HR">
               <a:solidFill>
@@ -3710,7 +3719,7 @@
                 </a:solidFill>
               </a:rPr>
               <a:pPr/>
-              <a:t>14.10.2019.</a:t>
+              <a:t>22.10.2019.</a:t>
             </a:fld>
             <a:endParaRPr lang="hr-HR">
               <a:solidFill>
@@ -3936,7 +3945,7 @@
                 </a:solidFill>
               </a:rPr>
               <a:pPr/>
-              <a:t>14.10.2019.</a:t>
+              <a:t>22.10.2019.</a:t>
             </a:fld>
             <a:endParaRPr lang="hr-HR">
               <a:solidFill>
@@ -4224,7 +4233,7 @@
                 </a:solidFill>
               </a:rPr>
               <a:pPr/>
-              <a:t>14.10.2019.</a:t>
+              <a:t>22.10.2019.</a:t>
             </a:fld>
             <a:endParaRPr lang="hr-HR">
               <a:solidFill>
@@ -4884,7 +4893,7 @@
                 </a:solidFill>
               </a:rPr>
               <a:pPr/>
-              <a:t>14.10.2019.</a:t>
+              <a:t>22.10.2019.</a:t>
             </a:fld>
             <a:endParaRPr lang="hr-HR">
               <a:solidFill>
@@ -5218,7 +5227,7 @@
                 </a:solidFill>
               </a:rPr>
               <a:pPr/>
-              <a:t>14.10.2019.</a:t>
+              <a:t>22.10.2019.</a:t>
             </a:fld>
             <a:endParaRPr lang="hr-HR">
               <a:solidFill>
@@ -5686,7 +5695,7 @@
                 </a:solidFill>
               </a:rPr>
               <a:pPr/>
-              <a:t>14.10.2019.</a:t>
+              <a:t>22.10.2019.</a:t>
             </a:fld>
             <a:endParaRPr lang="hr-HR">
               <a:solidFill>
@@ -5850,7 +5859,7 @@
                 </a:solidFill>
               </a:rPr>
               <a:pPr/>
-              <a:t>14.10.2019.</a:t>
+              <a:t>22.10.2019.</a:t>
             </a:fld>
             <a:endParaRPr lang="hr-HR">
               <a:solidFill>
@@ -6174,7 +6183,7 @@
                 </a:solidFill>
               </a:rPr>
               <a:pPr/>
-              <a:t>14.10.2019.</a:t>
+              <a:t>22.10.2019.</a:t>
             </a:fld>
             <a:endParaRPr lang="hr-HR">
               <a:solidFill>
@@ -6497,7 +6506,7 @@
                 </a:solidFill>
               </a:rPr>
               <a:pPr/>
-              <a:t>14.10.2019.</a:t>
+              <a:t>22.10.2019.</a:t>
             </a:fld>
             <a:endParaRPr lang="hr-HR">
               <a:solidFill>
@@ -6800,7 +6809,7 @@
                 </a:solidFill>
               </a:rPr>
               <a:pPr/>
-              <a:t>14.10.2019.</a:t>
+              <a:t>22.10.2019.</a:t>
             </a:fld>
             <a:endParaRPr lang="hr-HR">
               <a:solidFill>
@@ -7016,7 +7025,7 @@
                 </a:solidFill>
               </a:rPr>
               <a:pPr/>
-              <a:t>14.10.2019.</a:t>
+              <a:t>22.10.2019.</a:t>
             </a:fld>
             <a:endParaRPr lang="hr-HR">
               <a:solidFill>
@@ -7242,7 +7251,7 @@
                 </a:solidFill>
               </a:rPr>
               <a:pPr/>
-              <a:t>14.10.2019.</a:t>
+              <a:t>22.10.2019.</a:t>
             </a:fld>
             <a:endParaRPr lang="hr-HR">
               <a:solidFill>
@@ -7719,7 +7728,7 @@
                 </a:solidFill>
               </a:rPr>
               <a:pPr/>
-              <a:t>14.10.2019.</a:t>
+              <a:t>22.10.2019.</a:t>
             </a:fld>
             <a:endParaRPr lang="hr-HR">
               <a:solidFill>
@@ -8053,7 +8062,7 @@
                 </a:solidFill>
               </a:rPr>
               <a:pPr/>
-              <a:t>14.10.2019.</a:t>
+              <a:t>22.10.2019.</a:t>
             </a:fld>
             <a:endParaRPr lang="hr-HR">
               <a:solidFill>
@@ -8521,7 +8530,7 @@
                 </a:solidFill>
               </a:rPr>
               <a:pPr/>
-              <a:t>14.10.2019.</a:t>
+              <a:t>22.10.2019.</a:t>
             </a:fld>
             <a:endParaRPr lang="hr-HR">
               <a:solidFill>
@@ -8685,7 +8694,7 @@
                 </a:solidFill>
               </a:rPr>
               <a:pPr/>
-              <a:t>14.10.2019.</a:t>
+              <a:t>22.10.2019.</a:t>
             </a:fld>
             <a:endParaRPr lang="hr-HR">
               <a:solidFill>
@@ -8826,7 +8835,7 @@
                 </a:solidFill>
               </a:rPr>
               <a:pPr/>
-              <a:t>14.10.2019.</a:t>
+              <a:t>22.10.2019.</a:t>
             </a:fld>
             <a:endParaRPr lang="hr-HR">
               <a:solidFill>
@@ -9149,7 +9158,7 @@
                 </a:solidFill>
               </a:rPr>
               <a:pPr/>
-              <a:t>14.10.2019.</a:t>
+              <a:t>22.10.2019.</a:t>
             </a:fld>
             <a:endParaRPr lang="hr-HR">
               <a:solidFill>
@@ -10209,13 +10218,13 @@
   <p:clrMapOvr>
     <a:masterClrMapping/>
   </p:clrMapOvr>
-  <mc:AlternateContent xmlns:mc="http://schemas.openxmlformats.org/markup-compatibility/2006" xmlns:p14="http://schemas.microsoft.com/office/powerpoint/2010/main">
-    <mc:Choice Requires="p14">
+  <mc:AlternateContent xmlns:mc="http://schemas.openxmlformats.org/markup-compatibility/2006">
+    <mc:Choice xmlns:p14="http://schemas.microsoft.com/office/powerpoint/2010/main" Requires="p14">
       <p:transition>
         <p14:reveal/>
       </p:transition>
     </mc:Choice>
-    <mc:Fallback xmlns="">
+    <mc:Fallback>
       <p:transition>
         <p:fade/>
       </p:transition>
@@ -10438,13 +10447,13 @@
   <p:clrMapOvr>
     <a:masterClrMapping/>
   </p:clrMapOvr>
-  <mc:AlternateContent xmlns:mc="http://schemas.openxmlformats.org/markup-compatibility/2006" xmlns:p14="http://schemas.microsoft.com/office/powerpoint/2010/main">
-    <mc:Choice Requires="p14">
+  <mc:AlternateContent xmlns:mc="http://schemas.openxmlformats.org/markup-compatibility/2006">
+    <mc:Choice xmlns:p14="http://schemas.microsoft.com/office/powerpoint/2010/main" Requires="p14">
       <p:transition>
         <p14:reveal/>
       </p:transition>
     </mc:Choice>
-    <mc:Fallback xmlns="">
+    <mc:Fallback>
       <p:transition>
         <p:fade/>
       </p:transition>
@@ -10926,6 +10935,4552 @@
       </p:grpSpPr>
       <p:sp>
         <p:nvSpPr>
+          <p:cNvPr id="2" name="Title 1"/>
+          <p:cNvSpPr>
+            <a:spLocks noGrp="1"/>
+          </p:cNvSpPr>
+          <p:nvPr>
+            <p:ph type="title"/>
+          </p:nvPr>
+        </p:nvSpPr>
+        <p:spPr/>
+        <p:txBody>
+          <a:bodyPr/>
+          <a:lstStyle/>
+          <a:p>
+            <a:r>
+              <a:rPr lang="hr-HR" dirty="0" smtClean="0"/>
+              <a:t>PONAVLJANJE</a:t>
+            </a:r>
+            <a:endParaRPr lang="hr-HR" b="1" dirty="0"/>
+          </a:p>
+        </p:txBody>
+      </p:sp>
+      <p:sp>
+        <p:nvSpPr>
+          <p:cNvPr id="3" name="Content Placeholder 2"/>
+          <p:cNvSpPr>
+            <a:spLocks noGrp="1"/>
+          </p:cNvSpPr>
+          <p:nvPr>
+            <p:ph idx="1"/>
+          </p:nvPr>
+        </p:nvSpPr>
+        <p:spPr>
+          <a:xfrm>
+            <a:off x="107504" y="809734"/>
+            <a:ext cx="8929718" cy="5643602"/>
+          </a:xfrm>
+        </p:spPr>
+        <p:txBody>
+          <a:bodyPr>
+            <a:noAutofit/>
+          </a:bodyPr>
+          <a:lstStyle/>
+          <a:p>
+            <a:pPr marL="0" lvl="0" indent="0">
+              <a:buNone/>
+            </a:pPr>
+            <a:r>
+              <a:rPr lang="hr-HR" sz="2400" b="1" dirty="0" smtClean="0"/>
+              <a:t>ORGANIZACIJA</a:t>
+            </a:r>
+          </a:p>
+          <a:p>
+            <a:pPr lvl="0">
+              <a:spcBef>
+                <a:spcPts val="0"/>
+              </a:spcBef>
+            </a:pPr>
+            <a:r>
+              <a:rPr lang="hr-HR" sz="2200" b="1" dirty="0">
+                <a:solidFill>
+                  <a:srgbClr val="FF0000"/>
+                </a:solidFill>
+              </a:rPr>
+              <a:t>smišljena ljudska aktivnost </a:t>
+            </a:r>
+            <a:r>
+              <a:rPr lang="hr-HR" sz="2200" dirty="0"/>
+              <a:t>koja ima dužnost </a:t>
+            </a:r>
+            <a:r>
+              <a:rPr lang="hr-HR" sz="2200" b="1" dirty="0">
+                <a:solidFill>
+                  <a:srgbClr val="FF0000"/>
+                </a:solidFill>
+              </a:rPr>
+              <a:t>stavljanja u funkciju više organa </a:t>
+            </a:r>
+            <a:r>
+              <a:rPr lang="hr-HR" sz="2200" dirty="0"/>
+              <a:t>zbog </a:t>
+            </a:r>
+            <a:r>
+              <a:rPr lang="hr-HR" sz="2200" b="1" dirty="0">
+                <a:solidFill>
+                  <a:srgbClr val="FF0000"/>
+                </a:solidFill>
+              </a:rPr>
+              <a:t>obavljanja određenog zadatka </a:t>
+            </a:r>
+            <a:r>
+              <a:rPr lang="hr-HR" sz="2200" dirty="0"/>
+              <a:t>(ili postizanje nekog cilja)</a:t>
+            </a:r>
+          </a:p>
+          <a:p>
+            <a:pPr marL="0" lvl="0" indent="0">
+              <a:spcBef>
+                <a:spcPts val="1200"/>
+              </a:spcBef>
+              <a:buNone/>
+            </a:pPr>
+            <a:r>
+              <a:rPr lang="hr-HR" sz="2400" b="1" dirty="0" smtClean="0"/>
+              <a:t>SVRHA ORGANIZACIJE RADA</a:t>
+            </a:r>
+          </a:p>
+          <a:p>
+            <a:pPr>
+              <a:spcBef>
+                <a:spcPts val="0"/>
+              </a:spcBef>
+            </a:pPr>
+            <a:r>
+              <a:rPr lang="hr-HR" sz="2200" dirty="0"/>
+              <a:t>omogućiti da se što </a:t>
+            </a:r>
+            <a:r>
+              <a:rPr lang="hr-HR" sz="2200" b="1" dirty="0">
+                <a:solidFill>
+                  <a:srgbClr val="FF0000"/>
+                </a:solidFill>
+              </a:rPr>
+              <a:t>jednostavnije, brže</a:t>
+            </a:r>
+            <a:r>
+              <a:rPr lang="hr-HR" sz="2200" dirty="0"/>
+              <a:t> i </a:t>
+            </a:r>
+            <a:r>
+              <a:rPr lang="hr-HR" sz="2200" b="1" dirty="0">
+                <a:solidFill>
+                  <a:srgbClr val="FF0000"/>
+                </a:solidFill>
+              </a:rPr>
+              <a:t>jeftinije </a:t>
+            </a:r>
+            <a:r>
+              <a:rPr lang="hr-HR" sz="2200" dirty="0"/>
+              <a:t>ostvari određeni zadatak, bilo na području proizvodnje ili pružanja usluga </a:t>
+            </a:r>
+            <a:endParaRPr lang="hr-HR" sz="2200" dirty="0" smtClean="0"/>
+          </a:p>
+          <a:p>
+            <a:pPr marL="0" indent="0">
+              <a:spcBef>
+                <a:spcPts val="1200"/>
+              </a:spcBef>
+              <a:buNone/>
+            </a:pPr>
+            <a:r>
+              <a:rPr lang="hr-HR" sz="2400" b="1" dirty="0" smtClean="0"/>
+              <a:t>ELEMENTI ORGANIZACIJE RADA</a:t>
+            </a:r>
+          </a:p>
+          <a:p>
+            <a:pPr>
+              <a:spcBef>
+                <a:spcPts val="0"/>
+              </a:spcBef>
+            </a:pPr>
+            <a:r>
+              <a:rPr lang="hr-HR" sz="2200" dirty="0" smtClean="0"/>
+              <a:t>ljudi, sredstva za rad, prostor, predmeti rada i vrijeme</a:t>
+            </a:r>
+          </a:p>
+          <a:p>
+            <a:pPr marL="0" lvl="0" indent="0">
+              <a:spcBef>
+                <a:spcPts val="1200"/>
+              </a:spcBef>
+              <a:buNone/>
+            </a:pPr>
+            <a:r>
+              <a:rPr lang="hr-HR" sz="2400" b="1" dirty="0" smtClean="0"/>
+              <a:t>PROCES ORGANIZACIJE RADA</a:t>
+            </a:r>
+          </a:p>
+          <a:p>
+            <a:pPr marL="0" lvl="0" indent="0">
+              <a:spcBef>
+                <a:spcPts val="1800"/>
+              </a:spcBef>
+              <a:buNone/>
+            </a:pPr>
+            <a:endParaRPr lang="hr-HR" sz="2400" b="1" dirty="0"/>
+          </a:p>
+          <a:p>
+            <a:pPr marL="0" lvl="0" indent="0">
+              <a:spcBef>
+                <a:spcPts val="1800"/>
+              </a:spcBef>
+              <a:buNone/>
+            </a:pPr>
+            <a:endParaRPr lang="hr-HR" sz="2400" b="1" dirty="0" smtClean="0"/>
+          </a:p>
+          <a:p>
+            <a:pPr marL="0" lvl="0" indent="0">
+              <a:spcBef>
+                <a:spcPts val="600"/>
+              </a:spcBef>
+              <a:buNone/>
+            </a:pPr>
+            <a:r>
+              <a:rPr lang="hr-HR" sz="2400" b="1" dirty="0" smtClean="0"/>
+              <a:t>VODITELJ ODJELA</a:t>
+            </a:r>
+          </a:p>
+          <a:p>
+            <a:pPr marL="0" lvl="0" indent="0">
+              <a:spcBef>
+                <a:spcPts val="600"/>
+              </a:spcBef>
+              <a:buNone/>
+            </a:pPr>
+            <a:r>
+              <a:rPr lang="hr-HR" sz="2400" b="1" dirty="0" smtClean="0"/>
+              <a:t>DIREKTOR</a:t>
+            </a:r>
+            <a:endParaRPr lang="hr-HR" sz="2400" b="1" dirty="0"/>
+          </a:p>
+        </p:txBody>
+      </p:sp>
+      <p:sp>
+        <p:nvSpPr>
+          <p:cNvPr id="4" name="Rectangle 3"/>
+          <p:cNvSpPr/>
+          <p:nvPr/>
+        </p:nvSpPr>
+        <p:spPr>
+          <a:xfrm>
+            <a:off x="285720" y="4485197"/>
+            <a:ext cx="2143140" cy="1104043"/>
+          </a:xfrm>
+          <a:prstGeom prst="rect">
+            <a:avLst/>
+          </a:prstGeom>
+          <a:solidFill>
+            <a:schemeClr val="tx2"/>
+          </a:solidFill>
+          <a:ln>
+            <a:noFill/>
+          </a:ln>
+          <a:effectLst>
+            <a:outerShdw blurRad="50800" dist="38100" dir="2700000" algn="tl" rotWithShape="0">
+              <a:prstClr val="black">
+                <a:alpha val="40000"/>
+              </a:prstClr>
+            </a:outerShdw>
+          </a:effectLst>
+        </p:spPr>
+        <p:style>
+          <a:lnRef idx="2">
+            <a:schemeClr val="accent1">
+              <a:shade val="50000"/>
+            </a:schemeClr>
+          </a:lnRef>
+          <a:fillRef idx="1">
+            <a:schemeClr val="accent1"/>
+          </a:fillRef>
+          <a:effectRef idx="0">
+            <a:schemeClr val="accent1"/>
+          </a:effectRef>
+          <a:fontRef idx="minor">
+            <a:schemeClr val="lt1"/>
+          </a:fontRef>
+        </p:style>
+        <p:txBody>
+          <a:bodyPr rtlCol="0" anchor="ctr"/>
+          <a:lstStyle/>
+          <a:p>
+            <a:pPr algn="ctr"/>
+            <a:r>
+              <a:rPr lang="hr-HR" sz="2000" b="1" dirty="0"/>
+              <a:t>ORGANIZIRANJE SVAKOG RADNOG MJESTA U ODJELU</a:t>
+            </a:r>
+          </a:p>
+        </p:txBody>
+      </p:sp>
+      <p:sp>
+        <p:nvSpPr>
+          <p:cNvPr id="5" name="Rectangle 4"/>
+          <p:cNvSpPr/>
+          <p:nvPr/>
+        </p:nvSpPr>
+        <p:spPr>
+          <a:xfrm>
+            <a:off x="3321834" y="4485197"/>
+            <a:ext cx="2143140" cy="1104043"/>
+          </a:xfrm>
+          <a:prstGeom prst="rect">
+            <a:avLst/>
+          </a:prstGeom>
+          <a:solidFill>
+            <a:schemeClr val="tx2"/>
+          </a:solidFill>
+          <a:ln>
+            <a:noFill/>
+          </a:ln>
+          <a:effectLst>
+            <a:outerShdw blurRad="50800" dist="38100" dir="2700000" algn="tl" rotWithShape="0">
+              <a:prstClr val="black">
+                <a:alpha val="40000"/>
+              </a:prstClr>
+            </a:outerShdw>
+          </a:effectLst>
+        </p:spPr>
+        <p:style>
+          <a:lnRef idx="2">
+            <a:schemeClr val="accent1">
+              <a:shade val="50000"/>
+            </a:schemeClr>
+          </a:lnRef>
+          <a:fillRef idx="1">
+            <a:schemeClr val="accent1"/>
+          </a:fillRef>
+          <a:effectRef idx="0">
+            <a:schemeClr val="accent1"/>
+          </a:effectRef>
+          <a:fontRef idx="minor">
+            <a:schemeClr val="lt1"/>
+          </a:fontRef>
+        </p:style>
+        <p:txBody>
+          <a:bodyPr rtlCol="0" anchor="ctr"/>
+          <a:lstStyle/>
+          <a:p>
+            <a:pPr algn="ctr"/>
+            <a:r>
+              <a:rPr lang="hr-HR" sz="2000" b="1" dirty="0" smtClean="0"/>
+              <a:t>USKLAĐIVANJE RADNIH MJESTA U ODJELU I POGONU</a:t>
+            </a:r>
+            <a:endParaRPr lang="hr-HR" sz="2000" b="1" dirty="0"/>
+          </a:p>
+        </p:txBody>
+      </p:sp>
+      <p:sp>
+        <p:nvSpPr>
+          <p:cNvPr id="6" name="Rectangle 5"/>
+          <p:cNvSpPr/>
+          <p:nvPr/>
+        </p:nvSpPr>
+        <p:spPr>
+          <a:xfrm>
+            <a:off x="6357950" y="4485197"/>
+            <a:ext cx="2571768" cy="1104043"/>
+          </a:xfrm>
+          <a:prstGeom prst="rect">
+            <a:avLst/>
+          </a:prstGeom>
+          <a:solidFill>
+            <a:schemeClr val="tx2"/>
+          </a:solidFill>
+          <a:ln>
+            <a:noFill/>
+          </a:ln>
+          <a:effectLst>
+            <a:outerShdw blurRad="50800" dist="38100" dir="2700000" algn="tl" rotWithShape="0">
+              <a:prstClr val="black">
+                <a:alpha val="40000"/>
+              </a:prstClr>
+            </a:outerShdw>
+          </a:effectLst>
+        </p:spPr>
+        <p:style>
+          <a:lnRef idx="2">
+            <a:schemeClr val="accent1">
+              <a:shade val="50000"/>
+            </a:schemeClr>
+          </a:lnRef>
+          <a:fillRef idx="1">
+            <a:schemeClr val="accent1"/>
+          </a:fillRef>
+          <a:effectRef idx="0">
+            <a:schemeClr val="accent1"/>
+          </a:effectRef>
+          <a:fontRef idx="minor">
+            <a:schemeClr val="lt1"/>
+          </a:fontRef>
+        </p:style>
+        <p:txBody>
+          <a:bodyPr rtlCol="0" anchor="ctr"/>
+          <a:lstStyle/>
+          <a:p>
+            <a:pPr algn="ctr"/>
+            <a:r>
+              <a:rPr lang="hr-HR" sz="2000" b="1" dirty="0" smtClean="0"/>
+              <a:t>USKLAĐIVANJE SVIH ODJELA U UGOST. OBJEKTU</a:t>
+            </a:r>
+            <a:endParaRPr lang="hr-HR" sz="2000" b="1" dirty="0"/>
+          </a:p>
+        </p:txBody>
+      </p:sp>
+      <p:sp>
+        <p:nvSpPr>
+          <p:cNvPr id="7" name="Right Arrow 6"/>
+          <p:cNvSpPr/>
+          <p:nvPr/>
+        </p:nvSpPr>
+        <p:spPr>
+          <a:xfrm>
+            <a:off x="2553876" y="4680028"/>
+            <a:ext cx="642942" cy="714380"/>
+          </a:xfrm>
+          <a:prstGeom prst="rightArrow">
+            <a:avLst/>
+          </a:prstGeom>
+          <a:solidFill>
+            <a:srgbClr val="FFC000"/>
+          </a:solidFill>
+          <a:ln>
+            <a:noFill/>
+          </a:ln>
+          <a:effectLst>
+            <a:outerShdw blurRad="50800" dist="38100" dir="2700000" algn="tl" rotWithShape="0">
+              <a:prstClr val="black">
+                <a:alpha val="40000"/>
+              </a:prstClr>
+            </a:outerShdw>
+          </a:effectLst>
+        </p:spPr>
+        <p:style>
+          <a:lnRef idx="2">
+            <a:schemeClr val="accent1">
+              <a:shade val="50000"/>
+            </a:schemeClr>
+          </a:lnRef>
+          <a:fillRef idx="1">
+            <a:schemeClr val="accent1"/>
+          </a:fillRef>
+          <a:effectRef idx="0">
+            <a:schemeClr val="accent1"/>
+          </a:effectRef>
+          <a:fontRef idx="minor">
+            <a:schemeClr val="lt1"/>
+          </a:fontRef>
+        </p:style>
+        <p:txBody>
+          <a:bodyPr rtlCol="0" anchor="ctr"/>
+          <a:lstStyle/>
+          <a:p>
+            <a:pPr algn="ctr"/>
+            <a:endParaRPr lang="hr-HR"/>
+          </a:p>
+        </p:txBody>
+      </p:sp>
+      <p:sp>
+        <p:nvSpPr>
+          <p:cNvPr id="8" name="Right Arrow 7"/>
+          <p:cNvSpPr/>
+          <p:nvPr/>
+        </p:nvSpPr>
+        <p:spPr>
+          <a:xfrm>
+            <a:off x="5589990" y="4680028"/>
+            <a:ext cx="642942" cy="714380"/>
+          </a:xfrm>
+          <a:prstGeom prst="rightArrow">
+            <a:avLst/>
+          </a:prstGeom>
+          <a:solidFill>
+            <a:srgbClr val="FFC000"/>
+          </a:solidFill>
+          <a:ln>
+            <a:noFill/>
+          </a:ln>
+          <a:effectLst>
+            <a:outerShdw blurRad="50800" dist="38100" dir="2700000" algn="tl" rotWithShape="0">
+              <a:prstClr val="black">
+                <a:alpha val="40000"/>
+              </a:prstClr>
+            </a:outerShdw>
+          </a:effectLst>
+        </p:spPr>
+        <p:style>
+          <a:lnRef idx="2">
+            <a:schemeClr val="accent1">
+              <a:shade val="50000"/>
+            </a:schemeClr>
+          </a:lnRef>
+          <a:fillRef idx="1">
+            <a:schemeClr val="accent1"/>
+          </a:fillRef>
+          <a:effectRef idx="0">
+            <a:schemeClr val="accent1"/>
+          </a:effectRef>
+          <a:fontRef idx="minor">
+            <a:schemeClr val="lt1"/>
+          </a:fontRef>
+        </p:style>
+        <p:txBody>
+          <a:bodyPr rtlCol="0" anchor="ctr"/>
+          <a:lstStyle/>
+          <a:p>
+            <a:pPr algn="ctr"/>
+            <a:endParaRPr lang="hr-HR"/>
+          </a:p>
+        </p:txBody>
+      </p:sp>
+      <p:sp>
+        <p:nvSpPr>
+          <p:cNvPr id="9" name="Rectangle 8"/>
+          <p:cNvSpPr/>
+          <p:nvPr/>
+        </p:nvSpPr>
+        <p:spPr>
+          <a:xfrm>
+            <a:off x="2485967" y="5648071"/>
+            <a:ext cx="5398401" cy="430887"/>
+          </a:xfrm>
+          <a:prstGeom prst="rect">
+            <a:avLst/>
+          </a:prstGeom>
+        </p:spPr>
+        <p:txBody>
+          <a:bodyPr wrap="none">
+            <a:spAutoFit/>
+          </a:bodyPr>
+          <a:lstStyle/>
+          <a:p>
+            <a:pPr marL="285750" indent="-285750">
+              <a:buFont typeface="Calibri" panose="020F0502020204030204" pitchFamily="34" charset="0"/>
+              <a:buChar char="‒"/>
+            </a:pPr>
+            <a:r>
+              <a:rPr lang="hr-HR" sz="2200" dirty="0"/>
+              <a:t>rukovodi organizaciju rada </a:t>
+            </a:r>
+            <a:r>
+              <a:rPr lang="hr-HR" sz="2200" b="1" dirty="0">
+                <a:solidFill>
+                  <a:srgbClr val="FF0000"/>
+                </a:solidFill>
+              </a:rPr>
+              <a:t>u</a:t>
+            </a:r>
+            <a:r>
+              <a:rPr lang="hr-HR" sz="2200" dirty="0"/>
+              <a:t> </a:t>
+            </a:r>
+            <a:r>
+              <a:rPr lang="hr-HR" sz="2200" b="1" dirty="0">
+                <a:solidFill>
+                  <a:srgbClr val="FF0000"/>
+                </a:solidFill>
+              </a:rPr>
+              <a:t>jednom odjelu</a:t>
+            </a:r>
+          </a:p>
+        </p:txBody>
+      </p:sp>
+      <p:sp>
+        <p:nvSpPr>
+          <p:cNvPr id="10" name="Rectangle 9"/>
+          <p:cNvSpPr/>
+          <p:nvPr/>
+        </p:nvSpPr>
+        <p:spPr>
+          <a:xfrm>
+            <a:off x="1475656" y="6093296"/>
+            <a:ext cx="5073248" cy="430887"/>
+          </a:xfrm>
+          <a:prstGeom prst="rect">
+            <a:avLst/>
+          </a:prstGeom>
+        </p:spPr>
+        <p:txBody>
+          <a:bodyPr wrap="none">
+            <a:spAutoFit/>
+          </a:bodyPr>
+          <a:lstStyle/>
+          <a:p>
+            <a:pPr marL="285750" indent="-285750">
+              <a:buFont typeface="Calibri" panose="020F0502020204030204" pitchFamily="34" charset="0"/>
+              <a:buChar char="‒"/>
+            </a:pPr>
+            <a:r>
+              <a:rPr lang="hr-HR" sz="2200" dirty="0"/>
+              <a:t>rukovodi </a:t>
+            </a:r>
+            <a:r>
+              <a:rPr lang="hr-HR" sz="2200" dirty="0" smtClean="0"/>
+              <a:t>organizacijom </a:t>
+            </a:r>
+            <a:r>
+              <a:rPr lang="hr-HR" sz="2200" b="1" dirty="0" smtClean="0">
+                <a:solidFill>
+                  <a:srgbClr val="FF0000"/>
+                </a:solidFill>
+              </a:rPr>
+              <a:t>cijelog poduzeća</a:t>
+            </a:r>
+            <a:endParaRPr lang="hr-HR" sz="2200" b="1" dirty="0">
+              <a:solidFill>
+                <a:srgbClr val="FF0000"/>
+              </a:solidFill>
+            </a:endParaRPr>
+          </a:p>
+        </p:txBody>
+      </p:sp>
+      <p:sp>
+        <p:nvSpPr>
+          <p:cNvPr id="11" name="Rectangle 10"/>
+          <p:cNvSpPr/>
+          <p:nvPr/>
+        </p:nvSpPr>
+        <p:spPr>
+          <a:xfrm>
+            <a:off x="7643834" y="188640"/>
+            <a:ext cx="1402948" cy="400110"/>
+          </a:xfrm>
+          <a:prstGeom prst="rect">
+            <a:avLst/>
+          </a:prstGeom>
+        </p:spPr>
+        <p:txBody>
+          <a:bodyPr wrap="none">
+            <a:spAutoFit/>
+          </a:bodyPr>
+          <a:lstStyle/>
+          <a:p>
+            <a:r>
+              <a:rPr lang="hr-HR" sz="2000" i="1" dirty="0">
+                <a:solidFill>
+                  <a:prstClr val="black"/>
+                </a:solidFill>
+              </a:rPr>
+              <a:t>(plan ploče)</a:t>
+            </a:r>
+            <a:endParaRPr lang="hr-HR" dirty="0"/>
+          </a:p>
+        </p:txBody>
+      </p:sp>
+    </p:spTree>
+    <p:extLst>
+      <p:ext uri="{BB962C8B-B14F-4D97-AF65-F5344CB8AC3E}">
+        <p14:creationId xmlns:p14="http://schemas.microsoft.com/office/powerpoint/2010/main" val="1049754793"/>
+      </p:ext>
+    </p:extLst>
+  </p:cSld>
+  <p:clrMapOvr>
+    <a:masterClrMapping/>
+  </p:clrMapOvr>
+  <mc:AlternateContent xmlns:mc="http://schemas.openxmlformats.org/markup-compatibility/2006">
+    <mc:Choice xmlns:p14="http://schemas.microsoft.com/office/powerpoint/2010/main" Requires="p14">
+      <p:transition>
+        <p14:reveal/>
+      </p:transition>
+    </mc:Choice>
+    <mc:Fallback>
+      <p:transition>
+        <p:fade/>
+      </p:transition>
+    </mc:Fallback>
+  </mc:AlternateContent>
+  <p:timing>
+    <p:tnLst>
+      <p:par>
+        <p:cTn id="1" dur="indefinite" restart="never" nodeType="tmRoot"/>
+      </p:par>
+    </p:tnLst>
+  </p:timing>
+</p:sld>
+</file>
+
+<file path=ppt/slides/slide12.xml><?xml version="1.0" encoding="utf-8"?>
+<p:sld xmlns:a="http://schemas.openxmlformats.org/drawingml/2006/main" xmlns:r="http://schemas.openxmlformats.org/officeDocument/2006/relationships" xmlns:p="http://schemas.openxmlformats.org/presentationml/2006/main">
+  <p:cSld>
+    <p:spTree>
+      <p:nvGrpSpPr>
+        <p:cNvPr id="1" name=""/>
+        <p:cNvGrpSpPr/>
+        <p:nvPr/>
+      </p:nvGrpSpPr>
+      <p:grpSpPr>
+        <a:xfrm>
+          <a:off x="0" y="0"/>
+          <a:ext cx="0" cy="0"/>
+          <a:chOff x="0" y="0"/>
+          <a:chExt cx="0" cy="0"/>
+        </a:xfrm>
+      </p:grpSpPr>
+      <p:sp>
+        <p:nvSpPr>
+          <p:cNvPr id="2" name="Title 1"/>
+          <p:cNvSpPr>
+            <a:spLocks noGrp="1"/>
+          </p:cNvSpPr>
+          <p:nvPr>
+            <p:ph type="title"/>
+          </p:nvPr>
+        </p:nvSpPr>
+        <p:spPr>
+          <a:xfrm>
+            <a:off x="142844" y="44624"/>
+            <a:ext cx="9001156" cy="642942"/>
+          </a:xfrm>
+        </p:spPr>
+        <p:txBody>
+          <a:bodyPr/>
+          <a:lstStyle/>
+          <a:p>
+            <a:r>
+              <a:rPr lang="hr-HR" sz="3200" dirty="0" smtClean="0"/>
+              <a:t>ORGANIZACIJA POSLOVANJA PODUZEĆA	  </a:t>
+            </a:r>
+            <a:r>
+              <a:rPr lang="hr-HR" sz="2000" b="0" i="1" dirty="0" smtClean="0">
+                <a:solidFill>
+                  <a:schemeClr val="tx1"/>
+                </a:solidFill>
+              </a:rPr>
+              <a:t>(plan ploče)</a:t>
+            </a:r>
+            <a:endParaRPr lang="hr-HR" sz="3200" b="0" i="1" dirty="0">
+              <a:solidFill>
+                <a:schemeClr val="tx1"/>
+              </a:solidFill>
+            </a:endParaRPr>
+          </a:p>
+        </p:txBody>
+      </p:sp>
+      <p:sp>
+        <p:nvSpPr>
+          <p:cNvPr id="3" name="Content Placeholder 2"/>
+          <p:cNvSpPr>
+            <a:spLocks noGrp="1"/>
+          </p:cNvSpPr>
+          <p:nvPr>
+            <p:ph idx="1"/>
+          </p:nvPr>
+        </p:nvSpPr>
+        <p:spPr>
+          <a:xfrm>
+            <a:off x="107504" y="953750"/>
+            <a:ext cx="8893652" cy="5643602"/>
+          </a:xfrm>
+        </p:spPr>
+        <p:txBody>
+          <a:bodyPr>
+            <a:noAutofit/>
+          </a:bodyPr>
+          <a:lstStyle/>
+          <a:p>
+            <a:pPr lvl="0">
+              <a:spcBef>
+                <a:spcPts val="1800"/>
+              </a:spcBef>
+            </a:pPr>
+            <a:r>
+              <a:rPr lang="hr-HR" sz="2400" b="1" dirty="0" smtClean="0"/>
+              <a:t>PODUZEĆE</a:t>
+            </a:r>
+            <a:r>
+              <a:rPr lang="hr-HR" sz="2400" dirty="0" smtClean="0"/>
+              <a:t> (</a:t>
+            </a:r>
+            <a:r>
+              <a:rPr lang="hr-HR" sz="2400" dirty="0"/>
+              <a:t>trgovačko društvo) – </a:t>
+            </a:r>
+            <a:r>
+              <a:rPr lang="hr-HR" sz="2400" b="1" dirty="0">
+                <a:solidFill>
+                  <a:srgbClr val="FF0000"/>
+                </a:solidFill>
+              </a:rPr>
+              <a:t>samostalna gospodarska organizacija</a:t>
+            </a:r>
+            <a:r>
+              <a:rPr lang="hr-HR" sz="2400" dirty="0"/>
+              <a:t> koju je osnovao (ili kupio) njezin vlasnik kako bi </a:t>
+            </a:r>
+            <a:r>
+              <a:rPr lang="hr-HR" sz="2400" b="1" dirty="0">
+                <a:solidFill>
+                  <a:srgbClr val="FF0000"/>
+                </a:solidFill>
+              </a:rPr>
+              <a:t>obavljao neku djelatnost </a:t>
+            </a:r>
+            <a:r>
+              <a:rPr lang="hr-HR" sz="2400" dirty="0"/>
+              <a:t>i</a:t>
+            </a:r>
+            <a:r>
+              <a:rPr lang="hr-HR" sz="2400" b="1" dirty="0">
+                <a:solidFill>
+                  <a:srgbClr val="FF0000"/>
+                </a:solidFill>
+              </a:rPr>
+              <a:t> ostvarivao zaradu </a:t>
+            </a:r>
+            <a:r>
+              <a:rPr lang="hr-HR" sz="2400" dirty="0"/>
+              <a:t>(dobit</a:t>
+            </a:r>
+            <a:r>
+              <a:rPr lang="hr-HR" sz="2400" dirty="0" smtClean="0"/>
+              <a:t>)</a:t>
+            </a:r>
+          </a:p>
+          <a:p>
+            <a:pPr>
+              <a:spcBef>
+                <a:spcPts val="1800"/>
+              </a:spcBef>
+            </a:pPr>
+            <a:r>
+              <a:rPr lang="hr-HR" sz="2400" b="1" dirty="0"/>
+              <a:t>cilj organizacije poslovanja poduzeća</a:t>
+            </a:r>
+            <a:r>
+              <a:rPr lang="hr-HR" sz="2400" dirty="0"/>
+              <a:t> je proizvodnja ili pružanje usluga uz </a:t>
+            </a:r>
+            <a:r>
+              <a:rPr lang="hr-HR" sz="2400" b="1" dirty="0">
+                <a:solidFill>
+                  <a:srgbClr val="FF0000"/>
+                </a:solidFill>
+              </a:rPr>
+              <a:t>što manje troškova</a:t>
+            </a:r>
+            <a:r>
+              <a:rPr lang="hr-HR" sz="2400" dirty="0"/>
+              <a:t> i </a:t>
+            </a:r>
+            <a:r>
+              <a:rPr lang="hr-HR" sz="2400" b="1" dirty="0">
+                <a:solidFill>
+                  <a:srgbClr val="FF0000"/>
+                </a:solidFill>
+              </a:rPr>
+              <a:t>što veću </a:t>
+            </a:r>
+            <a:r>
+              <a:rPr lang="hr-HR" sz="2400" b="1" dirty="0" smtClean="0">
+                <a:solidFill>
+                  <a:srgbClr val="FF0000"/>
+                </a:solidFill>
+              </a:rPr>
+              <a:t>zaradu</a:t>
+            </a:r>
+          </a:p>
+          <a:p>
+            <a:pPr lvl="0">
+              <a:spcBef>
+                <a:spcPts val="1800"/>
+              </a:spcBef>
+            </a:pPr>
+            <a:r>
+              <a:rPr lang="hr-HR" sz="2400" b="1" dirty="0">
+                <a:solidFill>
+                  <a:srgbClr val="FF0000"/>
+                </a:solidFill>
+              </a:rPr>
+              <a:t>FORMALNA ORGANIZACIJA</a:t>
+            </a:r>
+            <a:r>
+              <a:rPr lang="hr-HR" sz="2400" dirty="0">
+                <a:solidFill>
+                  <a:srgbClr val="FF0000"/>
+                </a:solidFill>
+              </a:rPr>
+              <a:t> </a:t>
+            </a:r>
+            <a:r>
+              <a:rPr lang="hr-HR" sz="2400" dirty="0"/>
+              <a:t>– ona organizacija koja je </a:t>
+            </a:r>
+            <a:r>
+              <a:rPr lang="hr-HR" sz="2400" b="1" dirty="0">
+                <a:solidFill>
+                  <a:srgbClr val="FF0000"/>
+                </a:solidFill>
+              </a:rPr>
+              <a:t>određena nekim službenim aktom </a:t>
+            </a:r>
+            <a:r>
+              <a:rPr lang="hr-HR" sz="2400" dirty="0"/>
+              <a:t>koji je donijelo neko službeno tijelo (</a:t>
+            </a:r>
+            <a:r>
+              <a:rPr lang="hr-HR" sz="2400" dirty="0" err="1"/>
+              <a:t>npr</a:t>
+            </a:r>
+            <a:r>
+              <a:rPr lang="hr-HR" sz="2400" dirty="0"/>
+              <a:t>. upravni odbor ili direktor</a:t>
+            </a:r>
+            <a:r>
+              <a:rPr lang="hr-HR" sz="2400" dirty="0" smtClean="0"/>
+              <a:t>)</a:t>
+            </a:r>
+          </a:p>
+          <a:p>
+            <a:pPr>
+              <a:spcBef>
+                <a:spcPts val="1800"/>
+              </a:spcBef>
+            </a:pPr>
+            <a:r>
+              <a:rPr lang="hr-HR" sz="2400" b="1" dirty="0">
+                <a:solidFill>
+                  <a:srgbClr val="FF0000"/>
+                </a:solidFill>
+              </a:rPr>
+              <a:t>NEFORMALNA ORGANIZACIJA </a:t>
+            </a:r>
+            <a:r>
+              <a:rPr lang="hr-HR" sz="2400" dirty="0"/>
+              <a:t>– ona organizacija koju </a:t>
+            </a:r>
+            <a:r>
+              <a:rPr lang="hr-HR" sz="2400" b="1" dirty="0">
+                <a:solidFill>
+                  <a:srgbClr val="FF0000"/>
+                </a:solidFill>
+              </a:rPr>
+              <a:t>nije unaprijed propisalo </a:t>
+            </a:r>
+            <a:r>
+              <a:rPr lang="hr-HR" sz="2400" dirty="0"/>
+              <a:t>i </a:t>
+            </a:r>
+            <a:r>
+              <a:rPr lang="hr-HR" sz="2400" b="1" dirty="0">
+                <a:solidFill>
+                  <a:srgbClr val="FF0000"/>
+                </a:solidFill>
+              </a:rPr>
+              <a:t>odobrilo odgovarajuće upravljačko tijelo</a:t>
+            </a:r>
+            <a:r>
+              <a:rPr lang="hr-HR" sz="2400" dirty="0"/>
+              <a:t>, već se </a:t>
+            </a:r>
+            <a:r>
+              <a:rPr lang="hr-HR" sz="2400" b="1" dirty="0">
+                <a:solidFill>
+                  <a:srgbClr val="FF0000"/>
+                </a:solidFill>
+              </a:rPr>
+              <a:t>silom prilika </a:t>
+            </a:r>
+            <a:r>
+              <a:rPr lang="hr-HR" sz="2400" dirty="0"/>
+              <a:t>stvara po </a:t>
+            </a:r>
+            <a:r>
+              <a:rPr lang="hr-HR" sz="2400" dirty="0" smtClean="0"/>
+              <a:t>potrebi (</a:t>
+            </a:r>
+            <a:r>
+              <a:rPr lang="hr-HR" sz="2400" dirty="0" err="1" smtClean="0"/>
+              <a:t>npr</a:t>
+            </a:r>
+            <a:r>
+              <a:rPr lang="hr-HR" sz="2400" dirty="0" smtClean="0"/>
+              <a:t>. restoran kada je jedan radnik odsutan)</a:t>
+            </a:r>
+            <a:endParaRPr lang="hr-HR" sz="2400" dirty="0"/>
+          </a:p>
+        </p:txBody>
+      </p:sp>
+    </p:spTree>
+    <p:extLst>
+      <p:ext uri="{BB962C8B-B14F-4D97-AF65-F5344CB8AC3E}">
+        <p14:creationId xmlns:p14="http://schemas.microsoft.com/office/powerpoint/2010/main" val="179008989"/>
+      </p:ext>
+    </p:extLst>
+  </p:cSld>
+  <p:clrMapOvr>
+    <a:masterClrMapping/>
+  </p:clrMapOvr>
+  <mc:AlternateContent xmlns:mc="http://schemas.openxmlformats.org/markup-compatibility/2006">
+    <mc:Choice xmlns:p14="http://schemas.microsoft.com/office/powerpoint/2010/main" Requires="p14">
+      <p:transition>
+        <p14:reveal/>
+      </p:transition>
+    </mc:Choice>
+    <mc:Fallback>
+      <p:transition>
+        <p:fade/>
+      </p:transition>
+    </mc:Fallback>
+  </mc:AlternateContent>
+  <p:timing>
+    <p:tnLst>
+      <p:par>
+        <p:cTn id="1" dur="indefinite" restart="never" nodeType="tmRoot"/>
+      </p:par>
+    </p:tnLst>
+  </p:timing>
+</p:sld>
+</file>
+
+<file path=ppt/slides/slide13.xml><?xml version="1.0" encoding="utf-8"?>
+<p:sld xmlns:a="http://schemas.openxmlformats.org/drawingml/2006/main" xmlns:r="http://schemas.openxmlformats.org/officeDocument/2006/relationships" xmlns:p="http://schemas.openxmlformats.org/presentationml/2006/main">
+  <p:cSld>
+    <p:spTree>
+      <p:nvGrpSpPr>
+        <p:cNvPr id="1" name=""/>
+        <p:cNvGrpSpPr/>
+        <p:nvPr/>
+      </p:nvGrpSpPr>
+      <p:grpSpPr>
+        <a:xfrm>
+          <a:off x="0" y="0"/>
+          <a:ext cx="0" cy="0"/>
+          <a:chOff x="0" y="0"/>
+          <a:chExt cx="0" cy="0"/>
+        </a:xfrm>
+      </p:grpSpPr>
+      <p:sp>
+        <p:nvSpPr>
+          <p:cNvPr id="2" name="Title 1"/>
+          <p:cNvSpPr>
+            <a:spLocks noGrp="1"/>
+          </p:cNvSpPr>
+          <p:nvPr>
+            <p:ph type="title"/>
+          </p:nvPr>
+        </p:nvSpPr>
+        <p:spPr/>
+        <p:txBody>
+          <a:bodyPr/>
+          <a:lstStyle/>
+          <a:p>
+            <a:r>
+              <a:rPr lang="hr-HR" b="1" dirty="0" smtClean="0">
+                <a:solidFill>
+                  <a:srgbClr val="FF0000"/>
+                </a:solidFill>
+              </a:rPr>
+              <a:t>UGOSTITELJSTVO</a:t>
+            </a:r>
+            <a:r>
+              <a:rPr lang="hr-HR" sz="3500" dirty="0" smtClean="0"/>
+              <a:t>				     </a:t>
+            </a:r>
+            <a:r>
+              <a:rPr lang="hr-HR" sz="2800" i="1" dirty="0" smtClean="0"/>
+              <a:t>(plan ploče)</a:t>
+            </a:r>
+            <a:endParaRPr lang="hr-HR" sz="3500" i="1" dirty="0"/>
+          </a:p>
+        </p:txBody>
+      </p:sp>
+      <p:sp>
+        <p:nvSpPr>
+          <p:cNvPr id="3" name="Content Placeholder 2"/>
+          <p:cNvSpPr>
+            <a:spLocks noGrp="1"/>
+          </p:cNvSpPr>
+          <p:nvPr>
+            <p:ph idx="1"/>
+          </p:nvPr>
+        </p:nvSpPr>
+        <p:spPr>
+          <a:xfrm>
+            <a:off x="0" y="790354"/>
+            <a:ext cx="9144000" cy="5734990"/>
+          </a:xfrm>
+        </p:spPr>
+        <p:txBody>
+          <a:bodyPr>
+            <a:noAutofit/>
+          </a:bodyPr>
+          <a:lstStyle/>
+          <a:p>
+            <a:r>
+              <a:rPr lang="hr-HR" sz="2000" b="1" dirty="0" smtClean="0">
+                <a:solidFill>
+                  <a:srgbClr val="FF0000"/>
+                </a:solidFill>
+              </a:rPr>
+              <a:t>ugostiteljstvo</a:t>
+            </a:r>
+            <a:r>
+              <a:rPr lang="hr-HR" sz="2000" dirty="0" smtClean="0"/>
+              <a:t> je </a:t>
+            </a:r>
+            <a:r>
+              <a:rPr lang="hr-HR" sz="2000" dirty="0"/>
+              <a:t>u</a:t>
+            </a:r>
+            <a:r>
+              <a:rPr lang="hr-HR" sz="2000" dirty="0" smtClean="0"/>
+              <a:t>služna </a:t>
+            </a:r>
+            <a:r>
+              <a:rPr lang="hr-HR" sz="2000" dirty="0"/>
+              <a:t>i proizvodna djelatnost koja se bavi prodajom, pripremom i posluživanjem hrane pića i napitaka te uslugama smještaja, zabave i rekreacije</a:t>
+            </a:r>
+          </a:p>
+          <a:p>
+            <a:pPr lvl="0">
+              <a:spcBef>
+                <a:spcPts val="1200"/>
+              </a:spcBef>
+            </a:pPr>
+            <a:r>
+              <a:rPr lang="hr-HR" sz="2000" dirty="0" smtClean="0"/>
+              <a:t>ugostiteljstvo </a:t>
+            </a:r>
+            <a:r>
+              <a:rPr lang="hr-HR" sz="2000" b="1" dirty="0" smtClean="0">
+                <a:solidFill>
+                  <a:srgbClr val="FF0000"/>
+                </a:solidFill>
+              </a:rPr>
+              <a:t>kao proizvodna djelatnost </a:t>
+            </a:r>
+            <a:r>
+              <a:rPr lang="hr-HR" sz="2000" dirty="0" smtClean="0"/>
+              <a:t>– </a:t>
+            </a:r>
+            <a:r>
+              <a:rPr lang="hr-HR" sz="2000" b="1" dirty="0" smtClean="0"/>
+              <a:t>priprema</a:t>
+            </a:r>
+            <a:r>
+              <a:rPr lang="hr-HR" sz="2000" dirty="0" smtClean="0"/>
+              <a:t> hrane, pića i napitaka</a:t>
+            </a:r>
+          </a:p>
+          <a:p>
+            <a:pPr lvl="0">
+              <a:spcBef>
+                <a:spcPts val="1200"/>
+              </a:spcBef>
+            </a:pPr>
+            <a:r>
+              <a:rPr lang="hr-HR" sz="2000" dirty="0" smtClean="0"/>
+              <a:t>ugostiteljstvo </a:t>
+            </a:r>
+            <a:r>
+              <a:rPr lang="hr-HR" sz="2000" b="1" dirty="0" smtClean="0">
+                <a:solidFill>
+                  <a:srgbClr val="FF0000"/>
+                </a:solidFill>
+              </a:rPr>
+              <a:t>kao</a:t>
+            </a:r>
+            <a:r>
+              <a:rPr lang="hr-HR" sz="2000" dirty="0" smtClean="0">
+                <a:solidFill>
+                  <a:srgbClr val="FF0000"/>
+                </a:solidFill>
+              </a:rPr>
+              <a:t> </a:t>
+            </a:r>
+            <a:r>
+              <a:rPr lang="hr-HR" sz="2000" b="1" dirty="0" smtClean="0">
+                <a:solidFill>
+                  <a:srgbClr val="FF0000"/>
+                </a:solidFill>
+              </a:rPr>
+              <a:t>uslužna djelatnost </a:t>
+            </a:r>
+            <a:r>
+              <a:rPr lang="hr-HR" sz="2000" dirty="0" smtClean="0"/>
+              <a:t>– </a:t>
+            </a:r>
+            <a:r>
+              <a:rPr lang="hr-HR" sz="2000" b="1" dirty="0" smtClean="0"/>
+              <a:t>posluživanje</a:t>
+            </a:r>
+            <a:r>
+              <a:rPr lang="hr-HR" sz="2000" dirty="0" smtClean="0"/>
+              <a:t> hrane, pića i napitaka te </a:t>
+            </a:r>
+            <a:r>
+              <a:rPr lang="hr-HR" sz="2000" b="1" dirty="0" smtClean="0"/>
+              <a:t>usluge</a:t>
+            </a:r>
+            <a:r>
+              <a:rPr lang="hr-HR" sz="2000" dirty="0" smtClean="0"/>
+              <a:t> </a:t>
+            </a:r>
+            <a:r>
+              <a:rPr lang="hr-HR" sz="2000" b="1" dirty="0" smtClean="0"/>
+              <a:t>smještaja</a:t>
+            </a:r>
+          </a:p>
+          <a:p>
+            <a:pPr lvl="0">
+              <a:spcBef>
+                <a:spcPts val="1200"/>
+              </a:spcBef>
+            </a:pPr>
+            <a:r>
+              <a:rPr lang="hr-HR" sz="2000" dirty="0" smtClean="0"/>
+              <a:t>ugostiteljstvo zahtjeva </a:t>
+            </a:r>
+            <a:r>
+              <a:rPr lang="hr-HR" sz="2000" b="1" dirty="0">
+                <a:solidFill>
+                  <a:srgbClr val="FF0000"/>
+                </a:solidFill>
+              </a:rPr>
+              <a:t>puno ljudskog rada </a:t>
+            </a:r>
+            <a:r>
+              <a:rPr lang="hr-HR" sz="2000" dirty="0"/>
+              <a:t>jer se u proizvodnji i posluživanju </a:t>
+            </a:r>
+            <a:r>
+              <a:rPr lang="hr-HR" sz="2000" b="1" dirty="0">
+                <a:solidFill>
+                  <a:srgbClr val="FF0000"/>
+                </a:solidFill>
+              </a:rPr>
+              <a:t>koristi malo strojnog rada</a:t>
+            </a:r>
+            <a:endParaRPr lang="hr-HR" sz="2000" dirty="0" smtClean="0"/>
+          </a:p>
+          <a:p>
+            <a:pPr lvl="0">
+              <a:spcBef>
+                <a:spcPts val="1200"/>
+              </a:spcBef>
+            </a:pPr>
+            <a:r>
+              <a:rPr lang="hr-HR" sz="2000" dirty="0" smtClean="0"/>
+              <a:t>ugostiteljske djelatnosti su:</a:t>
+            </a:r>
+          </a:p>
+          <a:p>
+            <a:pPr lvl="1"/>
+            <a:r>
+              <a:rPr lang="hr-HR" sz="2000" b="1" dirty="0" smtClean="0">
+                <a:solidFill>
+                  <a:srgbClr val="FF0000"/>
+                </a:solidFill>
+              </a:rPr>
+              <a:t>hotelijerstvo</a:t>
+            </a:r>
+            <a:r>
+              <a:rPr lang="hr-HR" sz="2000" dirty="0" smtClean="0"/>
+              <a:t> – usluge smještaja u hotelima, motelima, pansionima… </a:t>
+            </a:r>
+          </a:p>
+          <a:p>
+            <a:pPr lvl="1"/>
+            <a:r>
+              <a:rPr lang="hr-HR" sz="2000" b="1" dirty="0" smtClean="0">
+                <a:solidFill>
+                  <a:srgbClr val="FF0000"/>
+                </a:solidFill>
+              </a:rPr>
+              <a:t>restauraterstvo</a:t>
+            </a:r>
+            <a:r>
+              <a:rPr lang="hr-HR" sz="2000" dirty="0" smtClean="0"/>
+              <a:t> – usluge prehrane, napitaka i pića u restoranima, gostionicama, zdravljacima, slastičarnicama… </a:t>
+            </a:r>
+          </a:p>
+          <a:p>
+            <a:pPr lvl="1"/>
+            <a:r>
+              <a:rPr lang="hr-HR" sz="2000" b="1" dirty="0" smtClean="0">
+                <a:solidFill>
+                  <a:srgbClr val="FF0000"/>
+                </a:solidFill>
+              </a:rPr>
+              <a:t>barovi</a:t>
+            </a:r>
+            <a:r>
+              <a:rPr lang="hr-HR" sz="2000" dirty="0" smtClean="0"/>
+              <a:t> – usluge pića, hrane, zabave i napitaka u barovima, kavanama, pivnicama, konobama…</a:t>
+            </a:r>
+          </a:p>
+          <a:p>
+            <a:pPr lvl="1"/>
+            <a:r>
+              <a:rPr lang="hr-HR" sz="2000" b="1" dirty="0" smtClean="0">
+                <a:solidFill>
+                  <a:srgbClr val="FF0000"/>
+                </a:solidFill>
+              </a:rPr>
+              <a:t>animacija</a:t>
+            </a:r>
+            <a:r>
+              <a:rPr lang="hr-HR" sz="2000" dirty="0" smtClean="0"/>
+              <a:t> – usluge aktivne rekreacije </a:t>
+            </a:r>
+            <a:endParaRPr lang="hr-HR" sz="2000" dirty="0"/>
+          </a:p>
+        </p:txBody>
+      </p:sp>
+    </p:spTree>
+    <p:extLst>
+      <p:ext uri="{BB962C8B-B14F-4D97-AF65-F5344CB8AC3E}">
+        <p14:creationId xmlns:p14="http://schemas.microsoft.com/office/powerpoint/2010/main" val="453610329"/>
+      </p:ext>
+    </p:extLst>
+  </p:cSld>
+  <p:clrMapOvr>
+    <a:masterClrMapping/>
+  </p:clrMapOvr>
+  <mc:AlternateContent xmlns:mc="http://schemas.openxmlformats.org/markup-compatibility/2006">
+    <mc:Choice xmlns:p14="http://schemas.microsoft.com/office/powerpoint/2010/main" Requires="p14">
+      <p:transition>
+        <p14:reveal/>
+      </p:transition>
+    </mc:Choice>
+    <mc:Fallback>
+      <p:transition>
+        <p:fade/>
+      </p:transition>
+    </mc:Fallback>
+  </mc:AlternateContent>
+  <p:timing>
+    <p:tnLst>
+      <p:par>
+        <p:cTn id="1" dur="indefinite" restart="never" nodeType="tmRoot"/>
+      </p:par>
+    </p:tnLst>
+  </p:timing>
+</p:sld>
+</file>
+
+<file path=ppt/slides/slide14.xml><?xml version="1.0" encoding="utf-8"?>
+<p:sld xmlns:a="http://schemas.openxmlformats.org/drawingml/2006/main" xmlns:r="http://schemas.openxmlformats.org/officeDocument/2006/relationships" xmlns:p="http://schemas.openxmlformats.org/presentationml/2006/main">
+  <p:cSld>
+    <p:spTree>
+      <p:nvGrpSpPr>
+        <p:cNvPr id="1" name=""/>
+        <p:cNvGrpSpPr/>
+        <p:nvPr/>
+      </p:nvGrpSpPr>
+      <p:grpSpPr>
+        <a:xfrm>
+          <a:off x="0" y="0"/>
+          <a:ext cx="0" cy="0"/>
+          <a:chOff x="0" y="0"/>
+          <a:chExt cx="0" cy="0"/>
+        </a:xfrm>
+      </p:grpSpPr>
+      <p:sp>
+        <p:nvSpPr>
+          <p:cNvPr id="2" name="Title 1"/>
+          <p:cNvSpPr>
+            <a:spLocks noGrp="1"/>
+          </p:cNvSpPr>
+          <p:nvPr>
+            <p:ph type="title"/>
+          </p:nvPr>
+        </p:nvSpPr>
+        <p:spPr/>
+        <p:txBody>
+          <a:bodyPr/>
+          <a:lstStyle/>
+          <a:p>
+            <a:r>
+              <a:rPr lang="hr-HR" b="1" dirty="0" smtClean="0">
+                <a:solidFill>
+                  <a:srgbClr val="FF0000"/>
+                </a:solidFill>
+              </a:rPr>
+              <a:t>UGOSTITELJSTVO I TURIZAM</a:t>
+            </a:r>
+            <a:r>
+              <a:rPr lang="hr-HR" sz="3500" dirty="0" smtClean="0"/>
+              <a:t>	     </a:t>
+            </a:r>
+            <a:r>
+              <a:rPr lang="hr-HR" sz="2800" i="1" dirty="0" smtClean="0"/>
+              <a:t>(plan ploče)</a:t>
+            </a:r>
+            <a:endParaRPr lang="hr-HR" sz="3500" i="1" dirty="0"/>
+          </a:p>
+        </p:txBody>
+      </p:sp>
+      <p:sp>
+        <p:nvSpPr>
+          <p:cNvPr id="3" name="Content Placeholder 2"/>
+          <p:cNvSpPr>
+            <a:spLocks noGrp="1"/>
+          </p:cNvSpPr>
+          <p:nvPr>
+            <p:ph idx="1"/>
+          </p:nvPr>
+        </p:nvSpPr>
+        <p:spPr>
+          <a:xfrm>
+            <a:off x="0" y="908720"/>
+            <a:ext cx="9036496" cy="5734990"/>
+          </a:xfrm>
+        </p:spPr>
+        <p:txBody>
+          <a:bodyPr>
+            <a:noAutofit/>
+          </a:bodyPr>
+          <a:lstStyle/>
+          <a:p>
+            <a:pPr lvl="0">
+              <a:spcBef>
+                <a:spcPts val="1800"/>
+              </a:spcBef>
+            </a:pPr>
+            <a:r>
+              <a:rPr lang="hr-HR" sz="2400" b="1" dirty="0">
+                <a:solidFill>
+                  <a:srgbClr val="FF0000"/>
+                </a:solidFill>
+              </a:rPr>
+              <a:t>turizam</a:t>
+            </a:r>
+            <a:r>
+              <a:rPr lang="hr-HR" sz="2400" dirty="0"/>
+              <a:t> označava putovanje ljudi i njihov boravak duže ili kraće vrijeme u nekom mjestu koje nije mjesto njihova stalnog </a:t>
+            </a:r>
+            <a:r>
+              <a:rPr lang="hr-HR" sz="2400" dirty="0" smtClean="0"/>
+              <a:t>boravka</a:t>
+            </a:r>
+          </a:p>
+          <a:p>
+            <a:pPr>
+              <a:spcBef>
+                <a:spcPts val="1800"/>
+              </a:spcBef>
+            </a:pPr>
+            <a:r>
+              <a:rPr lang="hr-HR" sz="2400" b="1" dirty="0">
+                <a:solidFill>
+                  <a:srgbClr val="FF0000"/>
+                </a:solidFill>
+              </a:rPr>
+              <a:t>turizam pomaže ugostiteljstvu </a:t>
+            </a:r>
+            <a:r>
+              <a:rPr lang="hr-HR" sz="2400" dirty="0"/>
+              <a:t>u njegovu razvoju,  osuvremenjivanju i modernizaciji, a </a:t>
+            </a:r>
+            <a:r>
+              <a:rPr lang="hr-HR" sz="2400" b="1" dirty="0">
+                <a:solidFill>
+                  <a:srgbClr val="FF0000"/>
+                </a:solidFill>
+              </a:rPr>
+              <a:t>ugostiteljstvo proširuje turističku ponudu</a:t>
+            </a:r>
+            <a:r>
+              <a:rPr lang="hr-HR" sz="2400" dirty="0"/>
+              <a:t> i povećava kvalitetu destinacije</a:t>
+            </a:r>
+          </a:p>
+          <a:p>
+            <a:pPr lvl="0">
+              <a:spcBef>
+                <a:spcPts val="1800"/>
+              </a:spcBef>
+            </a:pPr>
+            <a:r>
+              <a:rPr lang="hr-HR" sz="2400" dirty="0"/>
+              <a:t>ugostiteljstvo čini </a:t>
+            </a:r>
+            <a:r>
+              <a:rPr lang="hr-HR" sz="2400" b="1" dirty="0">
+                <a:solidFill>
+                  <a:srgbClr val="FF0000"/>
+                </a:solidFill>
+              </a:rPr>
+              <a:t>receptivu</a:t>
+            </a:r>
+            <a:r>
+              <a:rPr lang="hr-HR" sz="2400" dirty="0"/>
+              <a:t> (sposobnost prihvaćanja gostiju) turizma nekog mjesta </a:t>
+            </a:r>
+            <a:endParaRPr lang="hr-HR" sz="2400" dirty="0" smtClean="0"/>
+          </a:p>
+          <a:p>
+            <a:pPr lvl="0">
+              <a:spcBef>
+                <a:spcPts val="1800"/>
+              </a:spcBef>
+            </a:pPr>
+            <a:r>
+              <a:rPr lang="hr-HR" sz="2400" dirty="0" smtClean="0"/>
+              <a:t>ugostiteljstvo je </a:t>
+            </a:r>
+            <a:r>
+              <a:rPr lang="hr-HR" sz="2400" b="1" dirty="0" smtClean="0">
+                <a:solidFill>
+                  <a:srgbClr val="FF0000"/>
+                </a:solidFill>
+              </a:rPr>
+              <a:t>materijalna </a:t>
+            </a:r>
+            <a:r>
+              <a:rPr lang="hr-HR" sz="2400" b="1" dirty="0">
+                <a:solidFill>
+                  <a:srgbClr val="FF0000"/>
+                </a:solidFill>
+              </a:rPr>
+              <a:t>baza </a:t>
+            </a:r>
+            <a:r>
+              <a:rPr lang="hr-HR" sz="2400" b="1" dirty="0" smtClean="0">
+                <a:solidFill>
+                  <a:srgbClr val="FF0000"/>
+                </a:solidFill>
+              </a:rPr>
+              <a:t>turizma</a:t>
+            </a:r>
+          </a:p>
+          <a:p>
+            <a:pPr lvl="0">
+              <a:spcBef>
+                <a:spcPts val="1800"/>
+              </a:spcBef>
+            </a:pPr>
+            <a:r>
+              <a:rPr lang="hr-HR" sz="2400" b="1" dirty="0" smtClean="0">
+                <a:solidFill>
+                  <a:srgbClr val="FF0000"/>
+                </a:solidFill>
+              </a:rPr>
+              <a:t>receptivne</a:t>
+            </a:r>
+            <a:r>
+              <a:rPr lang="hr-HR" sz="2400" dirty="0" smtClean="0"/>
+              <a:t> turističke zemlje – zemlje koje primaju turiste</a:t>
+            </a:r>
+          </a:p>
+          <a:p>
+            <a:pPr lvl="0">
+              <a:spcBef>
+                <a:spcPts val="1800"/>
+              </a:spcBef>
+            </a:pPr>
+            <a:r>
+              <a:rPr lang="hr-HR" sz="2400" b="1" dirty="0" smtClean="0">
+                <a:solidFill>
+                  <a:srgbClr val="FF0000"/>
+                </a:solidFill>
+              </a:rPr>
+              <a:t>emitivne</a:t>
+            </a:r>
+            <a:r>
+              <a:rPr lang="hr-HR" sz="2400" dirty="0" smtClean="0"/>
+              <a:t> turističke zemlje – zemlje iz kojih dolaze turisti</a:t>
+            </a:r>
+          </a:p>
+        </p:txBody>
+      </p:sp>
+    </p:spTree>
+    <p:extLst>
+      <p:ext uri="{BB962C8B-B14F-4D97-AF65-F5344CB8AC3E}">
+        <p14:creationId xmlns:p14="http://schemas.microsoft.com/office/powerpoint/2010/main" val="1401820444"/>
+      </p:ext>
+    </p:extLst>
+  </p:cSld>
+  <p:clrMapOvr>
+    <a:masterClrMapping/>
+  </p:clrMapOvr>
+  <mc:AlternateContent xmlns:mc="http://schemas.openxmlformats.org/markup-compatibility/2006">
+    <mc:Choice xmlns:p14="http://schemas.microsoft.com/office/powerpoint/2010/main" Requires="p14">
+      <p:transition>
+        <p14:reveal/>
+      </p:transition>
+    </mc:Choice>
+    <mc:Fallback>
+      <p:transition>
+        <p:fade/>
+      </p:transition>
+    </mc:Fallback>
+  </mc:AlternateContent>
+  <p:timing>
+    <p:tnLst>
+      <p:par>
+        <p:cTn id="1" dur="indefinite" restart="never" nodeType="tmRoot"/>
+      </p:par>
+    </p:tnLst>
+  </p:timing>
+</p:sld>
+</file>
+
+<file path=ppt/slides/slide15.xml><?xml version="1.0" encoding="utf-8"?>
+<p:sld xmlns:a="http://schemas.openxmlformats.org/drawingml/2006/main" xmlns:r="http://schemas.openxmlformats.org/officeDocument/2006/relationships" xmlns:p="http://schemas.openxmlformats.org/presentationml/2006/main">
+  <p:cSld>
+    <p:spTree>
+      <p:nvGrpSpPr>
+        <p:cNvPr id="1" name=""/>
+        <p:cNvGrpSpPr/>
+        <p:nvPr/>
+      </p:nvGrpSpPr>
+      <p:grpSpPr>
+        <a:xfrm>
+          <a:off x="0" y="0"/>
+          <a:ext cx="0" cy="0"/>
+          <a:chOff x="0" y="0"/>
+          <a:chExt cx="0" cy="0"/>
+        </a:xfrm>
+      </p:grpSpPr>
+      <p:sp>
+        <p:nvSpPr>
+          <p:cNvPr id="2" name="Title 1"/>
+          <p:cNvSpPr>
+            <a:spLocks noGrp="1"/>
+          </p:cNvSpPr>
+          <p:nvPr>
+            <p:ph type="title"/>
+          </p:nvPr>
+        </p:nvSpPr>
+        <p:spPr/>
+        <p:txBody>
+          <a:bodyPr/>
+          <a:lstStyle/>
+          <a:p>
+            <a:r>
+              <a:rPr lang="hr-HR" sz="3200" b="1" dirty="0" smtClean="0">
+                <a:solidFill>
+                  <a:srgbClr val="FF0000"/>
+                </a:solidFill>
+              </a:rPr>
+              <a:t>UGOSTITELJSTVO I PUTNIČKE AGENCIJE</a:t>
+            </a:r>
+            <a:r>
+              <a:rPr lang="hr-HR" sz="3500" dirty="0" smtClean="0"/>
+              <a:t>      </a:t>
+            </a:r>
+            <a:r>
+              <a:rPr lang="hr-HR" sz="2400" i="1" dirty="0" smtClean="0"/>
+              <a:t>(</a:t>
+            </a:r>
+            <a:r>
+              <a:rPr lang="hr-HR" sz="2400" i="1" dirty="0"/>
+              <a:t>plan ploče)</a:t>
+            </a:r>
+            <a:endParaRPr lang="hr-HR" sz="3500" i="1" dirty="0"/>
+          </a:p>
+        </p:txBody>
+      </p:sp>
+      <p:sp>
+        <p:nvSpPr>
+          <p:cNvPr id="3" name="Content Placeholder 2"/>
+          <p:cNvSpPr>
+            <a:spLocks noGrp="1"/>
+          </p:cNvSpPr>
+          <p:nvPr>
+            <p:ph idx="1"/>
+          </p:nvPr>
+        </p:nvSpPr>
+        <p:spPr>
+          <a:xfrm>
+            <a:off x="0" y="862362"/>
+            <a:ext cx="9144000" cy="5879006"/>
+          </a:xfrm>
+        </p:spPr>
+        <p:txBody>
+          <a:bodyPr>
+            <a:noAutofit/>
+          </a:bodyPr>
+          <a:lstStyle/>
+          <a:p>
+            <a:pPr>
+              <a:spcBef>
+                <a:spcPts val="600"/>
+              </a:spcBef>
+            </a:pPr>
+            <a:r>
+              <a:rPr lang="hr-HR" sz="2200" b="1" dirty="0">
+                <a:solidFill>
+                  <a:srgbClr val="FF0000"/>
+                </a:solidFill>
+              </a:rPr>
+              <a:t>putničke agencije</a:t>
+            </a:r>
+            <a:r>
+              <a:rPr lang="hr-HR" sz="2200" dirty="0">
+                <a:solidFill>
+                  <a:srgbClr val="FF0000"/>
+                </a:solidFill>
+              </a:rPr>
+              <a:t> </a:t>
+            </a:r>
+            <a:r>
+              <a:rPr lang="hr-HR" sz="2200" dirty="0"/>
+              <a:t>su </a:t>
+            </a:r>
+            <a:r>
+              <a:rPr lang="hr-HR" sz="2200" u="sng" dirty="0"/>
+              <a:t>posrednici</a:t>
+            </a:r>
+            <a:r>
+              <a:rPr lang="hr-HR" sz="2200" dirty="0"/>
+              <a:t> između ugostiteljskih poslovnih jedinica (hotela, pansiona, hotelskih naselja, apartmana…) i potencijalnih </a:t>
+            </a:r>
+            <a:r>
+              <a:rPr lang="hr-HR" sz="2200" dirty="0" smtClean="0"/>
+              <a:t>gostiju</a:t>
+            </a:r>
+          </a:p>
+          <a:p>
+            <a:pPr>
+              <a:spcBef>
+                <a:spcPts val="600"/>
+              </a:spcBef>
+            </a:pPr>
+            <a:r>
+              <a:rPr lang="hr-HR" sz="2200" dirty="0" smtClean="0"/>
+              <a:t>vrste ugovora između agencija i ugostitelja:</a:t>
+            </a:r>
+          </a:p>
+          <a:p>
+            <a:pPr lvl="1">
+              <a:spcBef>
+                <a:spcPts val="600"/>
+              </a:spcBef>
+            </a:pPr>
+            <a:r>
+              <a:rPr lang="hr-HR" sz="2200" b="1" dirty="0">
+                <a:solidFill>
+                  <a:srgbClr val="FF0000"/>
+                </a:solidFill>
+              </a:rPr>
+              <a:t>okvirni ugovor</a:t>
+            </a:r>
+            <a:r>
+              <a:rPr lang="hr-HR" sz="2200" dirty="0">
+                <a:solidFill>
+                  <a:srgbClr val="FF0000"/>
+                </a:solidFill>
+              </a:rPr>
+              <a:t> </a:t>
+            </a:r>
+            <a:r>
+              <a:rPr lang="hr-HR" sz="2200" dirty="0"/>
+              <a:t>(„ugovor na osnovi zatražene i potvrđene rezervacije“)</a:t>
+            </a:r>
+          </a:p>
+          <a:p>
+            <a:pPr lvl="1">
+              <a:spcBef>
+                <a:spcPts val="600"/>
+              </a:spcBef>
+            </a:pPr>
+            <a:r>
+              <a:rPr lang="hr-HR" sz="2200" b="1" dirty="0">
+                <a:solidFill>
+                  <a:srgbClr val="FF0000"/>
+                </a:solidFill>
+              </a:rPr>
+              <a:t>ugovor o alotmanu</a:t>
+            </a:r>
+            <a:r>
+              <a:rPr lang="hr-HR" sz="2200" dirty="0">
+                <a:solidFill>
+                  <a:srgbClr val="FF0000"/>
+                </a:solidFill>
+              </a:rPr>
+              <a:t> </a:t>
+            </a:r>
+            <a:r>
+              <a:rPr lang="hr-HR" sz="2200" dirty="0"/>
+              <a:t>(</a:t>
+            </a:r>
+            <a:r>
+              <a:rPr lang="hr-HR" sz="2200" dirty="0" err="1"/>
+              <a:t>alotmanski</a:t>
+            </a:r>
+            <a:r>
+              <a:rPr lang="hr-HR" sz="2200" dirty="0"/>
+              <a:t> ugovor)</a:t>
+            </a:r>
+          </a:p>
+          <a:p>
+            <a:pPr lvl="1">
+              <a:spcBef>
+                <a:spcPts val="600"/>
+              </a:spcBef>
+            </a:pPr>
+            <a:r>
+              <a:rPr lang="hr-HR" sz="2200" b="1" dirty="0">
+                <a:solidFill>
+                  <a:srgbClr val="FF0000"/>
+                </a:solidFill>
+              </a:rPr>
+              <a:t>ugovor o zakupu kapaciteta</a:t>
+            </a:r>
+            <a:r>
+              <a:rPr lang="hr-HR" sz="2200" dirty="0">
+                <a:solidFill>
+                  <a:srgbClr val="FF0000"/>
+                </a:solidFill>
+              </a:rPr>
+              <a:t> </a:t>
+            </a:r>
+            <a:r>
+              <a:rPr lang="hr-HR" sz="2200" dirty="0"/>
+              <a:t>(„fiksni ugovor“ i „ugovor puno za prazno“)</a:t>
+            </a:r>
+          </a:p>
+          <a:p>
+            <a:pPr marL="0" indent="0">
+              <a:spcBef>
+                <a:spcPts val="1800"/>
+              </a:spcBef>
+              <a:buNone/>
+            </a:pPr>
+            <a:r>
+              <a:rPr lang="hr-HR" sz="2200" b="1" dirty="0" smtClean="0"/>
+              <a:t>OKVIRNI UGOVOR</a:t>
+            </a:r>
+          </a:p>
+          <a:p>
+            <a:pPr lvl="1">
+              <a:spcBef>
+                <a:spcPts val="0"/>
+              </a:spcBef>
+            </a:pPr>
+            <a:r>
+              <a:rPr lang="hr-HR" sz="2400" b="1" dirty="0">
+                <a:solidFill>
+                  <a:srgbClr val="FF0000"/>
+                </a:solidFill>
+              </a:rPr>
+              <a:t>agencija nalazi goste</a:t>
+            </a:r>
+            <a:r>
+              <a:rPr lang="hr-HR" sz="2400" dirty="0"/>
+              <a:t>, uzima </a:t>
+            </a:r>
+            <a:r>
+              <a:rPr lang="hr-HR" sz="2400" b="1" dirty="0">
+                <a:solidFill>
+                  <a:srgbClr val="FF0000"/>
+                </a:solidFill>
+              </a:rPr>
+              <a:t>proviziju</a:t>
+            </a:r>
+            <a:r>
+              <a:rPr lang="hr-HR" sz="2400" dirty="0"/>
+              <a:t> i naplaćuje gostima boravak u hotelu</a:t>
+            </a:r>
+          </a:p>
+          <a:p>
+            <a:pPr lvl="1">
+              <a:spcBef>
+                <a:spcPts val="0"/>
+              </a:spcBef>
+            </a:pPr>
+            <a:r>
+              <a:rPr lang="hr-HR" sz="2400" dirty="0"/>
+              <a:t>nakon plaćanja gostu izdaje </a:t>
+            </a:r>
+            <a:r>
+              <a:rPr lang="hr-HR" sz="2400" b="1" dirty="0">
+                <a:solidFill>
+                  <a:srgbClr val="FF0000"/>
+                </a:solidFill>
+              </a:rPr>
+              <a:t>vaučer</a:t>
+            </a:r>
+            <a:r>
+              <a:rPr lang="hr-HR" sz="2400" dirty="0"/>
+              <a:t> – dokument o uplaćenoj rezervaciji, a kopiju šalje hotelu</a:t>
+            </a:r>
+          </a:p>
+          <a:p>
+            <a:pPr lvl="1">
+              <a:spcBef>
+                <a:spcPts val="0"/>
+              </a:spcBef>
+            </a:pPr>
+            <a:r>
+              <a:rPr lang="hr-HR" sz="2400" dirty="0"/>
+              <a:t>gost pri dolasku u hotel predaje vaučer hotelu i na taj način „plaća“ uslugu</a:t>
+            </a:r>
+          </a:p>
+          <a:p>
+            <a:pPr lvl="1">
+              <a:spcBef>
+                <a:spcPts val="0"/>
+              </a:spcBef>
+            </a:pPr>
+            <a:r>
+              <a:rPr lang="hr-HR" sz="2400" dirty="0"/>
+              <a:t>nakon iskorištene usluge (odlaska gostiju) </a:t>
+            </a:r>
+            <a:r>
+              <a:rPr lang="hr-HR" sz="2400" b="1" dirty="0">
+                <a:solidFill>
+                  <a:srgbClr val="FF0000"/>
+                </a:solidFill>
+              </a:rPr>
+              <a:t>hotel šalje agenciji račun vaučer na naplatu</a:t>
+            </a:r>
+          </a:p>
+          <a:p>
+            <a:pPr marL="0" indent="0">
+              <a:spcBef>
+                <a:spcPts val="600"/>
+              </a:spcBef>
+              <a:buNone/>
+            </a:pPr>
+            <a:endParaRPr lang="hr-HR" sz="2200" dirty="0"/>
+          </a:p>
+          <a:p>
+            <a:pPr lvl="0">
+              <a:spcBef>
+                <a:spcPts val="600"/>
+              </a:spcBef>
+            </a:pPr>
+            <a:endParaRPr lang="hr-HR" sz="2200" dirty="0" smtClean="0"/>
+          </a:p>
+        </p:txBody>
+      </p:sp>
+    </p:spTree>
+    <p:extLst>
+      <p:ext uri="{BB962C8B-B14F-4D97-AF65-F5344CB8AC3E}">
+        <p14:creationId xmlns:p14="http://schemas.microsoft.com/office/powerpoint/2010/main" val="2785710816"/>
+      </p:ext>
+    </p:extLst>
+  </p:cSld>
+  <p:clrMapOvr>
+    <a:masterClrMapping/>
+  </p:clrMapOvr>
+  <mc:AlternateContent xmlns:mc="http://schemas.openxmlformats.org/markup-compatibility/2006">
+    <mc:Choice xmlns:p14="http://schemas.microsoft.com/office/powerpoint/2010/main" Requires="p14">
+      <p:transition>
+        <p14:reveal/>
+      </p:transition>
+    </mc:Choice>
+    <mc:Fallback>
+      <p:transition>
+        <p:fade/>
+      </p:transition>
+    </mc:Fallback>
+  </mc:AlternateContent>
+  <p:timing>
+    <p:tnLst>
+      <p:par>
+        <p:cTn id="1" dur="indefinite" restart="never" nodeType="tmRoot"/>
+      </p:par>
+    </p:tnLst>
+  </p:timing>
+</p:sld>
+</file>
+
+<file path=ppt/slides/slide16.xml><?xml version="1.0" encoding="utf-8"?>
+<p:sld xmlns:a="http://schemas.openxmlformats.org/drawingml/2006/main" xmlns:r="http://schemas.openxmlformats.org/officeDocument/2006/relationships" xmlns:p="http://schemas.openxmlformats.org/presentationml/2006/main">
+  <p:cSld>
+    <p:spTree>
+      <p:nvGrpSpPr>
+        <p:cNvPr id="1" name=""/>
+        <p:cNvGrpSpPr/>
+        <p:nvPr/>
+      </p:nvGrpSpPr>
+      <p:grpSpPr>
+        <a:xfrm>
+          <a:off x="0" y="0"/>
+          <a:ext cx="0" cy="0"/>
+          <a:chOff x="0" y="0"/>
+          <a:chExt cx="0" cy="0"/>
+        </a:xfrm>
+      </p:grpSpPr>
+      <p:sp>
+        <p:nvSpPr>
+          <p:cNvPr id="2" name="Title 1"/>
+          <p:cNvSpPr>
+            <a:spLocks noGrp="1"/>
+          </p:cNvSpPr>
+          <p:nvPr>
+            <p:ph type="title"/>
+          </p:nvPr>
+        </p:nvSpPr>
+        <p:spPr/>
+        <p:txBody>
+          <a:bodyPr/>
+          <a:lstStyle/>
+          <a:p>
+            <a:r>
+              <a:rPr lang="hr-HR" sz="3200" b="1" dirty="0">
+                <a:solidFill>
+                  <a:srgbClr val="FF0000"/>
+                </a:solidFill>
+              </a:rPr>
+              <a:t>UGOSTITELJSTVO I PUTNIČKE AGENCIJE</a:t>
+            </a:r>
+            <a:r>
+              <a:rPr lang="hr-HR" sz="3500" dirty="0">
+                <a:solidFill>
+                  <a:prstClr val="black"/>
+                </a:solidFill>
+              </a:rPr>
+              <a:t>      </a:t>
+            </a:r>
+            <a:r>
+              <a:rPr lang="hr-HR" sz="2400" i="1" dirty="0">
+                <a:solidFill>
+                  <a:prstClr val="black"/>
+                </a:solidFill>
+              </a:rPr>
+              <a:t>(plan ploče)</a:t>
+            </a:r>
+            <a:endParaRPr lang="hr-HR" sz="3500" dirty="0"/>
+          </a:p>
+        </p:txBody>
+      </p:sp>
+      <p:sp>
+        <p:nvSpPr>
+          <p:cNvPr id="3" name="Content Placeholder 2"/>
+          <p:cNvSpPr>
+            <a:spLocks noGrp="1"/>
+          </p:cNvSpPr>
+          <p:nvPr>
+            <p:ph idx="1"/>
+          </p:nvPr>
+        </p:nvSpPr>
+        <p:spPr>
+          <a:xfrm>
+            <a:off x="0" y="836712"/>
+            <a:ext cx="9144000" cy="5734990"/>
+          </a:xfrm>
+        </p:spPr>
+        <p:txBody>
+          <a:bodyPr>
+            <a:noAutofit/>
+          </a:bodyPr>
+          <a:lstStyle/>
+          <a:p>
+            <a:pPr marL="0" lvl="0" indent="0">
+              <a:spcBef>
+                <a:spcPts val="600"/>
+              </a:spcBef>
+              <a:buNone/>
+            </a:pPr>
+            <a:r>
+              <a:rPr lang="hr-HR" sz="2400" b="1" dirty="0" smtClean="0"/>
+              <a:t>UGOVOR O ALOTMANU</a:t>
+            </a:r>
+          </a:p>
+          <a:p>
+            <a:pPr lvl="0">
+              <a:spcBef>
+                <a:spcPts val="600"/>
+              </a:spcBef>
+            </a:pPr>
+            <a:r>
+              <a:rPr lang="hr-HR" sz="2400" dirty="0" smtClean="0"/>
+              <a:t>hotelijer </a:t>
+            </a:r>
+            <a:r>
+              <a:rPr lang="hr-HR" sz="2400" dirty="0"/>
+              <a:t>se obvezuje da će u ugovorenom vremenu </a:t>
+            </a:r>
+            <a:r>
+              <a:rPr lang="hr-HR" sz="2400" b="1" dirty="0">
+                <a:solidFill>
+                  <a:srgbClr val="FF0000"/>
+                </a:solidFill>
+              </a:rPr>
+              <a:t>dati agenciji na raspolaganje</a:t>
+            </a:r>
+            <a:r>
+              <a:rPr lang="hr-HR" sz="2400" dirty="0"/>
+              <a:t> određeni broj soba i traženih usluga na raspolaganje uz ugovorenu </a:t>
+            </a:r>
+            <a:r>
+              <a:rPr lang="hr-HR" sz="2400" dirty="0" smtClean="0"/>
+              <a:t>proviziju</a:t>
+            </a:r>
+          </a:p>
+          <a:p>
+            <a:pPr lvl="0">
+              <a:spcBef>
+                <a:spcPts val="600"/>
+              </a:spcBef>
+            </a:pPr>
+            <a:r>
+              <a:rPr lang="hr-HR" sz="2400" u="sng" dirty="0" smtClean="0"/>
+              <a:t>agencija može neke sobe ne popunit, ali treba na vrijeme obavijestiti hotel</a:t>
+            </a:r>
+          </a:p>
+          <a:p>
+            <a:pPr marL="0" lvl="0" indent="0">
+              <a:spcBef>
+                <a:spcPts val="1800"/>
+              </a:spcBef>
+              <a:buNone/>
+            </a:pPr>
+            <a:r>
+              <a:rPr lang="hr-HR" sz="2400" b="1" dirty="0" smtClean="0"/>
+              <a:t>UGOVOR O ZAKUPU KAPACITETA </a:t>
+            </a:r>
+            <a:r>
+              <a:rPr lang="hr-HR" sz="2400" dirty="0" smtClean="0"/>
+              <a:t>(FIKSNI UGOVOR ili PUNO ZA PRAZNO)</a:t>
+            </a:r>
+          </a:p>
+          <a:p>
+            <a:pPr lvl="0">
+              <a:spcBef>
+                <a:spcPts val="600"/>
+              </a:spcBef>
+            </a:pPr>
+            <a:r>
+              <a:rPr lang="hr-HR" sz="2400" dirty="0" smtClean="0"/>
+              <a:t>agencija </a:t>
+            </a:r>
+            <a:r>
+              <a:rPr lang="hr-HR" sz="2400" dirty="0"/>
+              <a:t>uzima u zakup cijeli hotel ili samo određeni broj soba na neko vrijeme</a:t>
+            </a:r>
+          </a:p>
+          <a:p>
+            <a:pPr lvl="0">
+              <a:spcBef>
+                <a:spcPts val="600"/>
+              </a:spcBef>
+            </a:pPr>
+            <a:r>
+              <a:rPr lang="hr-HR" sz="2400" b="1" dirty="0">
+                <a:solidFill>
+                  <a:srgbClr val="FF0000"/>
+                </a:solidFill>
+              </a:rPr>
+              <a:t>agencija plaća zakupljene kapacitete bez obzira jesu </a:t>
+            </a:r>
+            <a:r>
+              <a:rPr lang="hr-HR" sz="2400" b="1" dirty="0" smtClean="0">
+                <a:solidFill>
+                  <a:srgbClr val="FF0000"/>
+                </a:solidFill>
+              </a:rPr>
+              <a:t>li bili </a:t>
+            </a:r>
+            <a:r>
+              <a:rPr lang="hr-HR" sz="2400" b="1" dirty="0">
+                <a:solidFill>
+                  <a:srgbClr val="FF0000"/>
+                </a:solidFill>
+              </a:rPr>
+              <a:t>korišteni</a:t>
+            </a:r>
+          </a:p>
+          <a:p>
+            <a:pPr lvl="0">
+              <a:spcBef>
+                <a:spcPts val="600"/>
+              </a:spcBef>
+            </a:pPr>
+            <a:r>
+              <a:rPr lang="hr-HR" sz="2400" dirty="0"/>
+              <a:t>ovaj ugovor se najčešće sklapa kada je agencija sigurna da će popuniti sve kapacitete – </a:t>
+            </a:r>
+            <a:r>
+              <a:rPr lang="hr-HR" sz="2400" i="1" dirty="0"/>
+              <a:t>npr. za vrijeme održavanja kongresa, u vrhuncu turističke sezone, za vrijeme sportskih događaja i sl</a:t>
+            </a:r>
+            <a:r>
+              <a:rPr lang="hr-HR" sz="2400" i="1" dirty="0" smtClean="0"/>
+              <a:t>.</a:t>
+            </a:r>
+          </a:p>
+        </p:txBody>
+      </p:sp>
+    </p:spTree>
+    <p:extLst>
+      <p:ext uri="{BB962C8B-B14F-4D97-AF65-F5344CB8AC3E}">
+        <p14:creationId xmlns:p14="http://schemas.microsoft.com/office/powerpoint/2010/main" val="3786418078"/>
+      </p:ext>
+    </p:extLst>
+  </p:cSld>
+  <p:clrMapOvr>
+    <a:masterClrMapping/>
+  </p:clrMapOvr>
+  <mc:AlternateContent xmlns:mc="http://schemas.openxmlformats.org/markup-compatibility/2006">
+    <mc:Choice xmlns:p14="http://schemas.microsoft.com/office/powerpoint/2010/main" Requires="p14">
+      <p:transition>
+        <p14:reveal/>
+      </p:transition>
+    </mc:Choice>
+    <mc:Fallback>
+      <p:transition>
+        <p:fade/>
+      </p:transition>
+    </mc:Fallback>
+  </mc:AlternateContent>
+  <p:timing>
+    <p:tnLst>
+      <p:par>
+        <p:cTn id="1" dur="indefinite" restart="never" nodeType="tmRoot"/>
+      </p:par>
+    </p:tnLst>
+  </p:timing>
+</p:sld>
+</file>
+
+<file path=ppt/slides/slide17.xml><?xml version="1.0" encoding="utf-8"?>
+<p:sld xmlns:a="http://schemas.openxmlformats.org/drawingml/2006/main" xmlns:r="http://schemas.openxmlformats.org/officeDocument/2006/relationships" xmlns:p="http://schemas.openxmlformats.org/presentationml/2006/main">
+  <p:cSld>
+    <p:spTree>
+      <p:nvGrpSpPr>
+        <p:cNvPr id="1" name=""/>
+        <p:cNvGrpSpPr/>
+        <p:nvPr/>
+      </p:nvGrpSpPr>
+      <p:grpSpPr>
+        <a:xfrm>
+          <a:off x="0" y="0"/>
+          <a:ext cx="0" cy="0"/>
+          <a:chOff x="0" y="0"/>
+          <a:chExt cx="0" cy="0"/>
+        </a:xfrm>
+      </p:grpSpPr>
+      <p:sp>
+        <p:nvSpPr>
+          <p:cNvPr id="2" name="Title 1"/>
+          <p:cNvSpPr>
+            <a:spLocks noGrp="1"/>
+          </p:cNvSpPr>
+          <p:nvPr>
+            <p:ph type="title"/>
+          </p:nvPr>
+        </p:nvSpPr>
+        <p:spPr/>
+        <p:txBody>
+          <a:bodyPr/>
+          <a:lstStyle/>
+          <a:p>
+            <a:r>
+              <a:rPr lang="hr-HR" sz="3200" b="1" dirty="0">
+                <a:solidFill>
+                  <a:srgbClr val="FF0000"/>
+                </a:solidFill>
+              </a:rPr>
+              <a:t>UGOSTITELJSTVO I PUTNIČKE AGENCIJE</a:t>
+            </a:r>
+            <a:r>
+              <a:rPr lang="hr-HR" sz="3500" dirty="0">
+                <a:solidFill>
+                  <a:prstClr val="black"/>
+                </a:solidFill>
+              </a:rPr>
+              <a:t>      </a:t>
+            </a:r>
+            <a:r>
+              <a:rPr lang="hr-HR" sz="2400" i="1" dirty="0">
+                <a:solidFill>
+                  <a:prstClr val="black"/>
+                </a:solidFill>
+              </a:rPr>
+              <a:t>(plan ploče)</a:t>
+            </a:r>
+            <a:endParaRPr lang="hr-HR" sz="3500" dirty="0"/>
+          </a:p>
+        </p:txBody>
+      </p:sp>
+      <p:sp>
+        <p:nvSpPr>
+          <p:cNvPr id="3" name="Content Placeholder 2"/>
+          <p:cNvSpPr>
+            <a:spLocks noGrp="1"/>
+          </p:cNvSpPr>
+          <p:nvPr>
+            <p:ph idx="1"/>
+          </p:nvPr>
+        </p:nvSpPr>
+        <p:spPr>
+          <a:xfrm>
+            <a:off x="35496" y="836712"/>
+            <a:ext cx="9144000" cy="5734990"/>
+          </a:xfrm>
+        </p:spPr>
+        <p:txBody>
+          <a:bodyPr>
+            <a:noAutofit/>
+          </a:bodyPr>
+          <a:lstStyle/>
+          <a:p>
+            <a:pPr>
+              <a:spcBef>
+                <a:spcPts val="600"/>
+              </a:spcBef>
+            </a:pPr>
+            <a:r>
+              <a:rPr lang="hr-HR" sz="2400" b="1" dirty="0">
+                <a:solidFill>
+                  <a:srgbClr val="FF0000"/>
+                </a:solidFill>
+              </a:rPr>
+              <a:t>provizija</a:t>
+            </a:r>
+            <a:r>
+              <a:rPr lang="hr-HR" sz="2400" dirty="0"/>
+              <a:t> je svota koju ugostiteljski objekt odobrava </a:t>
+            </a:r>
+            <a:r>
+              <a:rPr lang="hr-HR" sz="2400" b="1" dirty="0"/>
+              <a:t>u postotku ili fiksnom iznosu</a:t>
+            </a:r>
+            <a:r>
+              <a:rPr lang="hr-HR" sz="2400" dirty="0"/>
+              <a:t> za vrijednost pruženih usluga </a:t>
+            </a:r>
+            <a:r>
+              <a:rPr lang="hr-HR" sz="2400" dirty="0" smtClean="0"/>
+              <a:t>agencijskim gostima</a:t>
+            </a:r>
+          </a:p>
+          <a:p>
+            <a:pPr lvl="0">
+              <a:spcBef>
+                <a:spcPts val="1800"/>
+              </a:spcBef>
+            </a:pPr>
+            <a:r>
+              <a:rPr lang="hr-HR" sz="2400" dirty="0"/>
+              <a:t>ovisno o vrsti </a:t>
+            </a:r>
+            <a:r>
+              <a:rPr lang="hr-HR" sz="2400" dirty="0" smtClean="0"/>
+              <a:t>usluge, provizija iznosi </a:t>
+            </a:r>
+            <a:r>
+              <a:rPr lang="hr-HR" sz="2400" dirty="0"/>
+              <a:t>od 3% do 15% (nekad i više)</a:t>
+            </a:r>
+          </a:p>
+          <a:p>
+            <a:pPr>
+              <a:spcBef>
+                <a:spcPts val="600"/>
+              </a:spcBef>
+            </a:pPr>
+            <a:endParaRPr lang="hr-HR" sz="2400" dirty="0"/>
+          </a:p>
+          <a:p>
+            <a:pPr>
+              <a:spcBef>
+                <a:spcPts val="600"/>
+              </a:spcBef>
+            </a:pPr>
+            <a:r>
+              <a:rPr lang="hr-HR" sz="2400" dirty="0"/>
+              <a:t>poslovni odnos između turističke agencije i ugostiteljskog objekta naziva se </a:t>
+            </a:r>
+            <a:r>
+              <a:rPr lang="hr-HR" sz="2400" b="1" dirty="0">
+                <a:solidFill>
+                  <a:srgbClr val="FF0000"/>
+                </a:solidFill>
+              </a:rPr>
+              <a:t>turističko posredovanje</a:t>
+            </a:r>
+            <a:endParaRPr lang="hr-HR" sz="2400" dirty="0">
+              <a:solidFill>
+                <a:srgbClr val="FF0000"/>
+              </a:solidFill>
+            </a:endParaRPr>
+          </a:p>
+          <a:p>
+            <a:pPr lvl="0">
+              <a:spcBef>
+                <a:spcPts val="600"/>
+              </a:spcBef>
+            </a:pPr>
+            <a:endParaRPr lang="hr-HR" sz="2400" dirty="0" smtClean="0"/>
+          </a:p>
+        </p:txBody>
+      </p:sp>
+    </p:spTree>
+    <p:extLst>
+      <p:ext uri="{BB962C8B-B14F-4D97-AF65-F5344CB8AC3E}">
+        <p14:creationId xmlns:p14="http://schemas.microsoft.com/office/powerpoint/2010/main" val="4217145629"/>
+      </p:ext>
+    </p:extLst>
+  </p:cSld>
+  <p:clrMapOvr>
+    <a:masterClrMapping/>
+  </p:clrMapOvr>
+  <mc:AlternateContent xmlns:mc="http://schemas.openxmlformats.org/markup-compatibility/2006">
+    <mc:Choice xmlns:p14="http://schemas.microsoft.com/office/powerpoint/2010/main" Requires="p14">
+      <p:transition>
+        <p14:reveal/>
+      </p:transition>
+    </mc:Choice>
+    <mc:Fallback>
+      <p:transition>
+        <p:fade/>
+      </p:transition>
+    </mc:Fallback>
+  </mc:AlternateContent>
+  <p:timing>
+    <p:tnLst>
+      <p:par>
+        <p:cTn id="1" dur="indefinite" restart="never" nodeType="tmRoot"/>
+      </p:par>
+    </p:tnLst>
+  </p:timing>
+</p:sld>
+</file>
+
+<file path=ppt/slides/slide18.xml><?xml version="1.0" encoding="utf-8"?>
+<p:sld xmlns:a="http://schemas.openxmlformats.org/drawingml/2006/main" xmlns:r="http://schemas.openxmlformats.org/officeDocument/2006/relationships" xmlns:p="http://schemas.openxmlformats.org/presentationml/2006/main">
+  <p:cSld>
+    <p:spTree>
+      <p:nvGrpSpPr>
+        <p:cNvPr id="1" name=""/>
+        <p:cNvGrpSpPr/>
+        <p:nvPr/>
+      </p:nvGrpSpPr>
+      <p:grpSpPr>
+        <a:xfrm>
+          <a:off x="0" y="0"/>
+          <a:ext cx="0" cy="0"/>
+          <a:chOff x="0" y="0"/>
+          <a:chExt cx="0" cy="0"/>
+        </a:xfrm>
+      </p:grpSpPr>
+      <p:sp>
+        <p:nvSpPr>
+          <p:cNvPr id="2" name="Title 1"/>
+          <p:cNvSpPr>
+            <a:spLocks noGrp="1"/>
+          </p:cNvSpPr>
+          <p:nvPr>
+            <p:ph type="title"/>
+          </p:nvPr>
+        </p:nvSpPr>
+        <p:spPr/>
+        <p:txBody>
+          <a:bodyPr/>
+          <a:lstStyle/>
+          <a:p>
+            <a:r>
+              <a:rPr lang="hr-HR" sz="2600" b="1" dirty="0" smtClean="0">
+                <a:solidFill>
+                  <a:srgbClr val="FF0000"/>
+                </a:solidFill>
+              </a:rPr>
+              <a:t>UGOSTITELJSTVO I TRGOVINA, OBRTI I INDUSTRIJA</a:t>
+            </a:r>
+            <a:r>
+              <a:rPr lang="hr-HR" sz="2800" dirty="0" smtClean="0"/>
+              <a:t>	 </a:t>
+            </a:r>
+            <a:r>
+              <a:rPr lang="hr-HR" sz="2000" i="1" dirty="0" smtClean="0"/>
+              <a:t>(plan ploče)</a:t>
+            </a:r>
+            <a:endParaRPr lang="hr-HR" sz="2800" i="1" dirty="0"/>
+          </a:p>
+        </p:txBody>
+      </p:sp>
+      <p:sp>
+        <p:nvSpPr>
+          <p:cNvPr id="3" name="Content Placeholder 2"/>
+          <p:cNvSpPr>
+            <a:spLocks noGrp="1"/>
+          </p:cNvSpPr>
+          <p:nvPr>
+            <p:ph idx="1"/>
+          </p:nvPr>
+        </p:nvSpPr>
+        <p:spPr>
+          <a:xfrm>
+            <a:off x="0" y="836712"/>
+            <a:ext cx="9144000" cy="6021288"/>
+          </a:xfrm>
+        </p:spPr>
+        <p:txBody>
+          <a:bodyPr>
+            <a:noAutofit/>
+          </a:bodyPr>
+          <a:lstStyle/>
+          <a:p>
+            <a:pPr marL="0" indent="0">
+              <a:spcBef>
+                <a:spcPts val="0"/>
+              </a:spcBef>
+              <a:buNone/>
+            </a:pPr>
+            <a:r>
+              <a:rPr lang="hr-HR" sz="2200" b="1" dirty="0" smtClean="0"/>
+              <a:t>UGOSTITELJSTVO I TRGOVINA</a:t>
+            </a:r>
+          </a:p>
+          <a:p>
+            <a:pPr>
+              <a:spcBef>
+                <a:spcPts val="0"/>
+              </a:spcBef>
+            </a:pPr>
+            <a:r>
+              <a:rPr lang="hr-HR" sz="2200" b="1" dirty="0" smtClean="0">
+                <a:solidFill>
+                  <a:srgbClr val="FF0000"/>
+                </a:solidFill>
+              </a:rPr>
+              <a:t>TRGOVINA</a:t>
+            </a:r>
+            <a:r>
+              <a:rPr lang="hr-HR" sz="2200" dirty="0" smtClean="0"/>
+              <a:t> – </a:t>
+            </a:r>
+            <a:r>
+              <a:rPr lang="hr-HR" sz="2200" dirty="0"/>
+              <a:t>posredništvo između proizvođača i </a:t>
+            </a:r>
+            <a:r>
+              <a:rPr lang="hr-HR" sz="2200" dirty="0" smtClean="0"/>
+              <a:t>potrošača</a:t>
+            </a:r>
+          </a:p>
+          <a:p>
+            <a:pPr>
+              <a:spcBef>
+                <a:spcPts val="600"/>
+              </a:spcBef>
+            </a:pPr>
+            <a:r>
+              <a:rPr lang="hr-HR" sz="2200" dirty="0" smtClean="0"/>
+              <a:t>ugostiteljstvo </a:t>
+            </a:r>
+            <a:r>
+              <a:rPr lang="hr-HR" sz="2200" b="1" dirty="0" smtClean="0">
+                <a:solidFill>
+                  <a:srgbClr val="FF0000"/>
+                </a:solidFill>
+              </a:rPr>
+              <a:t>ovisi o trgovini </a:t>
+            </a:r>
+            <a:r>
+              <a:rPr lang="hr-HR" sz="2200" dirty="0" smtClean="0"/>
+              <a:t>kod nabave robe za proizvodnju</a:t>
+            </a:r>
+            <a:endParaRPr lang="hr-HR" sz="2200" dirty="0"/>
+          </a:p>
+          <a:p>
+            <a:pPr lvl="0">
+              <a:spcBef>
+                <a:spcPts val="600"/>
+              </a:spcBef>
+            </a:pPr>
+            <a:r>
+              <a:rPr lang="hr-HR" sz="2200" b="1" dirty="0">
+                <a:solidFill>
+                  <a:srgbClr val="FF0000"/>
+                </a:solidFill>
+              </a:rPr>
+              <a:t>nestašica pojedinih roba</a:t>
+            </a:r>
+            <a:r>
+              <a:rPr lang="hr-HR" sz="2200" dirty="0"/>
+              <a:t> može značajno utjecati na ugostiteljsku ponudu </a:t>
+            </a:r>
+          </a:p>
+          <a:p>
+            <a:pPr lvl="1">
+              <a:spcBef>
+                <a:spcPts val="0"/>
+              </a:spcBef>
+            </a:pPr>
+            <a:r>
+              <a:rPr lang="hr-HR" sz="2200" i="1" dirty="0"/>
+              <a:t>npr. restoran ima u ponudi raznovrsnu ribu, ali dobavljač nije u mogućnosti dostaviti željenu ribu radi nestašice</a:t>
+            </a:r>
+            <a:endParaRPr lang="hr-HR" sz="2200" dirty="0"/>
+          </a:p>
+          <a:p>
+            <a:pPr lvl="0">
+              <a:spcBef>
+                <a:spcPts val="600"/>
+              </a:spcBef>
+            </a:pPr>
+            <a:r>
+              <a:rPr lang="hr-HR" sz="2200" dirty="0"/>
+              <a:t>namirnice u ugostiteljstvu se uglavnom </a:t>
+            </a:r>
+            <a:r>
+              <a:rPr lang="hr-HR" sz="2200" b="1" dirty="0">
+                <a:solidFill>
+                  <a:srgbClr val="FF0000"/>
+                </a:solidFill>
+              </a:rPr>
+              <a:t>ne poslužuju u izvornom obliku ili pakiranju </a:t>
+            </a:r>
+            <a:r>
+              <a:rPr lang="hr-HR" sz="2200" dirty="0"/>
+              <a:t>u kojem dolaze </a:t>
+            </a:r>
+          </a:p>
+          <a:p>
+            <a:pPr lvl="1">
+              <a:spcBef>
+                <a:spcPts val="0"/>
+              </a:spcBef>
+            </a:pPr>
+            <a:r>
+              <a:rPr lang="hr-HR" sz="2200" i="1" dirty="0"/>
+              <a:t>npr. sir se reže i poslužuje, pića se toče u čaše i sl.</a:t>
+            </a:r>
+            <a:endParaRPr lang="hr-HR" sz="2200" b="1" dirty="0"/>
+          </a:p>
+          <a:p>
+            <a:pPr marL="0" lvl="0" indent="0">
+              <a:spcBef>
+                <a:spcPts val="1800"/>
+              </a:spcBef>
+              <a:buNone/>
+            </a:pPr>
+            <a:r>
+              <a:rPr lang="hr-HR" sz="2200" b="1" dirty="0" smtClean="0"/>
+              <a:t>UGOSTITELJSTVO I OBRTI</a:t>
+            </a:r>
+          </a:p>
+          <a:p>
+            <a:pPr>
+              <a:spcBef>
+                <a:spcPts val="0"/>
+              </a:spcBef>
+            </a:pPr>
+            <a:r>
+              <a:rPr lang="hr-HR" sz="2200" b="1" dirty="0">
+                <a:solidFill>
+                  <a:srgbClr val="FF0000"/>
+                </a:solidFill>
+              </a:rPr>
+              <a:t>obrt</a:t>
+            </a:r>
+            <a:r>
+              <a:rPr lang="hr-HR" sz="2200" dirty="0"/>
+              <a:t> – djelatnost koja može biti proizvodna, prometna i uslužna</a:t>
+            </a:r>
+          </a:p>
+          <a:p>
+            <a:pPr>
+              <a:spcBef>
+                <a:spcPts val="600"/>
+              </a:spcBef>
+            </a:pPr>
+            <a:r>
+              <a:rPr lang="hr-HR" sz="2200" dirty="0"/>
+              <a:t>obrtnici su bitni za ugostiteljstvo radi raznovrsnih </a:t>
+            </a:r>
+            <a:r>
+              <a:rPr lang="hr-HR" sz="2200" dirty="0" smtClean="0"/>
+              <a:t>usluga, uglavnom </a:t>
+            </a:r>
+            <a:r>
+              <a:rPr lang="hr-HR" sz="2200" dirty="0"/>
+              <a:t>vezanim za održavanje ugostiteljskih objekata i dobavljanje </a:t>
+            </a:r>
+            <a:r>
+              <a:rPr lang="hr-HR" sz="2200" dirty="0" smtClean="0"/>
+              <a:t>namirnica</a:t>
+            </a:r>
+          </a:p>
+          <a:p>
+            <a:pPr marL="342900" lvl="1" indent="-342900">
+              <a:spcBef>
+                <a:spcPts val="600"/>
+              </a:spcBef>
+            </a:pPr>
+            <a:r>
+              <a:rPr lang="hr-HR" sz="2200" dirty="0" smtClean="0"/>
+              <a:t>neki obrti mogu biti u sklopu ugostiteljskih objekata - </a:t>
+            </a:r>
+            <a:r>
+              <a:rPr lang="hr-HR" sz="2200" i="1" dirty="0"/>
+              <a:t>npr. hotel u sklopu ima frizerski salon, pedikera, brijača, fotografa, pekaru i dr</a:t>
+            </a:r>
+            <a:r>
+              <a:rPr lang="hr-HR" sz="2200" i="1" dirty="0" smtClean="0"/>
+              <a:t>.</a:t>
+            </a:r>
+            <a:endParaRPr lang="hr-HR" sz="2200" dirty="0"/>
+          </a:p>
+        </p:txBody>
+      </p:sp>
+    </p:spTree>
+    <p:extLst>
+      <p:ext uri="{BB962C8B-B14F-4D97-AF65-F5344CB8AC3E}">
+        <p14:creationId xmlns:p14="http://schemas.microsoft.com/office/powerpoint/2010/main" val="424845752"/>
+      </p:ext>
+    </p:extLst>
+  </p:cSld>
+  <p:clrMapOvr>
+    <a:masterClrMapping/>
+  </p:clrMapOvr>
+  <mc:AlternateContent xmlns:mc="http://schemas.openxmlformats.org/markup-compatibility/2006">
+    <mc:Choice xmlns:p14="http://schemas.microsoft.com/office/powerpoint/2010/main" Requires="p14">
+      <p:transition>
+        <p14:reveal/>
+      </p:transition>
+    </mc:Choice>
+    <mc:Fallback>
+      <p:transition>
+        <p:fade/>
+      </p:transition>
+    </mc:Fallback>
+  </mc:AlternateContent>
+  <p:timing>
+    <p:tnLst>
+      <p:par>
+        <p:cTn id="1" dur="indefinite" restart="never" nodeType="tmRoot"/>
+      </p:par>
+    </p:tnLst>
+  </p:timing>
+</p:sld>
+</file>
+
+<file path=ppt/slides/slide19.xml><?xml version="1.0" encoding="utf-8"?>
+<p:sld xmlns:a="http://schemas.openxmlformats.org/drawingml/2006/main" xmlns:r="http://schemas.openxmlformats.org/officeDocument/2006/relationships" xmlns:p="http://schemas.openxmlformats.org/presentationml/2006/main">
+  <p:cSld>
+    <p:spTree>
+      <p:nvGrpSpPr>
+        <p:cNvPr id="1" name=""/>
+        <p:cNvGrpSpPr/>
+        <p:nvPr/>
+      </p:nvGrpSpPr>
+      <p:grpSpPr>
+        <a:xfrm>
+          <a:off x="0" y="0"/>
+          <a:ext cx="0" cy="0"/>
+          <a:chOff x="0" y="0"/>
+          <a:chExt cx="0" cy="0"/>
+        </a:xfrm>
+      </p:grpSpPr>
+      <p:sp>
+        <p:nvSpPr>
+          <p:cNvPr id="2" name="Title 1"/>
+          <p:cNvSpPr>
+            <a:spLocks noGrp="1"/>
+          </p:cNvSpPr>
+          <p:nvPr>
+            <p:ph type="title"/>
+          </p:nvPr>
+        </p:nvSpPr>
+        <p:spPr/>
+        <p:txBody>
+          <a:bodyPr/>
+          <a:lstStyle/>
+          <a:p>
+            <a:r>
+              <a:rPr lang="hr-HR" sz="2600" b="1" dirty="0">
+                <a:solidFill>
+                  <a:srgbClr val="FF0000"/>
+                </a:solidFill>
+              </a:rPr>
+              <a:t>UGOSTITELJSTVO I TRGOVINA, OBRTI I INDUSTRIJA</a:t>
+            </a:r>
+            <a:r>
+              <a:rPr lang="hr-HR" sz="2800" dirty="0">
+                <a:solidFill>
+                  <a:prstClr val="black"/>
+                </a:solidFill>
+              </a:rPr>
+              <a:t>	 </a:t>
+            </a:r>
+            <a:r>
+              <a:rPr lang="hr-HR" sz="2000" i="1" dirty="0">
+                <a:solidFill>
+                  <a:prstClr val="black"/>
+                </a:solidFill>
+              </a:rPr>
+              <a:t>(plan ploče)</a:t>
+            </a:r>
+            <a:endParaRPr lang="hr-HR" sz="2800" dirty="0"/>
+          </a:p>
+        </p:txBody>
+      </p:sp>
+      <p:sp>
+        <p:nvSpPr>
+          <p:cNvPr id="3" name="Content Placeholder 2"/>
+          <p:cNvSpPr>
+            <a:spLocks noGrp="1"/>
+          </p:cNvSpPr>
+          <p:nvPr>
+            <p:ph idx="1"/>
+          </p:nvPr>
+        </p:nvSpPr>
+        <p:spPr>
+          <a:xfrm>
+            <a:off x="0" y="836712"/>
+            <a:ext cx="9144000" cy="6021288"/>
+          </a:xfrm>
+        </p:spPr>
+        <p:txBody>
+          <a:bodyPr>
+            <a:noAutofit/>
+          </a:bodyPr>
+          <a:lstStyle/>
+          <a:p>
+            <a:pPr marL="0" indent="0">
+              <a:spcBef>
+                <a:spcPts val="0"/>
+              </a:spcBef>
+              <a:buNone/>
+            </a:pPr>
+            <a:r>
+              <a:rPr lang="hr-HR" sz="2200" b="1" dirty="0" smtClean="0"/>
+              <a:t>UGOSTITELJSTVO I INDUSTRIJA</a:t>
+            </a:r>
+          </a:p>
+          <a:p>
+            <a:pPr lvl="0">
+              <a:spcBef>
+                <a:spcPts val="1200"/>
+              </a:spcBef>
+            </a:pPr>
+            <a:r>
+              <a:rPr lang="hr-HR" sz="2200" dirty="0"/>
+              <a:t>za razliku od obrta, industrija zapošljava </a:t>
+            </a:r>
+            <a:r>
+              <a:rPr lang="hr-HR" sz="2200" b="1" dirty="0">
+                <a:solidFill>
+                  <a:srgbClr val="FF0000"/>
+                </a:solidFill>
+              </a:rPr>
+              <a:t>veći broj radnika </a:t>
+            </a:r>
+            <a:r>
+              <a:rPr lang="hr-HR" sz="2200" dirty="0"/>
+              <a:t>i </a:t>
+            </a:r>
+            <a:r>
+              <a:rPr lang="hr-HR" sz="2200" b="1" dirty="0">
+                <a:solidFill>
+                  <a:srgbClr val="FF0000"/>
+                </a:solidFill>
+              </a:rPr>
+              <a:t>proizvodi serijski </a:t>
+            </a:r>
+            <a:r>
+              <a:rPr lang="hr-HR" sz="2200" dirty="0"/>
+              <a:t>veći broj </a:t>
+            </a:r>
+            <a:r>
+              <a:rPr lang="hr-HR" sz="2200" dirty="0" smtClean="0"/>
+              <a:t>proizvoda</a:t>
+            </a:r>
+          </a:p>
+          <a:p>
+            <a:pPr lvl="0">
+              <a:spcBef>
+                <a:spcPts val="1200"/>
+              </a:spcBef>
+            </a:pPr>
+            <a:r>
+              <a:rPr lang="hr-HR" sz="2200" dirty="0"/>
+              <a:t>za ugostiteljstvo je bitna </a:t>
+            </a:r>
+            <a:r>
+              <a:rPr lang="hr-HR" sz="2200" b="1" dirty="0">
+                <a:solidFill>
+                  <a:srgbClr val="FF0000"/>
+                </a:solidFill>
+              </a:rPr>
+              <a:t>industrija hrane i pića</a:t>
+            </a:r>
+            <a:r>
+              <a:rPr lang="hr-HR" sz="2200" dirty="0"/>
+              <a:t>, drvna, tekstilna, </a:t>
+            </a:r>
+            <a:r>
+              <a:rPr lang="hr-HR" sz="2200" dirty="0" err="1"/>
+              <a:t>ind</a:t>
+            </a:r>
+            <a:r>
+              <a:rPr lang="hr-HR" sz="2200" dirty="0"/>
+              <a:t>. porculana i stakla, elektroindustrija, </a:t>
+            </a:r>
+            <a:r>
+              <a:rPr lang="hr-HR" sz="2200" dirty="0" err="1"/>
+              <a:t>ind</a:t>
+            </a:r>
+            <a:r>
+              <a:rPr lang="hr-HR" sz="2200" dirty="0"/>
+              <a:t>. rashladnih uređaja i dr.</a:t>
+            </a:r>
+          </a:p>
+          <a:p>
+            <a:pPr lvl="0">
+              <a:spcBef>
+                <a:spcPts val="1200"/>
+              </a:spcBef>
+            </a:pPr>
+            <a:r>
+              <a:rPr lang="hr-HR" sz="2200" b="1" dirty="0">
+                <a:solidFill>
+                  <a:srgbClr val="FF0000"/>
+                </a:solidFill>
+              </a:rPr>
+              <a:t>„hotelska industrija“ </a:t>
+            </a:r>
+            <a:r>
+              <a:rPr lang="hr-HR" sz="2200" dirty="0"/>
+              <a:t>i </a:t>
+            </a:r>
+            <a:r>
+              <a:rPr lang="hr-HR" sz="2200" b="1" dirty="0">
+                <a:solidFill>
+                  <a:srgbClr val="FF0000"/>
+                </a:solidFill>
+              </a:rPr>
+              <a:t>„ugostiteljska industrija“ </a:t>
+            </a:r>
+            <a:r>
+              <a:rPr lang="hr-HR" sz="2200" dirty="0"/>
+              <a:t>– hoteli s više od 1000 postelja, restauracije s većim brojem sjedala i dr. </a:t>
+            </a:r>
+          </a:p>
+          <a:p>
+            <a:pPr>
+              <a:spcBef>
+                <a:spcPts val="0"/>
+              </a:spcBef>
+            </a:pPr>
+            <a:endParaRPr lang="hr-HR" sz="2200" dirty="0"/>
+          </a:p>
+        </p:txBody>
+      </p:sp>
+    </p:spTree>
+    <p:extLst>
+      <p:ext uri="{BB962C8B-B14F-4D97-AF65-F5344CB8AC3E}">
+        <p14:creationId xmlns:p14="http://schemas.microsoft.com/office/powerpoint/2010/main" val="1463141912"/>
+      </p:ext>
+    </p:extLst>
+  </p:cSld>
+  <p:clrMapOvr>
+    <a:masterClrMapping/>
+  </p:clrMapOvr>
+  <mc:AlternateContent xmlns:mc="http://schemas.openxmlformats.org/markup-compatibility/2006">
+    <mc:Choice xmlns:p14="http://schemas.microsoft.com/office/powerpoint/2010/main" Requires="p14">
+      <p:transition>
+        <p14:reveal/>
+      </p:transition>
+    </mc:Choice>
+    <mc:Fallback>
+      <p:transition>
+        <p:fade/>
+      </p:transition>
+    </mc:Fallback>
+  </mc:AlternateContent>
+  <p:timing>
+    <p:tnLst>
+      <p:par>
+        <p:cTn id="1" dur="indefinite" restart="never" nodeType="tmRoot"/>
+      </p:par>
+    </p:tnLst>
+  </p:timing>
+</p:sld>
+</file>
+
+<file path=ppt/slides/slide2.xml><?xml version="1.0" encoding="utf-8"?>
+<p:sld xmlns:a="http://schemas.openxmlformats.org/drawingml/2006/main" xmlns:r="http://schemas.openxmlformats.org/officeDocument/2006/relationships" xmlns:p="http://schemas.openxmlformats.org/presentationml/2006/main">
+  <p:cSld>
+    <p:spTree>
+      <p:nvGrpSpPr>
+        <p:cNvPr id="1" name=""/>
+        <p:cNvGrpSpPr/>
+        <p:nvPr/>
+      </p:nvGrpSpPr>
+      <p:grpSpPr>
+        <a:xfrm>
+          <a:off x="0" y="0"/>
+          <a:ext cx="0" cy="0"/>
+          <a:chOff x="0" y="0"/>
+          <a:chExt cx="0" cy="0"/>
+        </a:xfrm>
+      </p:grpSpPr>
+      <p:sp>
+        <p:nvSpPr>
+          <p:cNvPr id="3" name="Content Placeholder 2"/>
+          <p:cNvSpPr>
+            <a:spLocks noGrp="1"/>
+          </p:cNvSpPr>
+          <p:nvPr>
+            <p:ph idx="1"/>
+          </p:nvPr>
+        </p:nvSpPr>
+        <p:spPr>
+          <a:xfrm>
+            <a:off x="107504" y="692696"/>
+            <a:ext cx="9036496" cy="5184576"/>
+          </a:xfrm>
+        </p:spPr>
+        <p:txBody>
+          <a:bodyPr>
+            <a:noAutofit/>
+          </a:bodyPr>
+          <a:lstStyle/>
+          <a:p>
+            <a:pPr marL="0" lvl="0" indent="0">
+              <a:buNone/>
+            </a:pPr>
+            <a:r>
+              <a:rPr lang="hr-HR" sz="2800" b="1" dirty="0" smtClean="0">
+                <a:solidFill>
+                  <a:srgbClr val="FF0000"/>
+                </a:solidFill>
+              </a:rPr>
+              <a:t>ORGANIZACIJA</a:t>
+            </a:r>
+            <a:endParaRPr lang="hr-HR" sz="2000" b="1" dirty="0" smtClean="0">
+              <a:solidFill>
+                <a:srgbClr val="FF0000"/>
+              </a:solidFill>
+            </a:endParaRPr>
+          </a:p>
+          <a:p>
+            <a:pPr lvl="0">
+              <a:spcBef>
+                <a:spcPts val="0"/>
+              </a:spcBef>
+            </a:pPr>
+            <a:r>
+              <a:rPr lang="hr-HR" sz="2400" b="1" dirty="0">
+                <a:solidFill>
+                  <a:srgbClr val="FF0000"/>
+                </a:solidFill>
+              </a:rPr>
+              <a:t>smišljena ljudska aktivnost </a:t>
+            </a:r>
+            <a:r>
+              <a:rPr lang="hr-HR" sz="2400" dirty="0"/>
+              <a:t>koja ima dužnost </a:t>
+            </a:r>
+            <a:r>
+              <a:rPr lang="hr-HR" sz="2400" b="1" dirty="0">
+                <a:solidFill>
+                  <a:srgbClr val="FF0000"/>
+                </a:solidFill>
+              </a:rPr>
+              <a:t>stavljanja u funkciju više organa </a:t>
+            </a:r>
+            <a:r>
+              <a:rPr lang="hr-HR" sz="2400" dirty="0"/>
+              <a:t>zbog </a:t>
+            </a:r>
+            <a:r>
+              <a:rPr lang="hr-HR" sz="2400" b="1" dirty="0">
+                <a:solidFill>
+                  <a:srgbClr val="FF0000"/>
+                </a:solidFill>
+              </a:rPr>
+              <a:t>obavljanja određenog zadatka </a:t>
+            </a:r>
+            <a:r>
+              <a:rPr lang="hr-HR" sz="2400" dirty="0"/>
+              <a:t>(ili postizanje </a:t>
+            </a:r>
+            <a:r>
+              <a:rPr lang="hr-HR" sz="2400" dirty="0" smtClean="0"/>
+              <a:t>cilja</a:t>
+            </a:r>
+            <a:r>
+              <a:rPr lang="hr-HR" sz="2400" dirty="0"/>
+              <a:t>)</a:t>
+            </a:r>
+          </a:p>
+          <a:p>
+            <a:pPr marL="0" lvl="0" indent="0">
+              <a:spcBef>
+                <a:spcPts val="1800"/>
+              </a:spcBef>
+              <a:buNone/>
+            </a:pPr>
+            <a:r>
+              <a:rPr lang="hr-HR" sz="2800" b="1" dirty="0" smtClean="0">
+                <a:solidFill>
+                  <a:srgbClr val="FF0000"/>
+                </a:solidFill>
+              </a:rPr>
+              <a:t>SVRHA</a:t>
+            </a:r>
+            <a:r>
+              <a:rPr lang="hr-HR" sz="2800" b="1" dirty="0" smtClean="0"/>
+              <a:t> ORGANIZACIJE RADA</a:t>
+            </a:r>
+          </a:p>
+          <a:p>
+            <a:pPr>
+              <a:spcBef>
+                <a:spcPts val="0"/>
+              </a:spcBef>
+            </a:pPr>
+            <a:r>
+              <a:rPr lang="hr-HR" sz="2400" dirty="0"/>
+              <a:t>omogućiti da se što </a:t>
+            </a:r>
+            <a:r>
+              <a:rPr lang="hr-HR" sz="2400" b="1" dirty="0">
+                <a:solidFill>
+                  <a:srgbClr val="FF0000"/>
+                </a:solidFill>
+              </a:rPr>
+              <a:t>jednostavnije, brže</a:t>
+            </a:r>
+            <a:r>
+              <a:rPr lang="hr-HR" sz="2400" dirty="0"/>
+              <a:t> i </a:t>
+            </a:r>
+            <a:r>
+              <a:rPr lang="hr-HR" sz="2400" b="1" dirty="0">
+                <a:solidFill>
+                  <a:srgbClr val="FF0000"/>
+                </a:solidFill>
+              </a:rPr>
+              <a:t>jeftinije </a:t>
+            </a:r>
+            <a:r>
+              <a:rPr lang="hr-HR" sz="2400" dirty="0"/>
+              <a:t>ostvari određeni </a:t>
+            </a:r>
+            <a:r>
+              <a:rPr lang="hr-HR" sz="2400" dirty="0" smtClean="0"/>
+              <a:t>zadatak</a:t>
+            </a:r>
+          </a:p>
+          <a:p>
+            <a:pPr marL="0" lvl="0" indent="0">
+              <a:spcBef>
+                <a:spcPts val="1800"/>
+              </a:spcBef>
+              <a:buNone/>
+            </a:pPr>
+            <a:r>
+              <a:rPr lang="hr-HR" sz="2800" b="1" dirty="0" smtClean="0">
+                <a:solidFill>
+                  <a:srgbClr val="FF0000"/>
+                </a:solidFill>
+              </a:rPr>
+              <a:t>PROCES ORGANIZACIJE RADA </a:t>
+            </a:r>
+            <a:r>
+              <a:rPr lang="hr-HR" sz="2000" i="1" dirty="0" smtClean="0"/>
+              <a:t>(u ugostiteljskom objektu)</a:t>
+            </a:r>
+            <a:endParaRPr lang="hr-HR" sz="2800" i="1" dirty="0" smtClean="0"/>
+          </a:p>
+          <a:p>
+            <a:pPr marL="0" lvl="0" indent="0">
+              <a:spcBef>
+                <a:spcPts val="2400"/>
+              </a:spcBef>
+              <a:buNone/>
+            </a:pPr>
+            <a:endParaRPr lang="hr-HR" sz="2800" b="1" dirty="0"/>
+          </a:p>
+        </p:txBody>
+      </p:sp>
+      <p:sp>
+        <p:nvSpPr>
+          <p:cNvPr id="2" name="Title 1"/>
+          <p:cNvSpPr>
+            <a:spLocks noGrp="1"/>
+          </p:cNvSpPr>
+          <p:nvPr>
+            <p:ph type="title"/>
+          </p:nvPr>
+        </p:nvSpPr>
+        <p:spPr/>
+        <p:txBody>
+          <a:bodyPr/>
+          <a:lstStyle/>
+          <a:p>
+            <a:r>
+              <a:rPr lang="hr-HR" dirty="0" smtClean="0"/>
+              <a:t>Organizacija rada</a:t>
+            </a:r>
+            <a:endParaRPr lang="hr-HR" b="1" dirty="0"/>
+          </a:p>
+        </p:txBody>
+      </p:sp>
+      <p:sp>
+        <p:nvSpPr>
+          <p:cNvPr id="4" name="Rectangle 3"/>
+          <p:cNvSpPr/>
+          <p:nvPr/>
+        </p:nvSpPr>
+        <p:spPr>
+          <a:xfrm>
+            <a:off x="258324" y="4053149"/>
+            <a:ext cx="2143140" cy="1104043"/>
+          </a:xfrm>
+          <a:prstGeom prst="rect">
+            <a:avLst/>
+          </a:prstGeom>
+          <a:solidFill>
+            <a:schemeClr val="tx2"/>
+          </a:solidFill>
+          <a:ln>
+            <a:noFill/>
+          </a:ln>
+          <a:effectLst>
+            <a:outerShdw blurRad="50800" dist="38100" dir="2700000" algn="tl" rotWithShape="0">
+              <a:prstClr val="black">
+                <a:alpha val="40000"/>
+              </a:prstClr>
+            </a:outerShdw>
+          </a:effectLst>
+        </p:spPr>
+        <p:style>
+          <a:lnRef idx="2">
+            <a:schemeClr val="accent1">
+              <a:shade val="50000"/>
+            </a:schemeClr>
+          </a:lnRef>
+          <a:fillRef idx="1">
+            <a:schemeClr val="accent1"/>
+          </a:fillRef>
+          <a:effectRef idx="0">
+            <a:schemeClr val="accent1"/>
+          </a:effectRef>
+          <a:fontRef idx="minor">
+            <a:schemeClr val="lt1"/>
+          </a:fontRef>
+        </p:style>
+        <p:txBody>
+          <a:bodyPr rtlCol="0" anchor="ctr"/>
+          <a:lstStyle/>
+          <a:p>
+            <a:pPr algn="ctr"/>
+            <a:r>
+              <a:rPr lang="hr-HR" sz="2000" b="1" dirty="0" smtClean="0">
+                <a:solidFill>
+                  <a:prstClr val="white"/>
+                </a:solidFill>
+              </a:rPr>
+              <a:t>ORGANIZIRANJE </a:t>
+            </a:r>
+            <a:r>
+              <a:rPr lang="hr-HR" sz="2000" b="1" dirty="0" smtClean="0">
+                <a:solidFill>
+                  <a:srgbClr val="FFC000"/>
+                </a:solidFill>
+              </a:rPr>
+              <a:t>SVAKOG RADNOG MJESTA U ODJELU</a:t>
+            </a:r>
+            <a:endParaRPr lang="hr-HR" sz="2000" b="1" dirty="0">
+              <a:solidFill>
+                <a:srgbClr val="FFC000"/>
+              </a:solidFill>
+            </a:endParaRPr>
+          </a:p>
+        </p:txBody>
+      </p:sp>
+      <p:sp>
+        <p:nvSpPr>
+          <p:cNvPr id="5" name="Rectangle 4"/>
+          <p:cNvSpPr/>
+          <p:nvPr/>
+        </p:nvSpPr>
+        <p:spPr>
+          <a:xfrm>
+            <a:off x="3294438" y="4053149"/>
+            <a:ext cx="2143140" cy="1104043"/>
+          </a:xfrm>
+          <a:prstGeom prst="rect">
+            <a:avLst/>
+          </a:prstGeom>
+          <a:solidFill>
+            <a:schemeClr val="tx2"/>
+          </a:solidFill>
+          <a:ln>
+            <a:noFill/>
+          </a:ln>
+          <a:effectLst>
+            <a:outerShdw blurRad="50800" dist="38100" dir="2700000" algn="tl" rotWithShape="0">
+              <a:prstClr val="black">
+                <a:alpha val="40000"/>
+              </a:prstClr>
+            </a:outerShdw>
+          </a:effectLst>
+        </p:spPr>
+        <p:style>
+          <a:lnRef idx="2">
+            <a:schemeClr val="accent1">
+              <a:shade val="50000"/>
+            </a:schemeClr>
+          </a:lnRef>
+          <a:fillRef idx="1">
+            <a:schemeClr val="accent1"/>
+          </a:fillRef>
+          <a:effectRef idx="0">
+            <a:schemeClr val="accent1"/>
+          </a:effectRef>
+          <a:fontRef idx="minor">
+            <a:schemeClr val="lt1"/>
+          </a:fontRef>
+        </p:style>
+        <p:txBody>
+          <a:bodyPr rtlCol="0" anchor="ctr"/>
+          <a:lstStyle/>
+          <a:p>
+            <a:pPr algn="ctr"/>
+            <a:r>
+              <a:rPr lang="hr-HR" sz="2000" b="1" dirty="0" smtClean="0">
+                <a:solidFill>
+                  <a:prstClr val="white"/>
+                </a:solidFill>
+              </a:rPr>
+              <a:t>USKLAĐIVANJE RADNIH MJESTA U </a:t>
+            </a:r>
+            <a:r>
+              <a:rPr lang="hr-HR" sz="2000" b="1" dirty="0" smtClean="0">
+                <a:solidFill>
+                  <a:srgbClr val="FFC000"/>
+                </a:solidFill>
+              </a:rPr>
+              <a:t>ODJELU </a:t>
+            </a:r>
+            <a:r>
+              <a:rPr lang="hr-HR" sz="2000" b="1" dirty="0" smtClean="0">
+                <a:solidFill>
+                  <a:prstClr val="white"/>
+                </a:solidFill>
+              </a:rPr>
+              <a:t>I </a:t>
+            </a:r>
+            <a:r>
+              <a:rPr lang="hr-HR" sz="2000" b="1" dirty="0" smtClean="0">
+                <a:solidFill>
+                  <a:srgbClr val="FFC000"/>
+                </a:solidFill>
+              </a:rPr>
+              <a:t>POGONU</a:t>
+            </a:r>
+            <a:endParaRPr lang="hr-HR" sz="2000" b="1" dirty="0">
+              <a:solidFill>
+                <a:srgbClr val="FFC000"/>
+              </a:solidFill>
+            </a:endParaRPr>
+          </a:p>
+        </p:txBody>
+      </p:sp>
+      <p:sp>
+        <p:nvSpPr>
+          <p:cNvPr id="6" name="Rectangle 5"/>
+          <p:cNvSpPr/>
+          <p:nvPr/>
+        </p:nvSpPr>
+        <p:spPr>
+          <a:xfrm>
+            <a:off x="6330554" y="4053149"/>
+            <a:ext cx="2571768" cy="1104043"/>
+          </a:xfrm>
+          <a:prstGeom prst="rect">
+            <a:avLst/>
+          </a:prstGeom>
+          <a:solidFill>
+            <a:schemeClr val="tx2"/>
+          </a:solidFill>
+          <a:ln>
+            <a:noFill/>
+          </a:ln>
+          <a:effectLst>
+            <a:outerShdw blurRad="50800" dist="38100" dir="2700000" algn="tl" rotWithShape="0">
+              <a:prstClr val="black">
+                <a:alpha val="40000"/>
+              </a:prstClr>
+            </a:outerShdw>
+          </a:effectLst>
+        </p:spPr>
+        <p:style>
+          <a:lnRef idx="2">
+            <a:schemeClr val="accent1">
+              <a:shade val="50000"/>
+            </a:schemeClr>
+          </a:lnRef>
+          <a:fillRef idx="1">
+            <a:schemeClr val="accent1"/>
+          </a:fillRef>
+          <a:effectRef idx="0">
+            <a:schemeClr val="accent1"/>
+          </a:effectRef>
+          <a:fontRef idx="minor">
+            <a:schemeClr val="lt1"/>
+          </a:fontRef>
+        </p:style>
+        <p:txBody>
+          <a:bodyPr rtlCol="0" anchor="ctr"/>
+          <a:lstStyle/>
+          <a:p>
+            <a:pPr algn="ctr"/>
+            <a:r>
+              <a:rPr lang="hr-HR" sz="2000" b="1" dirty="0" smtClean="0">
+                <a:solidFill>
+                  <a:prstClr val="white"/>
+                </a:solidFill>
+              </a:rPr>
+              <a:t>USKLAĐIVANJE SVIH ODJELA U </a:t>
+            </a:r>
+            <a:r>
+              <a:rPr lang="hr-HR" sz="2000" b="1" dirty="0" smtClean="0">
+                <a:solidFill>
+                  <a:srgbClr val="FFC000"/>
+                </a:solidFill>
+              </a:rPr>
+              <a:t>UGOST. OBJEKTU</a:t>
+            </a:r>
+            <a:endParaRPr lang="hr-HR" sz="2000" b="1" dirty="0">
+              <a:solidFill>
+                <a:srgbClr val="FFC000"/>
+              </a:solidFill>
+            </a:endParaRPr>
+          </a:p>
+        </p:txBody>
+      </p:sp>
+      <p:sp>
+        <p:nvSpPr>
+          <p:cNvPr id="7" name="Right Arrow 6"/>
+          <p:cNvSpPr/>
+          <p:nvPr/>
+        </p:nvSpPr>
+        <p:spPr>
+          <a:xfrm>
+            <a:off x="2526480" y="4247980"/>
+            <a:ext cx="642942" cy="714380"/>
+          </a:xfrm>
+          <a:prstGeom prst="rightArrow">
+            <a:avLst/>
+          </a:prstGeom>
+          <a:solidFill>
+            <a:srgbClr val="FFC000"/>
+          </a:solidFill>
+          <a:ln>
+            <a:noFill/>
+          </a:ln>
+          <a:effectLst>
+            <a:outerShdw blurRad="50800" dist="38100" dir="2700000" algn="tl" rotWithShape="0">
+              <a:prstClr val="black">
+                <a:alpha val="40000"/>
+              </a:prstClr>
+            </a:outerShdw>
+          </a:effectLst>
+        </p:spPr>
+        <p:style>
+          <a:lnRef idx="2">
+            <a:schemeClr val="accent1">
+              <a:shade val="50000"/>
+            </a:schemeClr>
+          </a:lnRef>
+          <a:fillRef idx="1">
+            <a:schemeClr val="accent1"/>
+          </a:fillRef>
+          <a:effectRef idx="0">
+            <a:schemeClr val="accent1"/>
+          </a:effectRef>
+          <a:fontRef idx="minor">
+            <a:schemeClr val="lt1"/>
+          </a:fontRef>
+        </p:style>
+        <p:txBody>
+          <a:bodyPr rtlCol="0" anchor="ctr"/>
+          <a:lstStyle/>
+          <a:p>
+            <a:pPr algn="ctr"/>
+            <a:endParaRPr lang="hr-HR">
+              <a:solidFill>
+                <a:prstClr val="white"/>
+              </a:solidFill>
+            </a:endParaRPr>
+          </a:p>
+        </p:txBody>
+      </p:sp>
+      <p:sp>
+        <p:nvSpPr>
+          <p:cNvPr id="8" name="Right Arrow 7"/>
+          <p:cNvSpPr/>
+          <p:nvPr/>
+        </p:nvSpPr>
+        <p:spPr>
+          <a:xfrm>
+            <a:off x="5562594" y="4247980"/>
+            <a:ext cx="642942" cy="714380"/>
+          </a:xfrm>
+          <a:prstGeom prst="rightArrow">
+            <a:avLst/>
+          </a:prstGeom>
+          <a:solidFill>
+            <a:srgbClr val="FFC000"/>
+          </a:solidFill>
+          <a:ln>
+            <a:noFill/>
+          </a:ln>
+          <a:effectLst>
+            <a:outerShdw blurRad="50800" dist="38100" dir="2700000" algn="tl" rotWithShape="0">
+              <a:prstClr val="black">
+                <a:alpha val="40000"/>
+              </a:prstClr>
+            </a:outerShdw>
+          </a:effectLst>
+        </p:spPr>
+        <p:style>
+          <a:lnRef idx="2">
+            <a:schemeClr val="accent1">
+              <a:shade val="50000"/>
+            </a:schemeClr>
+          </a:lnRef>
+          <a:fillRef idx="1">
+            <a:schemeClr val="accent1"/>
+          </a:fillRef>
+          <a:effectRef idx="0">
+            <a:schemeClr val="accent1"/>
+          </a:effectRef>
+          <a:fontRef idx="minor">
+            <a:schemeClr val="lt1"/>
+          </a:fontRef>
+        </p:style>
+        <p:txBody>
+          <a:bodyPr rtlCol="0" anchor="ctr"/>
+          <a:lstStyle/>
+          <a:p>
+            <a:pPr algn="ctr"/>
+            <a:endParaRPr lang="hr-HR">
+              <a:solidFill>
+                <a:prstClr val="white"/>
+              </a:solidFill>
+            </a:endParaRPr>
+          </a:p>
+        </p:txBody>
+      </p:sp>
+      <p:pic>
+        <p:nvPicPr>
+          <p:cNvPr id="9" name="Picture 2" descr="http://possector.hr/wordpress/wp-content/uploads/2014/08/organizacija-poslovanja-u-malim-restoranima-kuhari1.jpg"/>
+          <p:cNvPicPr>
+            <a:picLocks noChangeAspect="1" noChangeArrowheads="1"/>
+          </p:cNvPicPr>
+          <p:nvPr/>
+        </p:nvPicPr>
+        <p:blipFill>
+          <a:blip r:embed="rId2">
+            <a:extLst>
+              <a:ext uri="{28A0092B-C50C-407E-A947-70E740481C1C}">
+                <a14:useLocalDpi xmlns:a14="http://schemas.microsoft.com/office/drawing/2010/main" val="0"/>
+              </a:ext>
+            </a:extLst>
+          </a:blip>
+          <a:srcRect/>
+          <a:stretch>
+            <a:fillRect/>
+          </a:stretch>
+        </p:blipFill>
+        <p:spPr bwMode="auto">
+          <a:xfrm>
+            <a:off x="107504" y="5178517"/>
+            <a:ext cx="3038475" cy="1587342"/>
+          </a:xfrm>
+          <a:prstGeom prst="rect">
+            <a:avLst/>
+          </a:prstGeom>
+          <a:noFill/>
+          <a:extLst>
+            <a:ext uri="{909E8E84-426E-40DD-AFC4-6F175D3DCCD1}">
+              <a14:hiddenFill xmlns:a14="http://schemas.microsoft.com/office/drawing/2010/main">
+                <a:solidFill>
+                  <a:srgbClr val="FFFFFF"/>
+                </a:solidFill>
+              </a14:hiddenFill>
+            </a:ext>
+          </a:extLst>
+        </p:spPr>
+      </p:pic>
+      <p:pic>
+        <p:nvPicPr>
+          <p:cNvPr id="10" name="Picture 4" descr="http://stalla.hr/wp-content/uploads/2016/02/Restoran-Stalla-Ka%C5%A1tel-Stari-Organizacija-vjen%C4%8Danja-pri%C4%8Desti-i-krizmi-22.jpg"/>
+          <p:cNvPicPr>
+            <a:picLocks noChangeAspect="1" noChangeArrowheads="1"/>
+          </p:cNvPicPr>
+          <p:nvPr/>
+        </p:nvPicPr>
+        <p:blipFill>
+          <a:blip r:embed="rId3" cstate="print">
+            <a:extLst>
+              <a:ext uri="{28A0092B-C50C-407E-A947-70E740481C1C}">
+                <a14:useLocalDpi xmlns:a14="http://schemas.microsoft.com/office/drawing/2010/main" val="0"/>
+              </a:ext>
+            </a:extLst>
+          </a:blip>
+          <a:srcRect/>
+          <a:stretch>
+            <a:fillRect/>
+          </a:stretch>
+        </p:blipFill>
+        <p:spPr bwMode="auto">
+          <a:xfrm>
+            <a:off x="3419872" y="5178517"/>
+            <a:ext cx="2593949" cy="1587342"/>
+          </a:xfrm>
+          <a:prstGeom prst="rect">
+            <a:avLst/>
+          </a:prstGeom>
+          <a:noFill/>
+          <a:extLst>
+            <a:ext uri="{909E8E84-426E-40DD-AFC4-6F175D3DCCD1}">
+              <a14:hiddenFill xmlns:a14="http://schemas.microsoft.com/office/drawing/2010/main">
+                <a:solidFill>
+                  <a:srgbClr val="FFFFFF"/>
+                </a:solidFill>
+              </a14:hiddenFill>
+            </a:ext>
+          </a:extLst>
+        </p:spPr>
+      </p:pic>
+      <p:pic>
+        <p:nvPicPr>
+          <p:cNvPr id="15" name="Picture 2"/>
+          <p:cNvPicPr>
+            <a:picLocks noChangeAspect="1" noChangeArrowheads="1"/>
+          </p:cNvPicPr>
+          <p:nvPr/>
+        </p:nvPicPr>
+        <p:blipFill rotWithShape="1">
+          <a:blip r:embed="rId4">
+            <a:extLst>
+              <a:ext uri="{28A0092B-C50C-407E-A947-70E740481C1C}">
+                <a14:useLocalDpi xmlns:a14="http://schemas.microsoft.com/office/drawing/2010/main" val="0"/>
+              </a:ext>
+            </a:extLst>
+          </a:blip>
+          <a:srcRect t="-1" b="19000"/>
+          <a:stretch/>
+        </p:blipFill>
+        <p:spPr bwMode="auto">
+          <a:xfrm>
+            <a:off x="6358748" y="5184846"/>
+            <a:ext cx="2543573" cy="1581013"/>
+          </a:xfrm>
+          <a:prstGeom prst="rect">
+            <a:avLst/>
+          </a:prstGeom>
+          <a:noFill/>
+          <a:ln>
+            <a:noFill/>
+          </a:ln>
+          <a:extLst>
+            <a:ext uri="{909E8E84-426E-40DD-AFC4-6F175D3DCCD1}">
+              <a14:hiddenFill xmlns:a14="http://schemas.microsoft.com/office/drawing/2010/main">
+                <a:solidFill>
+                  <a:schemeClr val="accent1"/>
+                </a:solidFill>
+              </a14:hiddenFill>
+            </a:ext>
+            <a:ext uri="{91240B29-F687-4F45-9708-019B960494DF}">
+              <a14:hiddenLine xmlns:a14="http://schemas.microsoft.com/office/drawing/2010/main" w="9525">
+                <a:solidFill>
+                  <a:schemeClr val="tx1"/>
+                </a:solidFill>
+                <a:miter lim="800000"/>
+                <a:headEnd/>
+                <a:tailEnd/>
+              </a14:hiddenLine>
+            </a:ext>
+          </a:extLst>
+        </p:spPr>
+      </p:pic>
+      <p:pic>
+        <p:nvPicPr>
+          <p:cNvPr id="12" name="Picture 2" descr="http://possector.hr/wordpress/wp-content/uploads/2014/08/organizacija-poslovanja-u-malim-restoranima-kuhari1.jpg"/>
+          <p:cNvPicPr>
+            <a:picLocks noChangeAspect="1" noChangeArrowheads="1"/>
+          </p:cNvPicPr>
+          <p:nvPr/>
+        </p:nvPicPr>
+        <p:blipFill>
+          <a:blip r:embed="rId2">
+            <a:extLst>
+              <a:ext uri="{28A0092B-C50C-407E-A947-70E740481C1C}">
+                <a14:useLocalDpi xmlns:a14="http://schemas.microsoft.com/office/drawing/2010/main" val="0"/>
+              </a:ext>
+            </a:extLst>
+          </a:blip>
+          <a:srcRect/>
+          <a:stretch>
+            <a:fillRect/>
+          </a:stretch>
+        </p:blipFill>
+        <p:spPr bwMode="auto">
+          <a:xfrm>
+            <a:off x="325001" y="2222087"/>
+            <a:ext cx="8371959" cy="4373629"/>
+          </a:xfrm>
+          <a:prstGeom prst="rect">
+            <a:avLst/>
+          </a:prstGeom>
+          <a:noFill/>
+          <a:extLst>
+            <a:ext uri="{909E8E84-426E-40DD-AFC4-6F175D3DCCD1}">
+              <a14:hiddenFill xmlns:a14="http://schemas.microsoft.com/office/drawing/2010/main">
+                <a:solidFill>
+                  <a:srgbClr val="FFFFFF"/>
+                </a:solidFill>
+              </a14:hiddenFill>
+            </a:ext>
+          </a:extLst>
+        </p:spPr>
+      </p:pic>
+    </p:spTree>
+    <p:extLst>
+      <p:ext uri="{BB962C8B-B14F-4D97-AF65-F5344CB8AC3E}">
+        <p14:creationId xmlns:p14="http://schemas.microsoft.com/office/powerpoint/2010/main" val="3670948011"/>
+      </p:ext>
+    </p:extLst>
+  </p:cSld>
+  <p:clrMapOvr>
+    <a:masterClrMapping/>
+  </p:clrMapOvr>
+  <mc:AlternateContent xmlns:mc="http://schemas.openxmlformats.org/markup-compatibility/2006">
+    <mc:Choice xmlns:p14="http://schemas.microsoft.com/office/powerpoint/2010/main" Requires="p14">
+      <p:transition>
+        <p14:reveal/>
+      </p:transition>
+    </mc:Choice>
+    <mc:Fallback>
+      <p:transition>
+        <p:fade/>
+      </p:transition>
+    </mc:Fallback>
+  </mc:AlternateContent>
+  <p:timing>
+    <p:tnLst>
+      <p:par>
+        <p:cTn id="1" dur="indefinite" restart="never" nodeType="tmRoot">
+          <p:childTnLst>
+            <p:seq concurrent="1" nextAc="seek">
+              <p:cTn id="2" dur="indefinite" nodeType="mainSeq">
+                <p:childTnLst>
+                  <p:par>
+                    <p:cTn id="3" fill="hold">
+                      <p:stCondLst>
+                        <p:cond delay="indefinite"/>
+                        <p:cond evt="onBegin" delay="0">
+                          <p:tn val="2"/>
+                        </p:cond>
+                      </p:stCondLst>
+                      <p:childTnLst>
+                        <p:par>
+                          <p:cTn id="4" fill="hold">
+                            <p:stCondLst>
+                              <p:cond delay="0"/>
+                            </p:stCondLst>
+                            <p:childTnLst>
+                              <p:par>
+                                <p:cTn id="5" presetID="10" presetClass="entr" presetSubtype="0" fill="hold" nodeType="afterEffect">
+                                  <p:stCondLst>
+                                    <p:cond delay="0"/>
+                                  </p:stCondLst>
+                                  <p:childTnLst>
+                                    <p:set>
+                                      <p:cBhvr>
+                                        <p:cTn id="6" dur="1" fill="hold">
+                                          <p:stCondLst>
+                                            <p:cond delay="0"/>
+                                          </p:stCondLst>
+                                        </p:cTn>
+                                        <p:tgtEl>
+                                          <p:spTgt spid="3">
+                                            <p:txEl>
+                                              <p:pRg st="0" end="0"/>
+                                            </p:txEl>
+                                          </p:spTgt>
+                                        </p:tgtEl>
+                                        <p:attrNameLst>
+                                          <p:attrName>style.visibility</p:attrName>
+                                        </p:attrNameLst>
+                                      </p:cBhvr>
+                                      <p:to>
+                                        <p:strVal val="visible"/>
+                                      </p:to>
+                                    </p:set>
+                                    <p:animEffect transition="in" filter="fade">
+                                      <p:cBhvr>
+                                        <p:cTn id="7" dur="250"/>
+                                        <p:tgtEl>
+                                          <p:spTgt spid="3">
+                                            <p:txEl>
+                                              <p:pRg st="0" end="0"/>
+                                            </p:txEl>
+                                          </p:spTgt>
+                                        </p:tgtEl>
+                                      </p:cBhvr>
+                                    </p:animEffect>
+                                  </p:childTnLst>
+                                </p:cTn>
+                              </p:par>
+                            </p:childTnLst>
+                          </p:cTn>
+                        </p:par>
+                      </p:childTnLst>
+                    </p:cTn>
+                  </p:par>
+                  <p:par>
+                    <p:cTn id="8" fill="hold">
+                      <p:stCondLst>
+                        <p:cond delay="indefinite"/>
+                      </p:stCondLst>
+                      <p:childTnLst>
+                        <p:par>
+                          <p:cTn id="9" fill="hold">
+                            <p:stCondLst>
+                              <p:cond delay="0"/>
+                            </p:stCondLst>
+                            <p:childTnLst>
+                              <p:par>
+                                <p:cTn id="10" presetID="10" presetClass="entr" presetSubtype="0" fill="hold" nodeType="clickEffect">
+                                  <p:stCondLst>
+                                    <p:cond delay="0"/>
+                                  </p:stCondLst>
+                                  <p:childTnLst>
+                                    <p:set>
+                                      <p:cBhvr>
+                                        <p:cTn id="11" dur="1" fill="hold">
+                                          <p:stCondLst>
+                                            <p:cond delay="0"/>
+                                          </p:stCondLst>
+                                        </p:cTn>
+                                        <p:tgtEl>
+                                          <p:spTgt spid="3">
+                                            <p:txEl>
+                                              <p:pRg st="1" end="1"/>
+                                            </p:txEl>
+                                          </p:spTgt>
+                                        </p:tgtEl>
+                                        <p:attrNameLst>
+                                          <p:attrName>style.visibility</p:attrName>
+                                        </p:attrNameLst>
+                                      </p:cBhvr>
+                                      <p:to>
+                                        <p:strVal val="visible"/>
+                                      </p:to>
+                                    </p:set>
+                                    <p:animEffect transition="in" filter="fade">
+                                      <p:cBhvr>
+                                        <p:cTn id="12" dur="250"/>
+                                        <p:tgtEl>
+                                          <p:spTgt spid="3">
+                                            <p:txEl>
+                                              <p:pRg st="1" end="1"/>
+                                            </p:txEl>
+                                          </p:spTgt>
+                                        </p:tgtEl>
+                                      </p:cBhvr>
+                                    </p:animEffect>
+                                  </p:childTnLst>
+                                </p:cTn>
+                              </p:par>
+                            </p:childTnLst>
+                          </p:cTn>
+                        </p:par>
+                        <p:par>
+                          <p:cTn id="13" fill="hold">
+                            <p:stCondLst>
+                              <p:cond delay="250"/>
+                            </p:stCondLst>
+                            <p:childTnLst>
+                              <p:par>
+                                <p:cTn id="14" presetID="10" presetClass="entr" presetSubtype="0" fill="hold" nodeType="afterEffect">
+                                  <p:stCondLst>
+                                    <p:cond delay="0"/>
+                                  </p:stCondLst>
+                                  <p:childTnLst>
+                                    <p:set>
+                                      <p:cBhvr>
+                                        <p:cTn id="15" dur="1" fill="hold">
+                                          <p:stCondLst>
+                                            <p:cond delay="0"/>
+                                          </p:stCondLst>
+                                        </p:cTn>
+                                        <p:tgtEl>
+                                          <p:spTgt spid="12"/>
+                                        </p:tgtEl>
+                                        <p:attrNameLst>
+                                          <p:attrName>style.visibility</p:attrName>
+                                        </p:attrNameLst>
+                                      </p:cBhvr>
+                                      <p:to>
+                                        <p:strVal val="visible"/>
+                                      </p:to>
+                                    </p:set>
+                                    <p:animEffect transition="in" filter="fade">
+                                      <p:cBhvr>
+                                        <p:cTn id="16" dur="250"/>
+                                        <p:tgtEl>
+                                          <p:spTgt spid="12"/>
+                                        </p:tgtEl>
+                                      </p:cBhvr>
+                                    </p:animEffect>
+                                  </p:childTnLst>
+                                </p:cTn>
+                              </p:par>
+                            </p:childTnLst>
+                          </p:cTn>
+                        </p:par>
+                      </p:childTnLst>
+                    </p:cTn>
+                  </p:par>
+                  <p:par>
+                    <p:cTn id="17" fill="hold">
+                      <p:stCondLst>
+                        <p:cond delay="indefinite"/>
+                      </p:stCondLst>
+                      <p:childTnLst>
+                        <p:par>
+                          <p:cTn id="18" fill="hold">
+                            <p:stCondLst>
+                              <p:cond delay="0"/>
+                            </p:stCondLst>
+                            <p:childTnLst>
+                              <p:par>
+                                <p:cTn id="19" presetID="10" presetClass="exit" presetSubtype="0" fill="hold" nodeType="clickEffect">
+                                  <p:stCondLst>
+                                    <p:cond delay="0"/>
+                                  </p:stCondLst>
+                                  <p:childTnLst>
+                                    <p:animEffect transition="out" filter="fade">
+                                      <p:cBhvr>
+                                        <p:cTn id="20" dur="250"/>
+                                        <p:tgtEl>
+                                          <p:spTgt spid="12"/>
+                                        </p:tgtEl>
+                                      </p:cBhvr>
+                                    </p:animEffect>
+                                    <p:set>
+                                      <p:cBhvr>
+                                        <p:cTn id="21" dur="1" fill="hold">
+                                          <p:stCondLst>
+                                            <p:cond delay="249"/>
+                                          </p:stCondLst>
+                                        </p:cTn>
+                                        <p:tgtEl>
+                                          <p:spTgt spid="12"/>
+                                        </p:tgtEl>
+                                        <p:attrNameLst>
+                                          <p:attrName>style.visibility</p:attrName>
+                                        </p:attrNameLst>
+                                      </p:cBhvr>
+                                      <p:to>
+                                        <p:strVal val="hidden"/>
+                                      </p:to>
+                                    </p:set>
+                                  </p:childTnLst>
+                                </p:cTn>
+                              </p:par>
+                            </p:childTnLst>
+                          </p:cTn>
+                        </p:par>
+                        <p:par>
+                          <p:cTn id="22" fill="hold">
+                            <p:stCondLst>
+                              <p:cond delay="250"/>
+                            </p:stCondLst>
+                            <p:childTnLst>
+                              <p:par>
+                                <p:cTn id="23" presetID="10" presetClass="entr" presetSubtype="0" fill="hold" nodeType="afterEffect">
+                                  <p:stCondLst>
+                                    <p:cond delay="0"/>
+                                  </p:stCondLst>
+                                  <p:childTnLst>
+                                    <p:set>
+                                      <p:cBhvr>
+                                        <p:cTn id="24" dur="1" fill="hold">
+                                          <p:stCondLst>
+                                            <p:cond delay="0"/>
+                                          </p:stCondLst>
+                                        </p:cTn>
+                                        <p:tgtEl>
+                                          <p:spTgt spid="3">
+                                            <p:txEl>
+                                              <p:pRg st="2" end="2"/>
+                                            </p:txEl>
+                                          </p:spTgt>
+                                        </p:tgtEl>
+                                        <p:attrNameLst>
+                                          <p:attrName>style.visibility</p:attrName>
+                                        </p:attrNameLst>
+                                      </p:cBhvr>
+                                      <p:to>
+                                        <p:strVal val="visible"/>
+                                      </p:to>
+                                    </p:set>
+                                    <p:animEffect transition="in" filter="fade">
+                                      <p:cBhvr>
+                                        <p:cTn id="25" dur="250"/>
+                                        <p:tgtEl>
+                                          <p:spTgt spid="3">
+                                            <p:txEl>
+                                              <p:pRg st="2" end="2"/>
+                                            </p:txEl>
+                                          </p:spTgt>
+                                        </p:tgtEl>
+                                      </p:cBhvr>
+                                    </p:animEffect>
+                                  </p:childTnLst>
+                                </p:cTn>
+                              </p:par>
+                            </p:childTnLst>
+                          </p:cTn>
+                        </p:par>
+                      </p:childTnLst>
+                    </p:cTn>
+                  </p:par>
+                  <p:par>
+                    <p:cTn id="26" fill="hold">
+                      <p:stCondLst>
+                        <p:cond delay="indefinite"/>
+                      </p:stCondLst>
+                      <p:childTnLst>
+                        <p:par>
+                          <p:cTn id="27" fill="hold">
+                            <p:stCondLst>
+                              <p:cond delay="0"/>
+                            </p:stCondLst>
+                            <p:childTnLst>
+                              <p:par>
+                                <p:cTn id="28" presetID="10" presetClass="entr" presetSubtype="0" fill="hold" nodeType="clickEffect">
+                                  <p:stCondLst>
+                                    <p:cond delay="0"/>
+                                  </p:stCondLst>
+                                  <p:childTnLst>
+                                    <p:set>
+                                      <p:cBhvr>
+                                        <p:cTn id="29" dur="1" fill="hold">
+                                          <p:stCondLst>
+                                            <p:cond delay="0"/>
+                                          </p:stCondLst>
+                                        </p:cTn>
+                                        <p:tgtEl>
+                                          <p:spTgt spid="3">
+                                            <p:txEl>
+                                              <p:pRg st="3" end="3"/>
+                                            </p:txEl>
+                                          </p:spTgt>
+                                        </p:tgtEl>
+                                        <p:attrNameLst>
+                                          <p:attrName>style.visibility</p:attrName>
+                                        </p:attrNameLst>
+                                      </p:cBhvr>
+                                      <p:to>
+                                        <p:strVal val="visible"/>
+                                      </p:to>
+                                    </p:set>
+                                    <p:animEffect transition="in" filter="fade">
+                                      <p:cBhvr>
+                                        <p:cTn id="30" dur="250"/>
+                                        <p:tgtEl>
+                                          <p:spTgt spid="3">
+                                            <p:txEl>
+                                              <p:pRg st="3" end="3"/>
+                                            </p:txEl>
+                                          </p:spTgt>
+                                        </p:tgtEl>
+                                      </p:cBhvr>
+                                    </p:animEffect>
+                                  </p:childTnLst>
+                                </p:cTn>
+                              </p:par>
+                            </p:childTnLst>
+                          </p:cTn>
+                        </p:par>
+                      </p:childTnLst>
+                    </p:cTn>
+                  </p:par>
+                  <p:par>
+                    <p:cTn id="31" fill="hold">
+                      <p:stCondLst>
+                        <p:cond delay="indefinite"/>
+                      </p:stCondLst>
+                      <p:childTnLst>
+                        <p:par>
+                          <p:cTn id="32" fill="hold">
+                            <p:stCondLst>
+                              <p:cond delay="0"/>
+                            </p:stCondLst>
+                            <p:childTnLst>
+                              <p:par>
+                                <p:cTn id="33" presetID="10" presetClass="entr" presetSubtype="0" fill="hold" nodeType="clickEffect">
+                                  <p:stCondLst>
+                                    <p:cond delay="0"/>
+                                  </p:stCondLst>
+                                  <p:childTnLst>
+                                    <p:set>
+                                      <p:cBhvr>
+                                        <p:cTn id="34" dur="1" fill="hold">
+                                          <p:stCondLst>
+                                            <p:cond delay="0"/>
+                                          </p:stCondLst>
+                                        </p:cTn>
+                                        <p:tgtEl>
+                                          <p:spTgt spid="3">
+                                            <p:txEl>
+                                              <p:pRg st="4" end="4"/>
+                                            </p:txEl>
+                                          </p:spTgt>
+                                        </p:tgtEl>
+                                        <p:attrNameLst>
+                                          <p:attrName>style.visibility</p:attrName>
+                                        </p:attrNameLst>
+                                      </p:cBhvr>
+                                      <p:to>
+                                        <p:strVal val="visible"/>
+                                      </p:to>
+                                    </p:set>
+                                    <p:animEffect transition="in" filter="fade">
+                                      <p:cBhvr>
+                                        <p:cTn id="35" dur="250"/>
+                                        <p:tgtEl>
+                                          <p:spTgt spid="3">
+                                            <p:txEl>
+                                              <p:pRg st="4" end="4"/>
+                                            </p:txEl>
+                                          </p:spTgt>
+                                        </p:tgtEl>
+                                      </p:cBhvr>
+                                    </p:animEffect>
+                                  </p:childTnLst>
+                                </p:cTn>
+                              </p:par>
+                            </p:childTnLst>
+                          </p:cTn>
+                        </p:par>
+                      </p:childTnLst>
+                    </p:cTn>
+                  </p:par>
+                  <p:par>
+                    <p:cTn id="36" fill="hold">
+                      <p:stCondLst>
+                        <p:cond delay="indefinite"/>
+                      </p:stCondLst>
+                      <p:childTnLst>
+                        <p:par>
+                          <p:cTn id="37" fill="hold">
+                            <p:stCondLst>
+                              <p:cond delay="0"/>
+                            </p:stCondLst>
+                            <p:childTnLst>
+                              <p:par>
+                                <p:cTn id="38" presetID="22" presetClass="entr" presetSubtype="8" fill="hold" grpId="0" nodeType="clickEffect">
+                                  <p:stCondLst>
+                                    <p:cond delay="0"/>
+                                  </p:stCondLst>
+                                  <p:childTnLst>
+                                    <p:set>
+                                      <p:cBhvr>
+                                        <p:cTn id="39" dur="1" fill="hold">
+                                          <p:stCondLst>
+                                            <p:cond delay="0"/>
+                                          </p:stCondLst>
+                                        </p:cTn>
+                                        <p:tgtEl>
+                                          <p:spTgt spid="4"/>
+                                        </p:tgtEl>
+                                        <p:attrNameLst>
+                                          <p:attrName>style.visibility</p:attrName>
+                                        </p:attrNameLst>
+                                      </p:cBhvr>
+                                      <p:to>
+                                        <p:strVal val="visible"/>
+                                      </p:to>
+                                    </p:set>
+                                    <p:animEffect transition="in" filter="wipe(left)">
+                                      <p:cBhvr>
+                                        <p:cTn id="40" dur="250"/>
+                                        <p:tgtEl>
+                                          <p:spTgt spid="4"/>
+                                        </p:tgtEl>
+                                      </p:cBhvr>
+                                    </p:animEffect>
+                                  </p:childTnLst>
+                                </p:cTn>
+                              </p:par>
+                            </p:childTnLst>
+                          </p:cTn>
+                        </p:par>
+                        <p:par>
+                          <p:cTn id="41" fill="hold">
+                            <p:stCondLst>
+                              <p:cond delay="250"/>
+                            </p:stCondLst>
+                            <p:childTnLst>
+                              <p:par>
+                                <p:cTn id="42" presetID="10" presetClass="entr" presetSubtype="0" fill="hold" nodeType="afterEffect">
+                                  <p:stCondLst>
+                                    <p:cond delay="0"/>
+                                  </p:stCondLst>
+                                  <p:childTnLst>
+                                    <p:set>
+                                      <p:cBhvr>
+                                        <p:cTn id="43" dur="1" fill="hold">
+                                          <p:stCondLst>
+                                            <p:cond delay="0"/>
+                                          </p:stCondLst>
+                                        </p:cTn>
+                                        <p:tgtEl>
+                                          <p:spTgt spid="9"/>
+                                        </p:tgtEl>
+                                        <p:attrNameLst>
+                                          <p:attrName>style.visibility</p:attrName>
+                                        </p:attrNameLst>
+                                      </p:cBhvr>
+                                      <p:to>
+                                        <p:strVal val="visible"/>
+                                      </p:to>
+                                    </p:set>
+                                    <p:animEffect transition="in" filter="fade">
+                                      <p:cBhvr>
+                                        <p:cTn id="44" dur="250"/>
+                                        <p:tgtEl>
+                                          <p:spTgt spid="9"/>
+                                        </p:tgtEl>
+                                      </p:cBhvr>
+                                    </p:animEffect>
+                                  </p:childTnLst>
+                                </p:cTn>
+                              </p:par>
+                            </p:childTnLst>
+                          </p:cTn>
+                        </p:par>
+                      </p:childTnLst>
+                    </p:cTn>
+                  </p:par>
+                  <p:par>
+                    <p:cTn id="45" fill="hold">
+                      <p:stCondLst>
+                        <p:cond delay="indefinite"/>
+                      </p:stCondLst>
+                      <p:childTnLst>
+                        <p:par>
+                          <p:cTn id="46" fill="hold">
+                            <p:stCondLst>
+                              <p:cond delay="0"/>
+                            </p:stCondLst>
+                            <p:childTnLst>
+                              <p:par>
+                                <p:cTn id="47" presetID="22" presetClass="entr" presetSubtype="8" fill="hold" grpId="0" nodeType="clickEffect">
+                                  <p:stCondLst>
+                                    <p:cond delay="0"/>
+                                  </p:stCondLst>
+                                  <p:childTnLst>
+                                    <p:set>
+                                      <p:cBhvr>
+                                        <p:cTn id="48" dur="1" fill="hold">
+                                          <p:stCondLst>
+                                            <p:cond delay="0"/>
+                                          </p:stCondLst>
+                                        </p:cTn>
+                                        <p:tgtEl>
+                                          <p:spTgt spid="7"/>
+                                        </p:tgtEl>
+                                        <p:attrNameLst>
+                                          <p:attrName>style.visibility</p:attrName>
+                                        </p:attrNameLst>
+                                      </p:cBhvr>
+                                      <p:to>
+                                        <p:strVal val="visible"/>
+                                      </p:to>
+                                    </p:set>
+                                    <p:animEffect transition="in" filter="wipe(left)">
+                                      <p:cBhvr>
+                                        <p:cTn id="49" dur="250"/>
+                                        <p:tgtEl>
+                                          <p:spTgt spid="7"/>
+                                        </p:tgtEl>
+                                      </p:cBhvr>
+                                    </p:animEffect>
+                                  </p:childTnLst>
+                                </p:cTn>
+                              </p:par>
+                            </p:childTnLst>
+                          </p:cTn>
+                        </p:par>
+                        <p:par>
+                          <p:cTn id="50" fill="hold">
+                            <p:stCondLst>
+                              <p:cond delay="250"/>
+                            </p:stCondLst>
+                            <p:childTnLst>
+                              <p:par>
+                                <p:cTn id="51" presetID="22" presetClass="entr" presetSubtype="8" fill="hold" grpId="0" nodeType="afterEffect">
+                                  <p:stCondLst>
+                                    <p:cond delay="0"/>
+                                  </p:stCondLst>
+                                  <p:childTnLst>
+                                    <p:set>
+                                      <p:cBhvr>
+                                        <p:cTn id="52" dur="1" fill="hold">
+                                          <p:stCondLst>
+                                            <p:cond delay="0"/>
+                                          </p:stCondLst>
+                                        </p:cTn>
+                                        <p:tgtEl>
+                                          <p:spTgt spid="5"/>
+                                        </p:tgtEl>
+                                        <p:attrNameLst>
+                                          <p:attrName>style.visibility</p:attrName>
+                                        </p:attrNameLst>
+                                      </p:cBhvr>
+                                      <p:to>
+                                        <p:strVal val="visible"/>
+                                      </p:to>
+                                    </p:set>
+                                    <p:animEffect transition="in" filter="wipe(left)">
+                                      <p:cBhvr>
+                                        <p:cTn id="53" dur="250"/>
+                                        <p:tgtEl>
+                                          <p:spTgt spid="5"/>
+                                        </p:tgtEl>
+                                      </p:cBhvr>
+                                    </p:animEffect>
+                                  </p:childTnLst>
+                                </p:cTn>
+                              </p:par>
+                              <p:par>
+                                <p:cTn id="54" presetID="10" presetClass="entr" presetSubtype="0" fill="hold" nodeType="withEffect">
+                                  <p:stCondLst>
+                                    <p:cond delay="0"/>
+                                  </p:stCondLst>
+                                  <p:childTnLst>
+                                    <p:set>
+                                      <p:cBhvr>
+                                        <p:cTn id="55" dur="1" fill="hold">
+                                          <p:stCondLst>
+                                            <p:cond delay="0"/>
+                                          </p:stCondLst>
+                                        </p:cTn>
+                                        <p:tgtEl>
+                                          <p:spTgt spid="10"/>
+                                        </p:tgtEl>
+                                        <p:attrNameLst>
+                                          <p:attrName>style.visibility</p:attrName>
+                                        </p:attrNameLst>
+                                      </p:cBhvr>
+                                      <p:to>
+                                        <p:strVal val="visible"/>
+                                      </p:to>
+                                    </p:set>
+                                    <p:animEffect transition="in" filter="fade">
+                                      <p:cBhvr>
+                                        <p:cTn id="56" dur="250"/>
+                                        <p:tgtEl>
+                                          <p:spTgt spid="10"/>
+                                        </p:tgtEl>
+                                      </p:cBhvr>
+                                    </p:animEffect>
+                                  </p:childTnLst>
+                                </p:cTn>
+                              </p:par>
+                            </p:childTnLst>
+                          </p:cTn>
+                        </p:par>
+                      </p:childTnLst>
+                    </p:cTn>
+                  </p:par>
+                  <p:par>
+                    <p:cTn id="57" fill="hold">
+                      <p:stCondLst>
+                        <p:cond delay="indefinite"/>
+                      </p:stCondLst>
+                      <p:childTnLst>
+                        <p:par>
+                          <p:cTn id="58" fill="hold">
+                            <p:stCondLst>
+                              <p:cond delay="0"/>
+                            </p:stCondLst>
+                            <p:childTnLst>
+                              <p:par>
+                                <p:cTn id="59" presetID="22" presetClass="entr" presetSubtype="8" fill="hold" grpId="0" nodeType="clickEffect">
+                                  <p:stCondLst>
+                                    <p:cond delay="0"/>
+                                  </p:stCondLst>
+                                  <p:childTnLst>
+                                    <p:set>
+                                      <p:cBhvr>
+                                        <p:cTn id="60" dur="1" fill="hold">
+                                          <p:stCondLst>
+                                            <p:cond delay="0"/>
+                                          </p:stCondLst>
+                                        </p:cTn>
+                                        <p:tgtEl>
+                                          <p:spTgt spid="8"/>
+                                        </p:tgtEl>
+                                        <p:attrNameLst>
+                                          <p:attrName>style.visibility</p:attrName>
+                                        </p:attrNameLst>
+                                      </p:cBhvr>
+                                      <p:to>
+                                        <p:strVal val="visible"/>
+                                      </p:to>
+                                    </p:set>
+                                    <p:animEffect transition="in" filter="wipe(left)">
+                                      <p:cBhvr>
+                                        <p:cTn id="61" dur="250"/>
+                                        <p:tgtEl>
+                                          <p:spTgt spid="8"/>
+                                        </p:tgtEl>
+                                      </p:cBhvr>
+                                    </p:animEffect>
+                                  </p:childTnLst>
+                                </p:cTn>
+                              </p:par>
+                            </p:childTnLst>
+                          </p:cTn>
+                        </p:par>
+                        <p:par>
+                          <p:cTn id="62" fill="hold">
+                            <p:stCondLst>
+                              <p:cond delay="250"/>
+                            </p:stCondLst>
+                            <p:childTnLst>
+                              <p:par>
+                                <p:cTn id="63" presetID="22" presetClass="entr" presetSubtype="8" fill="hold" grpId="0" nodeType="afterEffect">
+                                  <p:stCondLst>
+                                    <p:cond delay="0"/>
+                                  </p:stCondLst>
+                                  <p:childTnLst>
+                                    <p:set>
+                                      <p:cBhvr>
+                                        <p:cTn id="64" dur="1" fill="hold">
+                                          <p:stCondLst>
+                                            <p:cond delay="0"/>
+                                          </p:stCondLst>
+                                        </p:cTn>
+                                        <p:tgtEl>
+                                          <p:spTgt spid="6"/>
+                                        </p:tgtEl>
+                                        <p:attrNameLst>
+                                          <p:attrName>style.visibility</p:attrName>
+                                        </p:attrNameLst>
+                                      </p:cBhvr>
+                                      <p:to>
+                                        <p:strVal val="visible"/>
+                                      </p:to>
+                                    </p:set>
+                                    <p:animEffect transition="in" filter="wipe(left)">
+                                      <p:cBhvr>
+                                        <p:cTn id="65" dur="250"/>
+                                        <p:tgtEl>
+                                          <p:spTgt spid="6"/>
+                                        </p:tgtEl>
+                                      </p:cBhvr>
+                                    </p:animEffect>
+                                  </p:childTnLst>
+                                </p:cTn>
+                              </p:par>
+                            </p:childTnLst>
+                          </p:cTn>
+                        </p:par>
+                        <p:par>
+                          <p:cTn id="66" fill="hold">
+                            <p:stCondLst>
+                              <p:cond delay="500"/>
+                            </p:stCondLst>
+                            <p:childTnLst>
+                              <p:par>
+                                <p:cTn id="67" presetID="10" presetClass="entr" presetSubtype="0" fill="hold" nodeType="afterEffect">
+                                  <p:stCondLst>
+                                    <p:cond delay="0"/>
+                                  </p:stCondLst>
+                                  <p:childTnLst>
+                                    <p:set>
+                                      <p:cBhvr>
+                                        <p:cTn id="68" dur="1" fill="hold">
+                                          <p:stCondLst>
+                                            <p:cond delay="0"/>
+                                          </p:stCondLst>
+                                        </p:cTn>
+                                        <p:tgtEl>
+                                          <p:spTgt spid="15"/>
+                                        </p:tgtEl>
+                                        <p:attrNameLst>
+                                          <p:attrName>style.visibility</p:attrName>
+                                        </p:attrNameLst>
+                                      </p:cBhvr>
+                                      <p:to>
+                                        <p:strVal val="visible"/>
+                                      </p:to>
+                                    </p:set>
+                                    <p:animEffect transition="in" filter="fade">
+                                      <p:cBhvr>
+                                        <p:cTn id="69" dur="250"/>
+                                        <p:tgtEl>
+                                          <p:spTgt spid="15"/>
+                                        </p:tgtEl>
+                                      </p:cBhvr>
+                                    </p:animEffect>
+                                  </p:childTnLst>
+                                </p:cTn>
+                              </p:par>
+                            </p:childTnLst>
+                          </p:cTn>
+                        </p:par>
+                      </p:childTnLst>
+                    </p:cTn>
+                  </p:par>
+                </p:childTnLst>
+              </p:cTn>
+              <p:prevCondLst>
+                <p:cond evt="onPrev" delay="0">
+                  <p:tgtEl>
+                    <p:sldTgt/>
+                  </p:tgtEl>
+                </p:cond>
+              </p:prevCondLst>
+              <p:nextCondLst>
+                <p:cond evt="onNext" delay="0">
+                  <p:tgtEl>
+                    <p:sldTgt/>
+                  </p:tgtEl>
+                </p:cond>
+              </p:nextCondLst>
+            </p:seq>
+          </p:childTnLst>
+        </p:cTn>
+      </p:par>
+    </p:tnLst>
+    <p:bldLst>
+      <p:bldP spid="4" grpId="0" animBg="1"/>
+      <p:bldP spid="5" grpId="0" animBg="1"/>
+      <p:bldP spid="6" grpId="0" animBg="1"/>
+      <p:bldP spid="7" grpId="0" animBg="1"/>
+      <p:bldP spid="8" grpId="0" animBg="1"/>
+    </p:bldLst>
+  </p:timing>
+</p:sld>
+</file>
+
+<file path=ppt/slides/slide20.xml><?xml version="1.0" encoding="utf-8"?>
+<p:sld xmlns:a="http://schemas.openxmlformats.org/drawingml/2006/main" xmlns:r="http://schemas.openxmlformats.org/officeDocument/2006/relationships" xmlns:p="http://schemas.openxmlformats.org/presentationml/2006/main">
+  <p:cSld>
+    <p:spTree>
+      <p:nvGrpSpPr>
+        <p:cNvPr id="1" name=""/>
+        <p:cNvGrpSpPr/>
+        <p:nvPr/>
+      </p:nvGrpSpPr>
+      <p:grpSpPr>
+        <a:xfrm>
+          <a:off x="0" y="0"/>
+          <a:ext cx="0" cy="0"/>
+          <a:chOff x="0" y="0"/>
+          <a:chExt cx="0" cy="0"/>
+        </a:xfrm>
+      </p:grpSpPr>
+      <p:sp>
+        <p:nvSpPr>
           <p:cNvPr id="3" name="Content Placeholder 2"/>
           <p:cNvSpPr>
             <a:spLocks noGrp="1"/>
@@ -11095,15 +15650,7 @@
                     <a:srgbClr val="FFC000"/>
                   </a:solidFill>
                 </a:rPr>
-                <a:t>SVAKOG RADNOG </a:t>
-              </a:r>
-              <a:r>
-                <a:rPr lang="hr-HR" sz="2000" b="1" dirty="0" smtClean="0">
-                  <a:solidFill>
-                    <a:srgbClr val="FFC000"/>
-                  </a:solidFill>
-                </a:rPr>
-                <a:t>MJESTA U ODJELU</a:t>
+                <a:t>SVAKOG RADNOG MJESTA U ODJELU</a:t>
               </a:r>
               <a:endParaRPr lang="hr-HR" sz="2000" b="1" dirty="0">
                 <a:solidFill>
@@ -11380,13 +15927,13 @@
   <p:clrMapOvr>
     <a:masterClrMapping/>
   </p:clrMapOvr>
-  <mc:AlternateContent xmlns:mc="http://schemas.openxmlformats.org/markup-compatibility/2006" xmlns:p14="http://schemas.microsoft.com/office/powerpoint/2010/main">
-    <mc:Choice Requires="p14">
+  <mc:AlternateContent xmlns:mc="http://schemas.openxmlformats.org/markup-compatibility/2006">
+    <mc:Choice xmlns:p14="http://schemas.microsoft.com/office/powerpoint/2010/main" Requires="p14">
       <p:transition p14:dur="250">
         <p14:reveal/>
       </p:transition>
     </mc:Choice>
-    <mc:Fallback xmlns="">
+    <mc:Fallback>
       <p:transition>
         <p:fade/>
       </p:transition>
@@ -12129,7 +16676,7 @@
 </p:sld>
 </file>
 
-<file path=ppt/slides/slide12.xml><?xml version="1.0" encoding="utf-8"?>
+<file path=ppt/slides/slide21.xml><?xml version="1.0" encoding="utf-8"?>
 <p:sld xmlns:a="http://schemas.openxmlformats.org/drawingml/2006/main" xmlns:r="http://schemas.openxmlformats.org/officeDocument/2006/relationships" xmlns:p="http://schemas.openxmlformats.org/presentationml/2006/main">
   <p:cSld>
     <p:spTree>
@@ -12244,13 +16791,13 @@
   <p:clrMapOvr>
     <a:masterClrMapping/>
   </p:clrMapOvr>
-  <mc:AlternateContent xmlns:mc="http://schemas.openxmlformats.org/markup-compatibility/2006" xmlns:p14="http://schemas.microsoft.com/office/powerpoint/2010/main">
-    <mc:Choice Requires="p14">
+  <mc:AlternateContent xmlns:mc="http://schemas.openxmlformats.org/markup-compatibility/2006">
+    <mc:Choice xmlns:p14="http://schemas.microsoft.com/office/powerpoint/2010/main" Requires="p14">
       <p:transition p14:dur="250">
         <p14:reveal/>
       </p:transition>
     </mc:Choice>
-    <mc:Fallback xmlns="">
+    <mc:Fallback>
       <p:transition>
         <p:fade/>
       </p:transition>
@@ -12783,7 +17330,7 @@
 </p:sld>
 </file>
 
-<file path=ppt/slides/slide13.xml><?xml version="1.0" encoding="utf-8"?>
+<file path=ppt/slides/slide22.xml><?xml version="1.0" encoding="utf-8"?>
 <p:sld xmlns:a="http://schemas.openxmlformats.org/drawingml/2006/main" xmlns:r="http://schemas.openxmlformats.org/officeDocument/2006/relationships" xmlns:p="http://schemas.openxmlformats.org/presentationml/2006/main">
   <p:cSld>
     <p:spTree>
@@ -13320,13 +17867,13 @@
   <p:clrMapOvr>
     <a:masterClrMapping/>
   </p:clrMapOvr>
-  <mc:AlternateContent xmlns:mc="http://schemas.openxmlformats.org/markup-compatibility/2006" xmlns:p14="http://schemas.microsoft.com/office/powerpoint/2010/main">
-    <mc:Choice Requires="p14">
+  <mc:AlternateContent xmlns:mc="http://schemas.openxmlformats.org/markup-compatibility/2006">
+    <mc:Choice xmlns:p14="http://schemas.microsoft.com/office/powerpoint/2010/main" Requires="p14">
       <p:transition p14:dur="250">
         <p14:reveal/>
       </p:transition>
     </mc:Choice>
-    <mc:Fallback xmlns="">
+    <mc:Fallback>
       <p:transition>
         <p:fade/>
       </p:transition>
@@ -14200,7 +18747,7 @@
 </p:sld>
 </file>
 
-<file path=ppt/slides/slide14.xml><?xml version="1.0" encoding="utf-8"?>
+<file path=ppt/slides/slide23.xml><?xml version="1.0" encoding="utf-8"?>
 <p:sld xmlns:a="http://schemas.openxmlformats.org/drawingml/2006/main" xmlns:r="http://schemas.openxmlformats.org/officeDocument/2006/relationships" xmlns:p="http://schemas.openxmlformats.org/presentationml/2006/main">
   <p:cSld>
     <p:spTree>
@@ -14365,13 +18912,13 @@
   <p:clrMapOvr>
     <a:masterClrMapping/>
   </p:clrMapOvr>
-  <mc:AlternateContent xmlns:mc="http://schemas.openxmlformats.org/markup-compatibility/2006" xmlns:p14="http://schemas.microsoft.com/office/powerpoint/2010/main">
-    <mc:Choice Requires="p14">
+  <mc:AlternateContent xmlns:mc="http://schemas.openxmlformats.org/markup-compatibility/2006">
+    <mc:Choice xmlns:p14="http://schemas.microsoft.com/office/powerpoint/2010/main" Requires="p14">
       <p:transition p14:dur="250">
         <p14:reveal/>
       </p:transition>
     </mc:Choice>
-    <mc:Fallback xmlns="">
+    <mc:Fallback>
       <p:transition>
         <p:fade/>
       </p:transition>
@@ -15026,7 +19573,7 @@
 </p:sld>
 </file>
 
-<file path=ppt/slides/slide15.xml><?xml version="1.0" encoding="utf-8"?>
+<file path=ppt/slides/slide24.xml><?xml version="1.0" encoding="utf-8"?>
 <p:sld xmlns:a="http://schemas.openxmlformats.org/drawingml/2006/main" xmlns:r="http://schemas.openxmlformats.org/officeDocument/2006/relationships" xmlns:p="http://schemas.openxmlformats.org/presentationml/2006/main">
   <p:cSld>
     <p:spTree>
@@ -15135,13 +19682,13 @@
   <p:clrMapOvr>
     <a:masterClrMapping/>
   </p:clrMapOvr>
-  <mc:AlternateContent xmlns:mc="http://schemas.openxmlformats.org/markup-compatibility/2006" xmlns:p14="http://schemas.microsoft.com/office/powerpoint/2010/main">
-    <mc:Choice Requires="p14">
+  <mc:AlternateContent xmlns:mc="http://schemas.openxmlformats.org/markup-compatibility/2006">
+    <mc:Choice xmlns:p14="http://schemas.microsoft.com/office/powerpoint/2010/main" Requires="p14">
       <p:transition p14:dur="250">
         <p14:reveal/>
       </p:transition>
     </mc:Choice>
-    <mc:Fallback xmlns="">
+    <mc:Fallback>
       <p:transition>
         <p:fade/>
       </p:transition>
@@ -15552,7 +20099,7 @@
 </p:sld>
 </file>
 
-<file path=ppt/slides/slide16.xml><?xml version="1.0" encoding="utf-8"?>
+<file path=ppt/slides/slide25.xml><?xml version="1.0" encoding="utf-8"?>
 <p:sld xmlns:a="http://schemas.openxmlformats.org/drawingml/2006/main" xmlns:r="http://schemas.openxmlformats.org/officeDocument/2006/relationships" xmlns:p="http://schemas.openxmlformats.org/presentationml/2006/main">
   <p:cSld>
     <p:spTree>
@@ -15681,13 +20228,13 @@
   <p:clrMapOvr>
     <a:masterClrMapping/>
   </p:clrMapOvr>
-  <mc:AlternateContent xmlns:mc="http://schemas.openxmlformats.org/markup-compatibility/2006" xmlns:p14="http://schemas.microsoft.com/office/powerpoint/2010/main">
-    <mc:Choice Requires="p14">
+  <mc:AlternateContent xmlns:mc="http://schemas.openxmlformats.org/markup-compatibility/2006">
+    <mc:Choice xmlns:p14="http://schemas.microsoft.com/office/powerpoint/2010/main" Requires="p14">
       <p:transition p14:dur="250">
         <p14:reveal/>
       </p:transition>
     </mc:Choice>
-    <mc:Fallback xmlns="">
+    <mc:Fallback>
       <p:transition>
         <p:fade/>
       </p:transition>
@@ -16342,7 +20889,7 @@
 </p:sld>
 </file>
 
-<file path=ppt/slides/slide17.xml><?xml version="1.0" encoding="utf-8"?>
+<file path=ppt/slides/slide26.xml><?xml version="1.0" encoding="utf-8"?>
 <p:sld xmlns:a="http://schemas.openxmlformats.org/drawingml/2006/main" xmlns:r="http://schemas.openxmlformats.org/officeDocument/2006/relationships" xmlns:p="http://schemas.openxmlformats.org/presentationml/2006/main">
   <p:cSld>
     <p:spTree>
@@ -16446,13 +20993,13 @@
   <p:clrMapOvr>
     <a:masterClrMapping/>
   </p:clrMapOvr>
-  <mc:AlternateContent xmlns:mc="http://schemas.openxmlformats.org/markup-compatibility/2006" xmlns:p14="http://schemas.microsoft.com/office/powerpoint/2010/main">
-    <mc:Choice Requires="p14">
+  <mc:AlternateContent xmlns:mc="http://schemas.openxmlformats.org/markup-compatibility/2006">
+    <mc:Choice xmlns:p14="http://schemas.microsoft.com/office/powerpoint/2010/main" Requires="p14">
       <p:transition p14:dur="250">
         <p14:reveal/>
       </p:transition>
     </mc:Choice>
-    <mc:Fallback xmlns="">
+    <mc:Fallback>
       <p:transition>
         <p:fade/>
       </p:transition>
@@ -16863,1587 +21410,6 @@
 </p:sld>
 </file>
 
-<file path=ppt/slides/slide2.xml><?xml version="1.0" encoding="utf-8"?>
-<p:sld xmlns:a="http://schemas.openxmlformats.org/drawingml/2006/main" xmlns:r="http://schemas.openxmlformats.org/officeDocument/2006/relationships" xmlns:p="http://schemas.openxmlformats.org/presentationml/2006/main">
-  <p:cSld>
-    <p:spTree>
-      <p:nvGrpSpPr>
-        <p:cNvPr id="1" name=""/>
-        <p:cNvGrpSpPr/>
-        <p:nvPr/>
-      </p:nvGrpSpPr>
-      <p:grpSpPr>
-        <a:xfrm>
-          <a:off x="0" y="0"/>
-          <a:ext cx="0" cy="0"/>
-          <a:chOff x="0" y="0"/>
-          <a:chExt cx="0" cy="0"/>
-        </a:xfrm>
-      </p:grpSpPr>
-      <p:sp>
-        <p:nvSpPr>
-          <p:cNvPr id="3" name="Content Placeholder 2"/>
-          <p:cNvSpPr>
-            <a:spLocks noGrp="1"/>
-          </p:cNvSpPr>
-          <p:nvPr>
-            <p:ph idx="1"/>
-          </p:nvPr>
-        </p:nvSpPr>
-        <p:spPr>
-          <a:xfrm>
-            <a:off x="107504" y="692696"/>
-            <a:ext cx="9036496" cy="5184576"/>
-          </a:xfrm>
-        </p:spPr>
-        <p:txBody>
-          <a:bodyPr>
-            <a:noAutofit/>
-          </a:bodyPr>
-          <a:lstStyle/>
-          <a:p>
-            <a:pPr marL="0" lvl="0" indent="0">
-              <a:buNone/>
-            </a:pPr>
-            <a:r>
-              <a:rPr lang="hr-HR" sz="2800" b="1" dirty="0" smtClean="0">
-                <a:solidFill>
-                  <a:srgbClr val="FF0000"/>
-                </a:solidFill>
-              </a:rPr>
-              <a:t>ORGANIZACIJA</a:t>
-            </a:r>
-            <a:endParaRPr lang="hr-HR" sz="2000" b="1" dirty="0" smtClean="0">
-              <a:solidFill>
-                <a:srgbClr val="FF0000"/>
-              </a:solidFill>
-            </a:endParaRPr>
-          </a:p>
-          <a:p>
-            <a:pPr lvl="0">
-              <a:spcBef>
-                <a:spcPts val="0"/>
-              </a:spcBef>
-            </a:pPr>
-            <a:r>
-              <a:rPr lang="hr-HR" sz="2400" b="1" dirty="0">
-                <a:solidFill>
-                  <a:srgbClr val="FF0000"/>
-                </a:solidFill>
-              </a:rPr>
-              <a:t>smišljena ljudska aktivnost </a:t>
-            </a:r>
-            <a:r>
-              <a:rPr lang="hr-HR" sz="2400" dirty="0"/>
-              <a:t>koja ima dužnost </a:t>
-            </a:r>
-            <a:r>
-              <a:rPr lang="hr-HR" sz="2400" b="1" dirty="0">
-                <a:solidFill>
-                  <a:srgbClr val="FF0000"/>
-                </a:solidFill>
-              </a:rPr>
-              <a:t>stavljanja u funkciju više organa </a:t>
-            </a:r>
-            <a:r>
-              <a:rPr lang="hr-HR" sz="2400" dirty="0"/>
-              <a:t>zbog </a:t>
-            </a:r>
-            <a:r>
-              <a:rPr lang="hr-HR" sz="2400" b="1" dirty="0">
-                <a:solidFill>
-                  <a:srgbClr val="FF0000"/>
-                </a:solidFill>
-              </a:rPr>
-              <a:t>obavljanja određenog zadatka </a:t>
-            </a:r>
-            <a:r>
-              <a:rPr lang="hr-HR" sz="2400" dirty="0"/>
-              <a:t>(ili postizanje </a:t>
-            </a:r>
-            <a:r>
-              <a:rPr lang="hr-HR" sz="2400" dirty="0" smtClean="0"/>
-              <a:t>cilja</a:t>
-            </a:r>
-            <a:r>
-              <a:rPr lang="hr-HR" sz="2400" dirty="0"/>
-              <a:t>)</a:t>
-            </a:r>
-          </a:p>
-          <a:p>
-            <a:pPr marL="0" lvl="0" indent="0">
-              <a:spcBef>
-                <a:spcPts val="1800"/>
-              </a:spcBef>
-              <a:buNone/>
-            </a:pPr>
-            <a:r>
-              <a:rPr lang="hr-HR" sz="2800" b="1" dirty="0" smtClean="0">
-                <a:solidFill>
-                  <a:srgbClr val="FF0000"/>
-                </a:solidFill>
-              </a:rPr>
-              <a:t>SVRHA</a:t>
-            </a:r>
-            <a:r>
-              <a:rPr lang="hr-HR" sz="2800" b="1" dirty="0" smtClean="0"/>
-              <a:t> ORGANIZACIJE RADA</a:t>
-            </a:r>
-          </a:p>
-          <a:p>
-            <a:pPr>
-              <a:spcBef>
-                <a:spcPts val="0"/>
-              </a:spcBef>
-            </a:pPr>
-            <a:r>
-              <a:rPr lang="hr-HR" sz="2400" dirty="0"/>
-              <a:t>omogućiti da se što </a:t>
-            </a:r>
-            <a:r>
-              <a:rPr lang="hr-HR" sz="2400" b="1" dirty="0">
-                <a:solidFill>
-                  <a:srgbClr val="FF0000"/>
-                </a:solidFill>
-              </a:rPr>
-              <a:t>jednostavnije, brže</a:t>
-            </a:r>
-            <a:r>
-              <a:rPr lang="hr-HR" sz="2400" dirty="0"/>
-              <a:t> i </a:t>
-            </a:r>
-            <a:r>
-              <a:rPr lang="hr-HR" sz="2400" b="1" dirty="0">
-                <a:solidFill>
-                  <a:srgbClr val="FF0000"/>
-                </a:solidFill>
-              </a:rPr>
-              <a:t>jeftinije </a:t>
-            </a:r>
-            <a:r>
-              <a:rPr lang="hr-HR" sz="2400" dirty="0"/>
-              <a:t>ostvari određeni </a:t>
-            </a:r>
-            <a:r>
-              <a:rPr lang="hr-HR" sz="2400" dirty="0" smtClean="0"/>
-              <a:t>zadatak</a:t>
-            </a:r>
-          </a:p>
-          <a:p>
-            <a:pPr marL="0" lvl="0" indent="0">
-              <a:spcBef>
-                <a:spcPts val="1800"/>
-              </a:spcBef>
-              <a:buNone/>
-            </a:pPr>
-            <a:r>
-              <a:rPr lang="hr-HR" sz="2800" b="1" dirty="0" smtClean="0">
-                <a:solidFill>
-                  <a:srgbClr val="FF0000"/>
-                </a:solidFill>
-              </a:rPr>
-              <a:t>PROCES ORGANIZACIJE RADA </a:t>
-            </a:r>
-            <a:r>
-              <a:rPr lang="hr-HR" sz="2000" i="1" dirty="0" smtClean="0"/>
-              <a:t>(u ugostiteljskom objektu)</a:t>
-            </a:r>
-            <a:endParaRPr lang="hr-HR" sz="2800" i="1" dirty="0" smtClean="0"/>
-          </a:p>
-          <a:p>
-            <a:pPr marL="0" lvl="0" indent="0">
-              <a:spcBef>
-                <a:spcPts val="2400"/>
-              </a:spcBef>
-              <a:buNone/>
-            </a:pPr>
-            <a:endParaRPr lang="hr-HR" sz="2800" b="1" dirty="0"/>
-          </a:p>
-        </p:txBody>
-      </p:sp>
-      <p:sp>
-        <p:nvSpPr>
-          <p:cNvPr id="2" name="Title 1"/>
-          <p:cNvSpPr>
-            <a:spLocks noGrp="1"/>
-          </p:cNvSpPr>
-          <p:nvPr>
-            <p:ph type="title"/>
-          </p:nvPr>
-        </p:nvSpPr>
-        <p:spPr/>
-        <p:txBody>
-          <a:bodyPr/>
-          <a:lstStyle/>
-          <a:p>
-            <a:r>
-              <a:rPr lang="hr-HR" dirty="0" smtClean="0"/>
-              <a:t>Organizacija rada</a:t>
-            </a:r>
-            <a:endParaRPr lang="hr-HR" b="1" dirty="0"/>
-          </a:p>
-        </p:txBody>
-      </p:sp>
-      <p:sp>
-        <p:nvSpPr>
-          <p:cNvPr id="4" name="Rectangle 3"/>
-          <p:cNvSpPr/>
-          <p:nvPr/>
-        </p:nvSpPr>
-        <p:spPr>
-          <a:xfrm>
-            <a:off x="258324" y="4053149"/>
-            <a:ext cx="2143140" cy="1104043"/>
-          </a:xfrm>
-          <a:prstGeom prst="rect">
-            <a:avLst/>
-          </a:prstGeom>
-          <a:solidFill>
-            <a:schemeClr val="tx2"/>
-          </a:solidFill>
-          <a:ln>
-            <a:noFill/>
-          </a:ln>
-          <a:effectLst>
-            <a:outerShdw blurRad="50800" dist="38100" dir="2700000" algn="tl" rotWithShape="0">
-              <a:prstClr val="black">
-                <a:alpha val="40000"/>
-              </a:prstClr>
-            </a:outerShdw>
-          </a:effectLst>
-        </p:spPr>
-        <p:style>
-          <a:lnRef idx="2">
-            <a:schemeClr val="accent1">
-              <a:shade val="50000"/>
-            </a:schemeClr>
-          </a:lnRef>
-          <a:fillRef idx="1">
-            <a:schemeClr val="accent1"/>
-          </a:fillRef>
-          <a:effectRef idx="0">
-            <a:schemeClr val="accent1"/>
-          </a:effectRef>
-          <a:fontRef idx="minor">
-            <a:schemeClr val="lt1"/>
-          </a:fontRef>
-        </p:style>
-        <p:txBody>
-          <a:bodyPr rtlCol="0" anchor="ctr"/>
-          <a:lstStyle/>
-          <a:p>
-            <a:pPr algn="ctr"/>
-            <a:r>
-              <a:rPr lang="hr-HR" sz="2000" b="1" dirty="0" smtClean="0">
-                <a:solidFill>
-                  <a:prstClr val="white"/>
-                </a:solidFill>
-              </a:rPr>
-              <a:t>ORGANIZIRANJE </a:t>
-            </a:r>
-            <a:r>
-              <a:rPr lang="hr-HR" sz="2000" b="1" dirty="0" smtClean="0">
-                <a:solidFill>
-                  <a:srgbClr val="FFC000"/>
-                </a:solidFill>
-              </a:rPr>
-              <a:t>SVAKOG RADNOG </a:t>
-            </a:r>
-            <a:r>
-              <a:rPr lang="hr-HR" sz="2000" b="1" dirty="0" smtClean="0">
-                <a:solidFill>
-                  <a:srgbClr val="FFC000"/>
-                </a:solidFill>
-              </a:rPr>
-              <a:t>MJESTA U ODJELU</a:t>
-            </a:r>
-            <a:endParaRPr lang="hr-HR" sz="2000" b="1" dirty="0">
-              <a:solidFill>
-                <a:srgbClr val="FFC000"/>
-              </a:solidFill>
-            </a:endParaRPr>
-          </a:p>
-        </p:txBody>
-      </p:sp>
-      <p:sp>
-        <p:nvSpPr>
-          <p:cNvPr id="5" name="Rectangle 4"/>
-          <p:cNvSpPr/>
-          <p:nvPr/>
-        </p:nvSpPr>
-        <p:spPr>
-          <a:xfrm>
-            <a:off x="3294438" y="4053149"/>
-            <a:ext cx="2143140" cy="1104043"/>
-          </a:xfrm>
-          <a:prstGeom prst="rect">
-            <a:avLst/>
-          </a:prstGeom>
-          <a:solidFill>
-            <a:schemeClr val="tx2"/>
-          </a:solidFill>
-          <a:ln>
-            <a:noFill/>
-          </a:ln>
-          <a:effectLst>
-            <a:outerShdw blurRad="50800" dist="38100" dir="2700000" algn="tl" rotWithShape="0">
-              <a:prstClr val="black">
-                <a:alpha val="40000"/>
-              </a:prstClr>
-            </a:outerShdw>
-          </a:effectLst>
-        </p:spPr>
-        <p:style>
-          <a:lnRef idx="2">
-            <a:schemeClr val="accent1">
-              <a:shade val="50000"/>
-            </a:schemeClr>
-          </a:lnRef>
-          <a:fillRef idx="1">
-            <a:schemeClr val="accent1"/>
-          </a:fillRef>
-          <a:effectRef idx="0">
-            <a:schemeClr val="accent1"/>
-          </a:effectRef>
-          <a:fontRef idx="minor">
-            <a:schemeClr val="lt1"/>
-          </a:fontRef>
-        </p:style>
-        <p:txBody>
-          <a:bodyPr rtlCol="0" anchor="ctr"/>
-          <a:lstStyle/>
-          <a:p>
-            <a:pPr algn="ctr"/>
-            <a:r>
-              <a:rPr lang="hr-HR" sz="2000" b="1" dirty="0" smtClean="0">
-                <a:solidFill>
-                  <a:prstClr val="white"/>
-                </a:solidFill>
-              </a:rPr>
-              <a:t>USKLAĐIVANJE RADNIH MJESTA U </a:t>
-            </a:r>
-            <a:r>
-              <a:rPr lang="hr-HR" sz="2000" b="1" dirty="0" smtClean="0">
-                <a:solidFill>
-                  <a:srgbClr val="FFC000"/>
-                </a:solidFill>
-              </a:rPr>
-              <a:t>ODJELU </a:t>
-            </a:r>
-            <a:r>
-              <a:rPr lang="hr-HR" sz="2000" b="1" dirty="0" smtClean="0">
-                <a:solidFill>
-                  <a:prstClr val="white"/>
-                </a:solidFill>
-              </a:rPr>
-              <a:t>I </a:t>
-            </a:r>
-            <a:r>
-              <a:rPr lang="hr-HR" sz="2000" b="1" dirty="0" smtClean="0">
-                <a:solidFill>
-                  <a:srgbClr val="FFC000"/>
-                </a:solidFill>
-              </a:rPr>
-              <a:t>POGONU</a:t>
-            </a:r>
-            <a:endParaRPr lang="hr-HR" sz="2000" b="1" dirty="0">
-              <a:solidFill>
-                <a:srgbClr val="FFC000"/>
-              </a:solidFill>
-            </a:endParaRPr>
-          </a:p>
-        </p:txBody>
-      </p:sp>
-      <p:sp>
-        <p:nvSpPr>
-          <p:cNvPr id="6" name="Rectangle 5"/>
-          <p:cNvSpPr/>
-          <p:nvPr/>
-        </p:nvSpPr>
-        <p:spPr>
-          <a:xfrm>
-            <a:off x="6330554" y="4053149"/>
-            <a:ext cx="2571768" cy="1104043"/>
-          </a:xfrm>
-          <a:prstGeom prst="rect">
-            <a:avLst/>
-          </a:prstGeom>
-          <a:solidFill>
-            <a:schemeClr val="tx2"/>
-          </a:solidFill>
-          <a:ln>
-            <a:noFill/>
-          </a:ln>
-          <a:effectLst>
-            <a:outerShdw blurRad="50800" dist="38100" dir="2700000" algn="tl" rotWithShape="0">
-              <a:prstClr val="black">
-                <a:alpha val="40000"/>
-              </a:prstClr>
-            </a:outerShdw>
-          </a:effectLst>
-        </p:spPr>
-        <p:style>
-          <a:lnRef idx="2">
-            <a:schemeClr val="accent1">
-              <a:shade val="50000"/>
-            </a:schemeClr>
-          </a:lnRef>
-          <a:fillRef idx="1">
-            <a:schemeClr val="accent1"/>
-          </a:fillRef>
-          <a:effectRef idx="0">
-            <a:schemeClr val="accent1"/>
-          </a:effectRef>
-          <a:fontRef idx="minor">
-            <a:schemeClr val="lt1"/>
-          </a:fontRef>
-        </p:style>
-        <p:txBody>
-          <a:bodyPr rtlCol="0" anchor="ctr"/>
-          <a:lstStyle/>
-          <a:p>
-            <a:pPr algn="ctr"/>
-            <a:r>
-              <a:rPr lang="hr-HR" sz="2000" b="1" dirty="0" smtClean="0">
-                <a:solidFill>
-                  <a:prstClr val="white"/>
-                </a:solidFill>
-              </a:rPr>
-              <a:t>USKLAĐIVANJE SVIH ODJELA U </a:t>
-            </a:r>
-            <a:r>
-              <a:rPr lang="hr-HR" sz="2000" b="1" dirty="0" smtClean="0">
-                <a:solidFill>
-                  <a:srgbClr val="FFC000"/>
-                </a:solidFill>
-              </a:rPr>
-              <a:t>UGOST. OBJEKTU</a:t>
-            </a:r>
-            <a:endParaRPr lang="hr-HR" sz="2000" b="1" dirty="0">
-              <a:solidFill>
-                <a:srgbClr val="FFC000"/>
-              </a:solidFill>
-            </a:endParaRPr>
-          </a:p>
-        </p:txBody>
-      </p:sp>
-      <p:sp>
-        <p:nvSpPr>
-          <p:cNvPr id="7" name="Right Arrow 6"/>
-          <p:cNvSpPr/>
-          <p:nvPr/>
-        </p:nvSpPr>
-        <p:spPr>
-          <a:xfrm>
-            <a:off x="2526480" y="4247980"/>
-            <a:ext cx="642942" cy="714380"/>
-          </a:xfrm>
-          <a:prstGeom prst="rightArrow">
-            <a:avLst/>
-          </a:prstGeom>
-          <a:solidFill>
-            <a:srgbClr val="FFC000"/>
-          </a:solidFill>
-          <a:ln>
-            <a:noFill/>
-          </a:ln>
-          <a:effectLst>
-            <a:outerShdw blurRad="50800" dist="38100" dir="2700000" algn="tl" rotWithShape="0">
-              <a:prstClr val="black">
-                <a:alpha val="40000"/>
-              </a:prstClr>
-            </a:outerShdw>
-          </a:effectLst>
-        </p:spPr>
-        <p:style>
-          <a:lnRef idx="2">
-            <a:schemeClr val="accent1">
-              <a:shade val="50000"/>
-            </a:schemeClr>
-          </a:lnRef>
-          <a:fillRef idx="1">
-            <a:schemeClr val="accent1"/>
-          </a:fillRef>
-          <a:effectRef idx="0">
-            <a:schemeClr val="accent1"/>
-          </a:effectRef>
-          <a:fontRef idx="minor">
-            <a:schemeClr val="lt1"/>
-          </a:fontRef>
-        </p:style>
-        <p:txBody>
-          <a:bodyPr rtlCol="0" anchor="ctr"/>
-          <a:lstStyle/>
-          <a:p>
-            <a:pPr algn="ctr"/>
-            <a:endParaRPr lang="hr-HR">
-              <a:solidFill>
-                <a:prstClr val="white"/>
-              </a:solidFill>
-            </a:endParaRPr>
-          </a:p>
-        </p:txBody>
-      </p:sp>
-      <p:sp>
-        <p:nvSpPr>
-          <p:cNvPr id="8" name="Right Arrow 7"/>
-          <p:cNvSpPr/>
-          <p:nvPr/>
-        </p:nvSpPr>
-        <p:spPr>
-          <a:xfrm>
-            <a:off x="5562594" y="4247980"/>
-            <a:ext cx="642942" cy="714380"/>
-          </a:xfrm>
-          <a:prstGeom prst="rightArrow">
-            <a:avLst/>
-          </a:prstGeom>
-          <a:solidFill>
-            <a:srgbClr val="FFC000"/>
-          </a:solidFill>
-          <a:ln>
-            <a:noFill/>
-          </a:ln>
-          <a:effectLst>
-            <a:outerShdw blurRad="50800" dist="38100" dir="2700000" algn="tl" rotWithShape="0">
-              <a:prstClr val="black">
-                <a:alpha val="40000"/>
-              </a:prstClr>
-            </a:outerShdw>
-          </a:effectLst>
-        </p:spPr>
-        <p:style>
-          <a:lnRef idx="2">
-            <a:schemeClr val="accent1">
-              <a:shade val="50000"/>
-            </a:schemeClr>
-          </a:lnRef>
-          <a:fillRef idx="1">
-            <a:schemeClr val="accent1"/>
-          </a:fillRef>
-          <a:effectRef idx="0">
-            <a:schemeClr val="accent1"/>
-          </a:effectRef>
-          <a:fontRef idx="minor">
-            <a:schemeClr val="lt1"/>
-          </a:fontRef>
-        </p:style>
-        <p:txBody>
-          <a:bodyPr rtlCol="0" anchor="ctr"/>
-          <a:lstStyle/>
-          <a:p>
-            <a:pPr algn="ctr"/>
-            <a:endParaRPr lang="hr-HR">
-              <a:solidFill>
-                <a:prstClr val="white"/>
-              </a:solidFill>
-            </a:endParaRPr>
-          </a:p>
-        </p:txBody>
-      </p:sp>
-      <p:pic>
-        <p:nvPicPr>
-          <p:cNvPr id="9" name="Picture 2" descr="http://possector.hr/wordpress/wp-content/uploads/2014/08/organizacija-poslovanja-u-malim-restoranima-kuhari1.jpg"/>
-          <p:cNvPicPr>
-            <a:picLocks noChangeAspect="1" noChangeArrowheads="1"/>
-          </p:cNvPicPr>
-          <p:nvPr/>
-        </p:nvPicPr>
-        <p:blipFill>
-          <a:blip r:embed="rId2">
-            <a:extLst>
-              <a:ext uri="{28A0092B-C50C-407E-A947-70E740481C1C}">
-                <a14:useLocalDpi xmlns:a14="http://schemas.microsoft.com/office/drawing/2010/main" val="0"/>
-              </a:ext>
-            </a:extLst>
-          </a:blip>
-          <a:srcRect/>
-          <a:stretch>
-            <a:fillRect/>
-          </a:stretch>
-        </p:blipFill>
-        <p:spPr bwMode="auto">
-          <a:xfrm>
-            <a:off x="107504" y="5178517"/>
-            <a:ext cx="3038475" cy="1587342"/>
-          </a:xfrm>
-          <a:prstGeom prst="rect">
-            <a:avLst/>
-          </a:prstGeom>
-          <a:noFill/>
-          <a:extLst>
-            <a:ext uri="{909E8E84-426E-40DD-AFC4-6F175D3DCCD1}">
-              <a14:hiddenFill xmlns:a14="http://schemas.microsoft.com/office/drawing/2010/main">
-                <a:solidFill>
-                  <a:srgbClr val="FFFFFF"/>
-                </a:solidFill>
-              </a14:hiddenFill>
-            </a:ext>
-          </a:extLst>
-        </p:spPr>
-      </p:pic>
-      <p:pic>
-        <p:nvPicPr>
-          <p:cNvPr id="10" name="Picture 4" descr="http://stalla.hr/wp-content/uploads/2016/02/Restoran-Stalla-Ka%C5%A1tel-Stari-Organizacija-vjen%C4%8Danja-pri%C4%8Desti-i-krizmi-22.jpg"/>
-          <p:cNvPicPr>
-            <a:picLocks noChangeAspect="1" noChangeArrowheads="1"/>
-          </p:cNvPicPr>
-          <p:nvPr/>
-        </p:nvPicPr>
-        <p:blipFill>
-          <a:blip r:embed="rId3" cstate="print">
-            <a:extLst>
-              <a:ext uri="{28A0092B-C50C-407E-A947-70E740481C1C}">
-                <a14:useLocalDpi xmlns:a14="http://schemas.microsoft.com/office/drawing/2010/main" val="0"/>
-              </a:ext>
-            </a:extLst>
-          </a:blip>
-          <a:srcRect/>
-          <a:stretch>
-            <a:fillRect/>
-          </a:stretch>
-        </p:blipFill>
-        <p:spPr bwMode="auto">
-          <a:xfrm>
-            <a:off x="3419872" y="5178517"/>
-            <a:ext cx="2593949" cy="1587342"/>
-          </a:xfrm>
-          <a:prstGeom prst="rect">
-            <a:avLst/>
-          </a:prstGeom>
-          <a:noFill/>
-          <a:extLst>
-            <a:ext uri="{909E8E84-426E-40DD-AFC4-6F175D3DCCD1}">
-              <a14:hiddenFill xmlns:a14="http://schemas.microsoft.com/office/drawing/2010/main">
-                <a:solidFill>
-                  <a:srgbClr val="FFFFFF"/>
-                </a:solidFill>
-              </a14:hiddenFill>
-            </a:ext>
-          </a:extLst>
-        </p:spPr>
-      </p:pic>
-      <p:pic>
-        <p:nvPicPr>
-          <p:cNvPr id="15" name="Picture 2"/>
-          <p:cNvPicPr>
-            <a:picLocks noChangeAspect="1" noChangeArrowheads="1"/>
-          </p:cNvPicPr>
-          <p:nvPr/>
-        </p:nvPicPr>
-        <p:blipFill rotWithShape="1">
-          <a:blip r:embed="rId4">
-            <a:extLst>
-              <a:ext uri="{28A0092B-C50C-407E-A947-70E740481C1C}">
-                <a14:useLocalDpi xmlns:a14="http://schemas.microsoft.com/office/drawing/2010/main" val="0"/>
-              </a:ext>
-            </a:extLst>
-          </a:blip>
-          <a:srcRect t="-1" b="19000"/>
-          <a:stretch/>
-        </p:blipFill>
-        <p:spPr bwMode="auto">
-          <a:xfrm>
-            <a:off x="6358748" y="5184846"/>
-            <a:ext cx="2543573" cy="1581013"/>
-          </a:xfrm>
-          <a:prstGeom prst="rect">
-            <a:avLst/>
-          </a:prstGeom>
-          <a:noFill/>
-          <a:ln>
-            <a:noFill/>
-          </a:ln>
-          <a:extLst>
-            <a:ext uri="{909E8E84-426E-40DD-AFC4-6F175D3DCCD1}">
-              <a14:hiddenFill xmlns:a14="http://schemas.microsoft.com/office/drawing/2010/main">
-                <a:solidFill>
-                  <a:schemeClr val="accent1"/>
-                </a:solidFill>
-              </a14:hiddenFill>
-            </a:ext>
-            <a:ext uri="{91240B29-F687-4F45-9708-019B960494DF}">
-              <a14:hiddenLine xmlns:a14="http://schemas.microsoft.com/office/drawing/2010/main" w="9525">
-                <a:solidFill>
-                  <a:schemeClr val="tx1"/>
-                </a:solidFill>
-                <a:miter lim="800000"/>
-                <a:headEnd/>
-                <a:tailEnd/>
-              </a14:hiddenLine>
-            </a:ext>
-          </a:extLst>
-        </p:spPr>
-      </p:pic>
-      <p:pic>
-        <p:nvPicPr>
-          <p:cNvPr id="12" name="Picture 2" descr="http://possector.hr/wordpress/wp-content/uploads/2014/08/organizacija-poslovanja-u-malim-restoranima-kuhari1.jpg"/>
-          <p:cNvPicPr>
-            <a:picLocks noChangeAspect="1" noChangeArrowheads="1"/>
-          </p:cNvPicPr>
-          <p:nvPr/>
-        </p:nvPicPr>
-        <p:blipFill>
-          <a:blip r:embed="rId2">
-            <a:extLst>
-              <a:ext uri="{28A0092B-C50C-407E-A947-70E740481C1C}">
-                <a14:useLocalDpi xmlns:a14="http://schemas.microsoft.com/office/drawing/2010/main" val="0"/>
-              </a:ext>
-            </a:extLst>
-          </a:blip>
-          <a:srcRect/>
-          <a:stretch>
-            <a:fillRect/>
-          </a:stretch>
-        </p:blipFill>
-        <p:spPr bwMode="auto">
-          <a:xfrm>
-            <a:off x="325001" y="2222087"/>
-            <a:ext cx="8371959" cy="4373629"/>
-          </a:xfrm>
-          <a:prstGeom prst="rect">
-            <a:avLst/>
-          </a:prstGeom>
-          <a:noFill/>
-          <a:extLst>
-            <a:ext uri="{909E8E84-426E-40DD-AFC4-6F175D3DCCD1}">
-              <a14:hiddenFill xmlns:a14="http://schemas.microsoft.com/office/drawing/2010/main">
-                <a:solidFill>
-                  <a:srgbClr val="FFFFFF"/>
-                </a:solidFill>
-              </a14:hiddenFill>
-            </a:ext>
-          </a:extLst>
-        </p:spPr>
-      </p:pic>
-    </p:spTree>
-    <p:extLst>
-      <p:ext uri="{BB962C8B-B14F-4D97-AF65-F5344CB8AC3E}">
-        <p14:creationId xmlns:p14="http://schemas.microsoft.com/office/powerpoint/2010/main" val="3670948011"/>
-      </p:ext>
-    </p:extLst>
-  </p:cSld>
-  <p:clrMapOvr>
-    <a:masterClrMapping/>
-  </p:clrMapOvr>
-  <mc:AlternateContent xmlns:mc="http://schemas.openxmlformats.org/markup-compatibility/2006" xmlns:p14="http://schemas.microsoft.com/office/powerpoint/2010/main">
-    <mc:Choice Requires="p14">
-      <p:transition>
-        <p14:reveal/>
-      </p:transition>
-    </mc:Choice>
-    <mc:Fallback xmlns="">
-      <p:transition>
-        <p:fade/>
-      </p:transition>
-    </mc:Fallback>
-  </mc:AlternateContent>
-  <p:timing>
-    <p:tnLst>
-      <p:par>
-        <p:cTn id="1" dur="indefinite" restart="never" nodeType="tmRoot">
-          <p:childTnLst>
-            <p:seq concurrent="1" nextAc="seek">
-              <p:cTn id="2" dur="indefinite" nodeType="mainSeq">
-                <p:childTnLst>
-                  <p:par>
-                    <p:cTn id="3" fill="hold">
-                      <p:stCondLst>
-                        <p:cond delay="indefinite"/>
-                        <p:cond evt="onBegin" delay="0">
-                          <p:tn val="2"/>
-                        </p:cond>
-                      </p:stCondLst>
-                      <p:childTnLst>
-                        <p:par>
-                          <p:cTn id="4" fill="hold">
-                            <p:stCondLst>
-                              <p:cond delay="0"/>
-                            </p:stCondLst>
-                            <p:childTnLst>
-                              <p:par>
-                                <p:cTn id="5" presetID="10" presetClass="entr" presetSubtype="0" fill="hold" nodeType="afterEffect">
-                                  <p:stCondLst>
-                                    <p:cond delay="0"/>
-                                  </p:stCondLst>
-                                  <p:childTnLst>
-                                    <p:set>
-                                      <p:cBhvr>
-                                        <p:cTn id="6" dur="1" fill="hold">
-                                          <p:stCondLst>
-                                            <p:cond delay="0"/>
-                                          </p:stCondLst>
-                                        </p:cTn>
-                                        <p:tgtEl>
-                                          <p:spTgt spid="3">
-                                            <p:txEl>
-                                              <p:pRg st="0" end="0"/>
-                                            </p:txEl>
-                                          </p:spTgt>
-                                        </p:tgtEl>
-                                        <p:attrNameLst>
-                                          <p:attrName>style.visibility</p:attrName>
-                                        </p:attrNameLst>
-                                      </p:cBhvr>
-                                      <p:to>
-                                        <p:strVal val="visible"/>
-                                      </p:to>
-                                    </p:set>
-                                    <p:animEffect transition="in" filter="fade">
-                                      <p:cBhvr>
-                                        <p:cTn id="7" dur="250"/>
-                                        <p:tgtEl>
-                                          <p:spTgt spid="3">
-                                            <p:txEl>
-                                              <p:pRg st="0" end="0"/>
-                                            </p:txEl>
-                                          </p:spTgt>
-                                        </p:tgtEl>
-                                      </p:cBhvr>
-                                    </p:animEffect>
-                                  </p:childTnLst>
-                                </p:cTn>
-                              </p:par>
-                            </p:childTnLst>
-                          </p:cTn>
-                        </p:par>
-                      </p:childTnLst>
-                    </p:cTn>
-                  </p:par>
-                  <p:par>
-                    <p:cTn id="8" fill="hold">
-                      <p:stCondLst>
-                        <p:cond delay="indefinite"/>
-                      </p:stCondLst>
-                      <p:childTnLst>
-                        <p:par>
-                          <p:cTn id="9" fill="hold">
-                            <p:stCondLst>
-                              <p:cond delay="0"/>
-                            </p:stCondLst>
-                            <p:childTnLst>
-                              <p:par>
-                                <p:cTn id="10" presetID="10" presetClass="entr" presetSubtype="0" fill="hold" nodeType="clickEffect">
-                                  <p:stCondLst>
-                                    <p:cond delay="0"/>
-                                  </p:stCondLst>
-                                  <p:childTnLst>
-                                    <p:set>
-                                      <p:cBhvr>
-                                        <p:cTn id="11" dur="1" fill="hold">
-                                          <p:stCondLst>
-                                            <p:cond delay="0"/>
-                                          </p:stCondLst>
-                                        </p:cTn>
-                                        <p:tgtEl>
-                                          <p:spTgt spid="3">
-                                            <p:txEl>
-                                              <p:pRg st="1" end="1"/>
-                                            </p:txEl>
-                                          </p:spTgt>
-                                        </p:tgtEl>
-                                        <p:attrNameLst>
-                                          <p:attrName>style.visibility</p:attrName>
-                                        </p:attrNameLst>
-                                      </p:cBhvr>
-                                      <p:to>
-                                        <p:strVal val="visible"/>
-                                      </p:to>
-                                    </p:set>
-                                    <p:animEffect transition="in" filter="fade">
-                                      <p:cBhvr>
-                                        <p:cTn id="12" dur="250"/>
-                                        <p:tgtEl>
-                                          <p:spTgt spid="3">
-                                            <p:txEl>
-                                              <p:pRg st="1" end="1"/>
-                                            </p:txEl>
-                                          </p:spTgt>
-                                        </p:tgtEl>
-                                      </p:cBhvr>
-                                    </p:animEffect>
-                                  </p:childTnLst>
-                                </p:cTn>
-                              </p:par>
-                            </p:childTnLst>
-                          </p:cTn>
-                        </p:par>
-                        <p:par>
-                          <p:cTn id="13" fill="hold">
-                            <p:stCondLst>
-                              <p:cond delay="250"/>
-                            </p:stCondLst>
-                            <p:childTnLst>
-                              <p:par>
-                                <p:cTn id="14" presetID="10" presetClass="entr" presetSubtype="0" fill="hold" nodeType="afterEffect">
-                                  <p:stCondLst>
-                                    <p:cond delay="0"/>
-                                  </p:stCondLst>
-                                  <p:childTnLst>
-                                    <p:set>
-                                      <p:cBhvr>
-                                        <p:cTn id="15" dur="1" fill="hold">
-                                          <p:stCondLst>
-                                            <p:cond delay="0"/>
-                                          </p:stCondLst>
-                                        </p:cTn>
-                                        <p:tgtEl>
-                                          <p:spTgt spid="12"/>
-                                        </p:tgtEl>
-                                        <p:attrNameLst>
-                                          <p:attrName>style.visibility</p:attrName>
-                                        </p:attrNameLst>
-                                      </p:cBhvr>
-                                      <p:to>
-                                        <p:strVal val="visible"/>
-                                      </p:to>
-                                    </p:set>
-                                    <p:animEffect transition="in" filter="fade">
-                                      <p:cBhvr>
-                                        <p:cTn id="16" dur="250"/>
-                                        <p:tgtEl>
-                                          <p:spTgt spid="12"/>
-                                        </p:tgtEl>
-                                      </p:cBhvr>
-                                    </p:animEffect>
-                                  </p:childTnLst>
-                                </p:cTn>
-                              </p:par>
-                            </p:childTnLst>
-                          </p:cTn>
-                        </p:par>
-                      </p:childTnLst>
-                    </p:cTn>
-                  </p:par>
-                  <p:par>
-                    <p:cTn id="17" fill="hold">
-                      <p:stCondLst>
-                        <p:cond delay="indefinite"/>
-                      </p:stCondLst>
-                      <p:childTnLst>
-                        <p:par>
-                          <p:cTn id="18" fill="hold">
-                            <p:stCondLst>
-                              <p:cond delay="0"/>
-                            </p:stCondLst>
-                            <p:childTnLst>
-                              <p:par>
-                                <p:cTn id="19" presetID="10" presetClass="exit" presetSubtype="0" fill="hold" nodeType="clickEffect">
-                                  <p:stCondLst>
-                                    <p:cond delay="0"/>
-                                  </p:stCondLst>
-                                  <p:childTnLst>
-                                    <p:animEffect transition="out" filter="fade">
-                                      <p:cBhvr>
-                                        <p:cTn id="20" dur="250"/>
-                                        <p:tgtEl>
-                                          <p:spTgt spid="12"/>
-                                        </p:tgtEl>
-                                      </p:cBhvr>
-                                    </p:animEffect>
-                                    <p:set>
-                                      <p:cBhvr>
-                                        <p:cTn id="21" dur="1" fill="hold">
-                                          <p:stCondLst>
-                                            <p:cond delay="249"/>
-                                          </p:stCondLst>
-                                        </p:cTn>
-                                        <p:tgtEl>
-                                          <p:spTgt spid="12"/>
-                                        </p:tgtEl>
-                                        <p:attrNameLst>
-                                          <p:attrName>style.visibility</p:attrName>
-                                        </p:attrNameLst>
-                                      </p:cBhvr>
-                                      <p:to>
-                                        <p:strVal val="hidden"/>
-                                      </p:to>
-                                    </p:set>
-                                  </p:childTnLst>
-                                </p:cTn>
-                              </p:par>
-                            </p:childTnLst>
-                          </p:cTn>
-                        </p:par>
-                        <p:par>
-                          <p:cTn id="22" fill="hold">
-                            <p:stCondLst>
-                              <p:cond delay="250"/>
-                            </p:stCondLst>
-                            <p:childTnLst>
-                              <p:par>
-                                <p:cTn id="23" presetID="10" presetClass="entr" presetSubtype="0" fill="hold" nodeType="afterEffect">
-                                  <p:stCondLst>
-                                    <p:cond delay="0"/>
-                                  </p:stCondLst>
-                                  <p:childTnLst>
-                                    <p:set>
-                                      <p:cBhvr>
-                                        <p:cTn id="24" dur="1" fill="hold">
-                                          <p:stCondLst>
-                                            <p:cond delay="0"/>
-                                          </p:stCondLst>
-                                        </p:cTn>
-                                        <p:tgtEl>
-                                          <p:spTgt spid="3">
-                                            <p:txEl>
-                                              <p:pRg st="2" end="2"/>
-                                            </p:txEl>
-                                          </p:spTgt>
-                                        </p:tgtEl>
-                                        <p:attrNameLst>
-                                          <p:attrName>style.visibility</p:attrName>
-                                        </p:attrNameLst>
-                                      </p:cBhvr>
-                                      <p:to>
-                                        <p:strVal val="visible"/>
-                                      </p:to>
-                                    </p:set>
-                                    <p:animEffect transition="in" filter="fade">
-                                      <p:cBhvr>
-                                        <p:cTn id="25" dur="250"/>
-                                        <p:tgtEl>
-                                          <p:spTgt spid="3">
-                                            <p:txEl>
-                                              <p:pRg st="2" end="2"/>
-                                            </p:txEl>
-                                          </p:spTgt>
-                                        </p:tgtEl>
-                                      </p:cBhvr>
-                                    </p:animEffect>
-                                  </p:childTnLst>
-                                </p:cTn>
-                              </p:par>
-                            </p:childTnLst>
-                          </p:cTn>
-                        </p:par>
-                      </p:childTnLst>
-                    </p:cTn>
-                  </p:par>
-                  <p:par>
-                    <p:cTn id="26" fill="hold">
-                      <p:stCondLst>
-                        <p:cond delay="indefinite"/>
-                      </p:stCondLst>
-                      <p:childTnLst>
-                        <p:par>
-                          <p:cTn id="27" fill="hold">
-                            <p:stCondLst>
-                              <p:cond delay="0"/>
-                            </p:stCondLst>
-                            <p:childTnLst>
-                              <p:par>
-                                <p:cTn id="28" presetID="10" presetClass="entr" presetSubtype="0" fill="hold" nodeType="clickEffect">
-                                  <p:stCondLst>
-                                    <p:cond delay="0"/>
-                                  </p:stCondLst>
-                                  <p:childTnLst>
-                                    <p:set>
-                                      <p:cBhvr>
-                                        <p:cTn id="29" dur="1" fill="hold">
-                                          <p:stCondLst>
-                                            <p:cond delay="0"/>
-                                          </p:stCondLst>
-                                        </p:cTn>
-                                        <p:tgtEl>
-                                          <p:spTgt spid="3">
-                                            <p:txEl>
-                                              <p:pRg st="3" end="3"/>
-                                            </p:txEl>
-                                          </p:spTgt>
-                                        </p:tgtEl>
-                                        <p:attrNameLst>
-                                          <p:attrName>style.visibility</p:attrName>
-                                        </p:attrNameLst>
-                                      </p:cBhvr>
-                                      <p:to>
-                                        <p:strVal val="visible"/>
-                                      </p:to>
-                                    </p:set>
-                                    <p:animEffect transition="in" filter="fade">
-                                      <p:cBhvr>
-                                        <p:cTn id="30" dur="250"/>
-                                        <p:tgtEl>
-                                          <p:spTgt spid="3">
-                                            <p:txEl>
-                                              <p:pRg st="3" end="3"/>
-                                            </p:txEl>
-                                          </p:spTgt>
-                                        </p:tgtEl>
-                                      </p:cBhvr>
-                                    </p:animEffect>
-                                  </p:childTnLst>
-                                </p:cTn>
-                              </p:par>
-                            </p:childTnLst>
-                          </p:cTn>
-                        </p:par>
-                      </p:childTnLst>
-                    </p:cTn>
-                  </p:par>
-                  <p:par>
-                    <p:cTn id="31" fill="hold">
-                      <p:stCondLst>
-                        <p:cond delay="indefinite"/>
-                      </p:stCondLst>
-                      <p:childTnLst>
-                        <p:par>
-                          <p:cTn id="32" fill="hold">
-                            <p:stCondLst>
-                              <p:cond delay="0"/>
-                            </p:stCondLst>
-                            <p:childTnLst>
-                              <p:par>
-                                <p:cTn id="33" presetID="10" presetClass="entr" presetSubtype="0" fill="hold" nodeType="clickEffect">
-                                  <p:stCondLst>
-                                    <p:cond delay="0"/>
-                                  </p:stCondLst>
-                                  <p:childTnLst>
-                                    <p:set>
-                                      <p:cBhvr>
-                                        <p:cTn id="34" dur="1" fill="hold">
-                                          <p:stCondLst>
-                                            <p:cond delay="0"/>
-                                          </p:stCondLst>
-                                        </p:cTn>
-                                        <p:tgtEl>
-                                          <p:spTgt spid="3">
-                                            <p:txEl>
-                                              <p:pRg st="4" end="4"/>
-                                            </p:txEl>
-                                          </p:spTgt>
-                                        </p:tgtEl>
-                                        <p:attrNameLst>
-                                          <p:attrName>style.visibility</p:attrName>
-                                        </p:attrNameLst>
-                                      </p:cBhvr>
-                                      <p:to>
-                                        <p:strVal val="visible"/>
-                                      </p:to>
-                                    </p:set>
-                                    <p:animEffect transition="in" filter="fade">
-                                      <p:cBhvr>
-                                        <p:cTn id="35" dur="250"/>
-                                        <p:tgtEl>
-                                          <p:spTgt spid="3">
-                                            <p:txEl>
-                                              <p:pRg st="4" end="4"/>
-                                            </p:txEl>
-                                          </p:spTgt>
-                                        </p:tgtEl>
-                                      </p:cBhvr>
-                                    </p:animEffect>
-                                  </p:childTnLst>
-                                </p:cTn>
-                              </p:par>
-                            </p:childTnLst>
-                          </p:cTn>
-                        </p:par>
-                      </p:childTnLst>
-                    </p:cTn>
-                  </p:par>
-                  <p:par>
-                    <p:cTn id="36" fill="hold">
-                      <p:stCondLst>
-                        <p:cond delay="indefinite"/>
-                      </p:stCondLst>
-                      <p:childTnLst>
-                        <p:par>
-                          <p:cTn id="37" fill="hold">
-                            <p:stCondLst>
-                              <p:cond delay="0"/>
-                            </p:stCondLst>
-                            <p:childTnLst>
-                              <p:par>
-                                <p:cTn id="38" presetID="22" presetClass="entr" presetSubtype="8" fill="hold" grpId="0" nodeType="clickEffect">
-                                  <p:stCondLst>
-                                    <p:cond delay="0"/>
-                                  </p:stCondLst>
-                                  <p:childTnLst>
-                                    <p:set>
-                                      <p:cBhvr>
-                                        <p:cTn id="39" dur="1" fill="hold">
-                                          <p:stCondLst>
-                                            <p:cond delay="0"/>
-                                          </p:stCondLst>
-                                        </p:cTn>
-                                        <p:tgtEl>
-                                          <p:spTgt spid="4"/>
-                                        </p:tgtEl>
-                                        <p:attrNameLst>
-                                          <p:attrName>style.visibility</p:attrName>
-                                        </p:attrNameLst>
-                                      </p:cBhvr>
-                                      <p:to>
-                                        <p:strVal val="visible"/>
-                                      </p:to>
-                                    </p:set>
-                                    <p:animEffect transition="in" filter="wipe(left)">
-                                      <p:cBhvr>
-                                        <p:cTn id="40" dur="250"/>
-                                        <p:tgtEl>
-                                          <p:spTgt spid="4"/>
-                                        </p:tgtEl>
-                                      </p:cBhvr>
-                                    </p:animEffect>
-                                  </p:childTnLst>
-                                </p:cTn>
-                              </p:par>
-                            </p:childTnLst>
-                          </p:cTn>
-                        </p:par>
-                        <p:par>
-                          <p:cTn id="41" fill="hold">
-                            <p:stCondLst>
-                              <p:cond delay="250"/>
-                            </p:stCondLst>
-                            <p:childTnLst>
-                              <p:par>
-                                <p:cTn id="42" presetID="10" presetClass="entr" presetSubtype="0" fill="hold" nodeType="afterEffect">
-                                  <p:stCondLst>
-                                    <p:cond delay="0"/>
-                                  </p:stCondLst>
-                                  <p:childTnLst>
-                                    <p:set>
-                                      <p:cBhvr>
-                                        <p:cTn id="43" dur="1" fill="hold">
-                                          <p:stCondLst>
-                                            <p:cond delay="0"/>
-                                          </p:stCondLst>
-                                        </p:cTn>
-                                        <p:tgtEl>
-                                          <p:spTgt spid="9"/>
-                                        </p:tgtEl>
-                                        <p:attrNameLst>
-                                          <p:attrName>style.visibility</p:attrName>
-                                        </p:attrNameLst>
-                                      </p:cBhvr>
-                                      <p:to>
-                                        <p:strVal val="visible"/>
-                                      </p:to>
-                                    </p:set>
-                                    <p:animEffect transition="in" filter="fade">
-                                      <p:cBhvr>
-                                        <p:cTn id="44" dur="250"/>
-                                        <p:tgtEl>
-                                          <p:spTgt spid="9"/>
-                                        </p:tgtEl>
-                                      </p:cBhvr>
-                                    </p:animEffect>
-                                  </p:childTnLst>
-                                </p:cTn>
-                              </p:par>
-                            </p:childTnLst>
-                          </p:cTn>
-                        </p:par>
-                      </p:childTnLst>
-                    </p:cTn>
-                  </p:par>
-                  <p:par>
-                    <p:cTn id="45" fill="hold">
-                      <p:stCondLst>
-                        <p:cond delay="indefinite"/>
-                      </p:stCondLst>
-                      <p:childTnLst>
-                        <p:par>
-                          <p:cTn id="46" fill="hold">
-                            <p:stCondLst>
-                              <p:cond delay="0"/>
-                            </p:stCondLst>
-                            <p:childTnLst>
-                              <p:par>
-                                <p:cTn id="47" presetID="22" presetClass="entr" presetSubtype="8" fill="hold" grpId="0" nodeType="clickEffect">
-                                  <p:stCondLst>
-                                    <p:cond delay="0"/>
-                                  </p:stCondLst>
-                                  <p:childTnLst>
-                                    <p:set>
-                                      <p:cBhvr>
-                                        <p:cTn id="48" dur="1" fill="hold">
-                                          <p:stCondLst>
-                                            <p:cond delay="0"/>
-                                          </p:stCondLst>
-                                        </p:cTn>
-                                        <p:tgtEl>
-                                          <p:spTgt spid="7"/>
-                                        </p:tgtEl>
-                                        <p:attrNameLst>
-                                          <p:attrName>style.visibility</p:attrName>
-                                        </p:attrNameLst>
-                                      </p:cBhvr>
-                                      <p:to>
-                                        <p:strVal val="visible"/>
-                                      </p:to>
-                                    </p:set>
-                                    <p:animEffect transition="in" filter="wipe(left)">
-                                      <p:cBhvr>
-                                        <p:cTn id="49" dur="250"/>
-                                        <p:tgtEl>
-                                          <p:spTgt spid="7"/>
-                                        </p:tgtEl>
-                                      </p:cBhvr>
-                                    </p:animEffect>
-                                  </p:childTnLst>
-                                </p:cTn>
-                              </p:par>
-                            </p:childTnLst>
-                          </p:cTn>
-                        </p:par>
-                        <p:par>
-                          <p:cTn id="50" fill="hold">
-                            <p:stCondLst>
-                              <p:cond delay="250"/>
-                            </p:stCondLst>
-                            <p:childTnLst>
-                              <p:par>
-                                <p:cTn id="51" presetID="22" presetClass="entr" presetSubtype="8" fill="hold" grpId="0" nodeType="afterEffect">
-                                  <p:stCondLst>
-                                    <p:cond delay="0"/>
-                                  </p:stCondLst>
-                                  <p:childTnLst>
-                                    <p:set>
-                                      <p:cBhvr>
-                                        <p:cTn id="52" dur="1" fill="hold">
-                                          <p:stCondLst>
-                                            <p:cond delay="0"/>
-                                          </p:stCondLst>
-                                        </p:cTn>
-                                        <p:tgtEl>
-                                          <p:spTgt spid="5"/>
-                                        </p:tgtEl>
-                                        <p:attrNameLst>
-                                          <p:attrName>style.visibility</p:attrName>
-                                        </p:attrNameLst>
-                                      </p:cBhvr>
-                                      <p:to>
-                                        <p:strVal val="visible"/>
-                                      </p:to>
-                                    </p:set>
-                                    <p:animEffect transition="in" filter="wipe(left)">
-                                      <p:cBhvr>
-                                        <p:cTn id="53" dur="250"/>
-                                        <p:tgtEl>
-                                          <p:spTgt spid="5"/>
-                                        </p:tgtEl>
-                                      </p:cBhvr>
-                                    </p:animEffect>
-                                  </p:childTnLst>
-                                </p:cTn>
-                              </p:par>
-                              <p:par>
-                                <p:cTn id="54" presetID="10" presetClass="entr" presetSubtype="0" fill="hold" nodeType="withEffect">
-                                  <p:stCondLst>
-                                    <p:cond delay="0"/>
-                                  </p:stCondLst>
-                                  <p:childTnLst>
-                                    <p:set>
-                                      <p:cBhvr>
-                                        <p:cTn id="55" dur="1" fill="hold">
-                                          <p:stCondLst>
-                                            <p:cond delay="0"/>
-                                          </p:stCondLst>
-                                        </p:cTn>
-                                        <p:tgtEl>
-                                          <p:spTgt spid="10"/>
-                                        </p:tgtEl>
-                                        <p:attrNameLst>
-                                          <p:attrName>style.visibility</p:attrName>
-                                        </p:attrNameLst>
-                                      </p:cBhvr>
-                                      <p:to>
-                                        <p:strVal val="visible"/>
-                                      </p:to>
-                                    </p:set>
-                                    <p:animEffect transition="in" filter="fade">
-                                      <p:cBhvr>
-                                        <p:cTn id="56" dur="250"/>
-                                        <p:tgtEl>
-                                          <p:spTgt spid="10"/>
-                                        </p:tgtEl>
-                                      </p:cBhvr>
-                                    </p:animEffect>
-                                  </p:childTnLst>
-                                </p:cTn>
-                              </p:par>
-                            </p:childTnLst>
-                          </p:cTn>
-                        </p:par>
-                      </p:childTnLst>
-                    </p:cTn>
-                  </p:par>
-                  <p:par>
-                    <p:cTn id="57" fill="hold">
-                      <p:stCondLst>
-                        <p:cond delay="indefinite"/>
-                      </p:stCondLst>
-                      <p:childTnLst>
-                        <p:par>
-                          <p:cTn id="58" fill="hold">
-                            <p:stCondLst>
-                              <p:cond delay="0"/>
-                            </p:stCondLst>
-                            <p:childTnLst>
-                              <p:par>
-                                <p:cTn id="59" presetID="22" presetClass="entr" presetSubtype="8" fill="hold" grpId="0" nodeType="clickEffect">
-                                  <p:stCondLst>
-                                    <p:cond delay="0"/>
-                                  </p:stCondLst>
-                                  <p:childTnLst>
-                                    <p:set>
-                                      <p:cBhvr>
-                                        <p:cTn id="60" dur="1" fill="hold">
-                                          <p:stCondLst>
-                                            <p:cond delay="0"/>
-                                          </p:stCondLst>
-                                        </p:cTn>
-                                        <p:tgtEl>
-                                          <p:spTgt spid="8"/>
-                                        </p:tgtEl>
-                                        <p:attrNameLst>
-                                          <p:attrName>style.visibility</p:attrName>
-                                        </p:attrNameLst>
-                                      </p:cBhvr>
-                                      <p:to>
-                                        <p:strVal val="visible"/>
-                                      </p:to>
-                                    </p:set>
-                                    <p:animEffect transition="in" filter="wipe(left)">
-                                      <p:cBhvr>
-                                        <p:cTn id="61" dur="250"/>
-                                        <p:tgtEl>
-                                          <p:spTgt spid="8"/>
-                                        </p:tgtEl>
-                                      </p:cBhvr>
-                                    </p:animEffect>
-                                  </p:childTnLst>
-                                </p:cTn>
-                              </p:par>
-                            </p:childTnLst>
-                          </p:cTn>
-                        </p:par>
-                        <p:par>
-                          <p:cTn id="62" fill="hold">
-                            <p:stCondLst>
-                              <p:cond delay="250"/>
-                            </p:stCondLst>
-                            <p:childTnLst>
-                              <p:par>
-                                <p:cTn id="63" presetID="22" presetClass="entr" presetSubtype="8" fill="hold" grpId="0" nodeType="afterEffect">
-                                  <p:stCondLst>
-                                    <p:cond delay="0"/>
-                                  </p:stCondLst>
-                                  <p:childTnLst>
-                                    <p:set>
-                                      <p:cBhvr>
-                                        <p:cTn id="64" dur="1" fill="hold">
-                                          <p:stCondLst>
-                                            <p:cond delay="0"/>
-                                          </p:stCondLst>
-                                        </p:cTn>
-                                        <p:tgtEl>
-                                          <p:spTgt spid="6"/>
-                                        </p:tgtEl>
-                                        <p:attrNameLst>
-                                          <p:attrName>style.visibility</p:attrName>
-                                        </p:attrNameLst>
-                                      </p:cBhvr>
-                                      <p:to>
-                                        <p:strVal val="visible"/>
-                                      </p:to>
-                                    </p:set>
-                                    <p:animEffect transition="in" filter="wipe(left)">
-                                      <p:cBhvr>
-                                        <p:cTn id="65" dur="250"/>
-                                        <p:tgtEl>
-                                          <p:spTgt spid="6"/>
-                                        </p:tgtEl>
-                                      </p:cBhvr>
-                                    </p:animEffect>
-                                  </p:childTnLst>
-                                </p:cTn>
-                              </p:par>
-                            </p:childTnLst>
-                          </p:cTn>
-                        </p:par>
-                        <p:par>
-                          <p:cTn id="66" fill="hold">
-                            <p:stCondLst>
-                              <p:cond delay="500"/>
-                            </p:stCondLst>
-                            <p:childTnLst>
-                              <p:par>
-                                <p:cTn id="67" presetID="10" presetClass="entr" presetSubtype="0" fill="hold" nodeType="afterEffect">
-                                  <p:stCondLst>
-                                    <p:cond delay="0"/>
-                                  </p:stCondLst>
-                                  <p:childTnLst>
-                                    <p:set>
-                                      <p:cBhvr>
-                                        <p:cTn id="68" dur="1" fill="hold">
-                                          <p:stCondLst>
-                                            <p:cond delay="0"/>
-                                          </p:stCondLst>
-                                        </p:cTn>
-                                        <p:tgtEl>
-                                          <p:spTgt spid="15"/>
-                                        </p:tgtEl>
-                                        <p:attrNameLst>
-                                          <p:attrName>style.visibility</p:attrName>
-                                        </p:attrNameLst>
-                                      </p:cBhvr>
-                                      <p:to>
-                                        <p:strVal val="visible"/>
-                                      </p:to>
-                                    </p:set>
-                                    <p:animEffect transition="in" filter="fade">
-                                      <p:cBhvr>
-                                        <p:cTn id="69" dur="250"/>
-                                        <p:tgtEl>
-                                          <p:spTgt spid="15"/>
-                                        </p:tgtEl>
-                                      </p:cBhvr>
-                                    </p:animEffect>
-                                  </p:childTnLst>
-                                </p:cTn>
-                              </p:par>
-                            </p:childTnLst>
-                          </p:cTn>
-                        </p:par>
-                      </p:childTnLst>
-                    </p:cTn>
-                  </p:par>
-                </p:childTnLst>
-              </p:cTn>
-              <p:prevCondLst>
-                <p:cond evt="onPrev" delay="0">
-                  <p:tgtEl>
-                    <p:sldTgt/>
-                  </p:tgtEl>
-                </p:cond>
-              </p:prevCondLst>
-              <p:nextCondLst>
-                <p:cond evt="onNext" delay="0">
-                  <p:tgtEl>
-                    <p:sldTgt/>
-                  </p:tgtEl>
-                </p:cond>
-              </p:nextCondLst>
-            </p:seq>
-          </p:childTnLst>
-        </p:cTn>
-      </p:par>
-    </p:tnLst>
-    <p:bldLst>
-      <p:bldP spid="4" grpId="0" animBg="1"/>
-      <p:bldP spid="5" grpId="0" animBg="1"/>
-      <p:bldP spid="6" grpId="0" animBg="1"/>
-      <p:bldP spid="7" grpId="0" animBg="1"/>
-      <p:bldP spid="8" grpId="0" animBg="1"/>
-    </p:bldLst>
-  </p:timing>
-</p:sld>
-</file>
-
 <file path=ppt/slides/slide3.xml><?xml version="1.0" encoding="utf-8"?>
 <p:sld xmlns:a="http://schemas.openxmlformats.org/drawingml/2006/main" xmlns:r="http://schemas.openxmlformats.org/officeDocument/2006/relationships" xmlns:p="http://schemas.openxmlformats.org/presentationml/2006/main">
   <p:cSld>
@@ -19231,13 +22197,13 @@
   <p:clrMapOvr>
     <a:masterClrMapping/>
   </p:clrMapOvr>
-  <mc:AlternateContent xmlns:mc="http://schemas.openxmlformats.org/markup-compatibility/2006" xmlns:p14="http://schemas.microsoft.com/office/powerpoint/2010/main">
-    <mc:Choice Requires="p14">
+  <mc:AlternateContent xmlns:mc="http://schemas.openxmlformats.org/markup-compatibility/2006">
+    <mc:Choice xmlns:p14="http://schemas.microsoft.com/office/powerpoint/2010/main" Requires="p14">
       <p:transition>
         <p14:reveal/>
       </p:transition>
     </mc:Choice>
-    <mc:Fallback xmlns="">
+    <mc:Fallback>
       <p:transition>
         <p:fade/>
       </p:transition>
@@ -19780,13 +22746,13 @@
   <p:clrMapOvr>
     <a:masterClrMapping/>
   </p:clrMapOvr>
-  <mc:AlternateContent xmlns:mc="http://schemas.openxmlformats.org/markup-compatibility/2006" xmlns:p14="http://schemas.microsoft.com/office/powerpoint/2010/main">
-    <mc:Choice Requires="p14">
+  <mc:AlternateContent xmlns:mc="http://schemas.openxmlformats.org/markup-compatibility/2006">
+    <mc:Choice xmlns:p14="http://schemas.microsoft.com/office/powerpoint/2010/main" Requires="p14">
       <p:transition>
         <p14:reveal/>
       </p:transition>
     </mc:Choice>
-    <mc:Fallback xmlns="">
+    <mc:Fallback>
       <p:transition>
         <p:fade/>
       </p:transition>
@@ -20902,13 +23868,13 @@
   <p:clrMapOvr>
     <a:masterClrMapping/>
   </p:clrMapOvr>
-  <mc:AlternateContent xmlns:mc="http://schemas.openxmlformats.org/markup-compatibility/2006" xmlns:p14="http://schemas.microsoft.com/office/powerpoint/2010/main">
-    <mc:Choice Requires="p14">
+  <mc:AlternateContent xmlns:mc="http://schemas.openxmlformats.org/markup-compatibility/2006">
+    <mc:Choice xmlns:p14="http://schemas.microsoft.com/office/powerpoint/2010/main" Requires="p14">
       <p:transition>
         <p14:reveal/>
       </p:transition>
     </mc:Choice>
-    <mc:Fallback xmlns="">
+    <mc:Fallback>
       <p:transition>
         <p:fade/>
       </p:transition>
@@ -21799,13 +24765,13 @@
   <p:clrMapOvr>
     <a:masterClrMapping/>
   </p:clrMapOvr>
-  <mc:AlternateContent xmlns:mc="http://schemas.openxmlformats.org/markup-compatibility/2006" xmlns:p14="http://schemas.microsoft.com/office/powerpoint/2010/main">
-    <mc:Choice Requires="p14">
+  <mc:AlternateContent xmlns:mc="http://schemas.openxmlformats.org/markup-compatibility/2006">
+    <mc:Choice xmlns:p14="http://schemas.microsoft.com/office/powerpoint/2010/main" Requires="p14">
       <p:transition>
         <p14:reveal/>
       </p:transition>
     </mc:Choice>
-    <mc:Fallback xmlns="">
+    <mc:Fallback>
       <p:transition>
         <p:fade/>
       </p:transition>
@@ -22608,13 +25574,13 @@
   <p:clrMapOvr>
     <a:masterClrMapping/>
   </p:clrMapOvr>
-  <mc:AlternateContent xmlns:mc="http://schemas.openxmlformats.org/markup-compatibility/2006" xmlns:p14="http://schemas.microsoft.com/office/powerpoint/2010/main">
-    <mc:Choice Requires="p14">
+  <mc:AlternateContent xmlns:mc="http://schemas.openxmlformats.org/markup-compatibility/2006">
+    <mc:Choice xmlns:p14="http://schemas.microsoft.com/office/powerpoint/2010/main" Requires="p14">
       <p:transition>
         <p14:reveal/>
       </p:transition>
     </mc:Choice>
-    <mc:Fallback xmlns="">
+    <mc:Fallback>
       <p:transition>
         <p:fade/>
       </p:transition>
@@ -23246,13 +26212,13 @@
   <p:clrMapOvr>
     <a:masterClrMapping/>
   </p:clrMapOvr>
-  <mc:AlternateContent xmlns:mc="http://schemas.openxmlformats.org/markup-compatibility/2006" xmlns:p14="http://schemas.microsoft.com/office/powerpoint/2010/main">
-    <mc:Choice Requires="p14">
+  <mc:AlternateContent xmlns:mc="http://schemas.openxmlformats.org/markup-compatibility/2006">
+    <mc:Choice xmlns:p14="http://schemas.microsoft.com/office/powerpoint/2010/main" Requires="p14">
       <p:transition>
         <p14:reveal/>
       </p:transition>
     </mc:Choice>
-    <mc:Fallback xmlns="">
+    <mc:Fallback>
       <p:transition>
         <p:fade/>
       </p:transition>
@@ -23897,13 +26863,13 @@
   <p:clrMapOvr>
     <a:masterClrMapping/>
   </p:clrMapOvr>
-  <mc:AlternateContent xmlns:mc="http://schemas.openxmlformats.org/markup-compatibility/2006" xmlns:p14="http://schemas.microsoft.com/office/powerpoint/2010/main">
-    <mc:Choice Requires="p14">
+  <mc:AlternateContent xmlns:mc="http://schemas.openxmlformats.org/markup-compatibility/2006">
+    <mc:Choice xmlns:p14="http://schemas.microsoft.com/office/powerpoint/2010/main" Requires="p14">
       <p:transition>
         <p14:reveal/>
       </p:transition>
     </mc:Choice>
-    <mc:Fallback xmlns="">
+    <mc:Fallback>
       <p:transition>
         <p:fade/>
       </p:transition>
